--- a/ASSIGNMENT2.pptx
+++ b/ASSIGNMENT2.pptx
@@ -13,17 +13,7 @@
     <p:sldId id="277" r:id="rId7"/>
     <p:sldId id="278" r:id="rId8"/>
     <p:sldId id="259" r:id="rId9"/>
-    <p:sldId id="279" r:id="rId10"/>
-    <p:sldId id="261" r:id="rId11"/>
-    <p:sldId id="262" r:id="rId12"/>
-    <p:sldId id="263" r:id="rId13"/>
-    <p:sldId id="264" r:id="rId14"/>
-    <p:sldId id="265" r:id="rId15"/>
-    <p:sldId id="267" r:id="rId16"/>
-    <p:sldId id="268" r:id="rId17"/>
-    <p:sldId id="269" r:id="rId18"/>
-    <p:sldId id="266" r:id="rId19"/>
-    <p:sldId id="271" r:id="rId20"/>
+    <p:sldId id="271" r:id="rId10"/>
   </p:sldIdLst>
   <p:sldSz cx="12192000" cy="6858000"/>
   <p:notesSz cx="6858000" cy="9144000"/>
@@ -852,7 +842,7 @@
           <a:p>
             <a:fld id="{3064EE62-ECEF-41AE-9F67-44CA13249033}" type="datetimeFigureOut">
               <a:rPr lang="en-ID" smtClean="0"/>
-              <a:t>09/07/2022</a:t>
+              <a:t>21/07/2022</a:t>
             </a:fld>
             <a:endParaRPr lang="en-ID"/>
           </a:p>
@@ -1103,7 +1093,7 @@
           <a:p>
             <a:fld id="{3064EE62-ECEF-41AE-9F67-44CA13249033}" type="datetimeFigureOut">
               <a:rPr lang="en-ID" smtClean="0"/>
-              <a:t>09/07/2022</a:t>
+              <a:t>21/07/2022</a:t>
             </a:fld>
             <a:endParaRPr lang="en-ID"/>
           </a:p>
@@ -1417,7 +1407,7 @@
           <a:p>
             <a:fld id="{3064EE62-ECEF-41AE-9F67-44CA13249033}" type="datetimeFigureOut">
               <a:rPr lang="en-ID" smtClean="0"/>
-              <a:t>09/07/2022</a:t>
+              <a:t>21/07/2022</a:t>
             </a:fld>
             <a:endParaRPr lang="en-ID"/>
           </a:p>
@@ -1758,7 +1748,7 @@
           <a:p>
             <a:fld id="{3064EE62-ECEF-41AE-9F67-44CA13249033}" type="datetimeFigureOut">
               <a:rPr lang="en-ID" smtClean="0"/>
-              <a:t>09/07/2022</a:t>
+              <a:t>21/07/2022</a:t>
             </a:fld>
             <a:endParaRPr lang="en-ID"/>
           </a:p>
@@ -2072,7 +2062,7 @@
           <a:p>
             <a:fld id="{3064EE62-ECEF-41AE-9F67-44CA13249033}" type="datetimeFigureOut">
               <a:rPr lang="en-ID" smtClean="0"/>
-              <a:t>09/07/2022</a:t>
+              <a:t>21/07/2022</a:t>
             </a:fld>
             <a:endParaRPr lang="en-ID"/>
           </a:p>
@@ -2465,7 +2455,7 @@
           <a:p>
             <a:fld id="{3064EE62-ECEF-41AE-9F67-44CA13249033}" type="datetimeFigureOut">
               <a:rPr lang="en-ID" smtClean="0"/>
-              <a:t>09/07/2022</a:t>
+              <a:t>21/07/2022</a:t>
             </a:fld>
             <a:endParaRPr lang="en-ID"/>
           </a:p>
@@ -2635,7 +2625,7 @@
           <a:p>
             <a:fld id="{3064EE62-ECEF-41AE-9F67-44CA13249033}" type="datetimeFigureOut">
               <a:rPr lang="en-ID" smtClean="0"/>
-              <a:t>09/07/2022</a:t>
+              <a:t>21/07/2022</a:t>
             </a:fld>
             <a:endParaRPr lang="en-ID"/>
           </a:p>
@@ -2815,7 +2805,7 @@
           <a:p>
             <a:fld id="{3064EE62-ECEF-41AE-9F67-44CA13249033}" type="datetimeFigureOut">
               <a:rPr lang="en-ID" smtClean="0"/>
-              <a:t>09/07/2022</a:t>
+              <a:t>21/07/2022</a:t>
             </a:fld>
             <a:endParaRPr lang="en-ID"/>
           </a:p>
@@ -2991,7 +2981,7 @@
           <a:p>
             <a:fld id="{3064EE62-ECEF-41AE-9F67-44CA13249033}" type="datetimeFigureOut">
               <a:rPr lang="en-ID" smtClean="0"/>
-              <a:t>09/07/2022</a:t>
+              <a:t>21/07/2022</a:t>
             </a:fld>
             <a:endParaRPr lang="en-ID"/>
           </a:p>
@@ -3238,7 +3228,7 @@
           <a:p>
             <a:fld id="{3064EE62-ECEF-41AE-9F67-44CA13249033}" type="datetimeFigureOut">
               <a:rPr lang="en-ID" smtClean="0"/>
-              <a:t>09/07/2022</a:t>
+              <a:t>21/07/2022</a:t>
             </a:fld>
             <a:endParaRPr lang="en-ID"/>
           </a:p>
@@ -3470,7 +3460,7 @@
           <a:p>
             <a:fld id="{3064EE62-ECEF-41AE-9F67-44CA13249033}" type="datetimeFigureOut">
               <a:rPr lang="en-ID" smtClean="0"/>
-              <a:t>09/07/2022</a:t>
+              <a:t>21/07/2022</a:t>
             </a:fld>
             <a:endParaRPr lang="en-ID"/>
           </a:p>
@@ -3844,7 +3834,7 @@
           <a:p>
             <a:fld id="{3064EE62-ECEF-41AE-9F67-44CA13249033}" type="datetimeFigureOut">
               <a:rPr lang="en-ID" smtClean="0"/>
-              <a:t>09/07/2022</a:t>
+              <a:t>21/07/2022</a:t>
             </a:fld>
             <a:endParaRPr lang="en-ID"/>
           </a:p>
@@ -3967,7 +3957,7 @@
           <a:p>
             <a:fld id="{3064EE62-ECEF-41AE-9F67-44CA13249033}" type="datetimeFigureOut">
               <a:rPr lang="en-ID" smtClean="0"/>
-              <a:t>09/07/2022</a:t>
+              <a:t>21/07/2022</a:t>
             </a:fld>
             <a:endParaRPr lang="en-ID"/>
           </a:p>
@@ -4062,7 +4052,7 @@
           <a:p>
             <a:fld id="{3064EE62-ECEF-41AE-9F67-44CA13249033}" type="datetimeFigureOut">
               <a:rPr lang="en-ID" smtClean="0"/>
-              <a:t>09/07/2022</a:t>
+              <a:t>21/07/2022</a:t>
             </a:fld>
             <a:endParaRPr lang="en-ID"/>
           </a:p>
@@ -4317,7 +4307,7 @@
           <a:p>
             <a:fld id="{3064EE62-ECEF-41AE-9F67-44CA13249033}" type="datetimeFigureOut">
               <a:rPr lang="en-ID" smtClean="0"/>
-              <a:t>09/07/2022</a:t>
+              <a:t>21/07/2022</a:t>
             </a:fld>
             <a:endParaRPr lang="en-ID"/>
           </a:p>
@@ -4580,7 +4570,7 @@
           <a:p>
             <a:fld id="{3064EE62-ECEF-41AE-9F67-44CA13249033}" type="datetimeFigureOut">
               <a:rPr lang="en-ID" smtClean="0"/>
-              <a:t>09/07/2022</a:t>
+              <a:t>21/07/2022</a:t>
             </a:fld>
             <a:endParaRPr lang="en-ID"/>
           </a:p>
@@ -5323,7 +5313,7 @@
           <a:p>
             <a:fld id="{3064EE62-ECEF-41AE-9F67-44CA13249033}" type="datetimeFigureOut">
               <a:rPr lang="en-ID" smtClean="0"/>
-              <a:t>09/07/2022</a:t>
+              <a:t>21/07/2022</a:t>
             </a:fld>
             <a:endParaRPr lang="en-ID"/>
           </a:p>
@@ -5863,7 +5853,12 @@
             <p:ph type="ctrTitle"/>
           </p:nvPr>
         </p:nvSpPr>
-        <p:spPr/>
+        <p:spPr>
+          <a:xfrm>
+            <a:off x="1507067" y="2419350"/>
+            <a:ext cx="7766936" cy="2450636"/>
+          </a:xfrm>
+        </p:spPr>
         <p:txBody>
           <a:bodyPr/>
           <a:lstStyle/>
@@ -5884,7 +5879,26 @@
                 <a:effectLst/>
                 <a:latin typeface="Arial" panose="020B0604020202020204" pitchFamily="34" charset="0"/>
               </a:rPr>
-              <a:t>STUDY CASE from </a:t>
+              <a:t>Data Cleaning</a:t>
+            </a:r>
+            <a:br>
+              <a:rPr lang="en-ID" sz="3600" b="1" i="0" u="none" strike="noStrike" dirty="0">
+                <a:solidFill>
+                  <a:srgbClr val="233A44"/>
+                </a:solidFill>
+                <a:effectLst/>
+                <a:latin typeface="Arial" panose="020B0604020202020204" pitchFamily="34" charset="0"/>
+              </a:rPr>
+            </a:br>
+            <a:r>
+              <a:rPr lang="en-ID" sz="3600" b="1" i="0" u="none" strike="noStrike" dirty="0">
+                <a:solidFill>
+                  <a:srgbClr val="233A44"/>
+                </a:solidFill>
+                <a:effectLst/>
+                <a:latin typeface="Arial" panose="020B0604020202020204" pitchFamily="34" charset="0"/>
+              </a:rPr>
+              <a:t>on NYC-</a:t>
             </a:r>
             <a:r>
               <a:rPr lang="en-ID" sz="3600" b="1" i="0" u="none" strike="noStrike" dirty="0" err="1">
@@ -5892,44 +5906,87 @@
                   <a:srgbClr val="233A44"/>
                 </a:solidFill>
                 <a:effectLst/>
-                <a:latin typeface="Roboto" panose="02000000000000000000" pitchFamily="2" charset="0"/>
+                <a:latin typeface="Arial" panose="020B0604020202020204" pitchFamily="34" charset="0"/>
+              </a:rPr>
+              <a:t>AirBnB</a:t>
+            </a:r>
+            <a:r>
+              <a:rPr lang="en-ID" sz="3600" b="1" dirty="0">
+                <a:solidFill>
+                  <a:srgbClr val="233A44"/>
+                </a:solidFill>
+                <a:latin typeface="Arial" panose="020B0604020202020204" pitchFamily="34" charset="0"/>
+              </a:rPr>
+              <a:t> </a:t>
+            </a:r>
+            <a:r>
+              <a:rPr lang="en-ID" sz="3600" b="1" i="0" u="none" strike="noStrike" dirty="0">
+                <a:solidFill>
+                  <a:srgbClr val="233A44"/>
+                </a:solidFill>
+                <a:effectLst/>
+                <a:latin typeface="Arial" panose="020B0604020202020204" pitchFamily="34" charset="0"/>
+              </a:rPr>
+              <a:t>2019 Project</a:t>
+            </a:r>
+            <a:br>
+              <a:rPr lang="en-ID" sz="3600" b="1" i="0" u="none" strike="noStrike" dirty="0">
+                <a:solidFill>
+                  <a:srgbClr val="233A44"/>
+                </a:solidFill>
+                <a:effectLst/>
+                <a:latin typeface="Arial" panose="020B0604020202020204" pitchFamily="34" charset="0"/>
+              </a:rPr>
+            </a:br>
+            <a:br>
+              <a:rPr lang="en-ID" sz="3600" b="1" i="0" u="none" strike="noStrike" dirty="0">
+                <a:solidFill>
+                  <a:srgbClr val="233A44"/>
+                </a:solidFill>
+                <a:effectLst/>
+                <a:latin typeface="Arial" panose="020B0604020202020204" pitchFamily="34" charset="0"/>
+              </a:rPr>
+            </a:br>
+            <a:r>
+              <a:rPr lang="en-ID" sz="1800" b="1" i="0" u="none" strike="noStrike" dirty="0">
+                <a:solidFill>
+                  <a:srgbClr val="233A44"/>
+                </a:solidFill>
+                <a:effectLst/>
+                <a:latin typeface="+mn-lt"/>
+              </a:rPr>
+              <a:t>TAKEN FROM CASE STUDY</a:t>
+            </a:r>
+            <a:br>
+              <a:rPr lang="en-ID" sz="1800" b="1" i="0" u="none" strike="noStrike" dirty="0">
+                <a:solidFill>
+                  <a:srgbClr val="233A44"/>
+                </a:solidFill>
+                <a:effectLst/>
+                <a:latin typeface="+mn-lt"/>
+              </a:rPr>
+            </a:br>
+            <a:r>
+              <a:rPr lang="en-ID" sz="1800" b="1" i="0" u="none" strike="noStrike" dirty="0" err="1">
+                <a:solidFill>
+                  <a:srgbClr val="233A44"/>
+                </a:solidFill>
+                <a:effectLst/>
+                <a:latin typeface="+mn-lt"/>
               </a:rPr>
               <a:t>RevoU</a:t>
             </a:r>
-            <a:br>
-              <a:rPr lang="en-ID" sz="3600" b="1" dirty="0">
+            <a:r>
+              <a:rPr lang="en-ID" sz="1800" b="1" i="0" u="none" strike="noStrike" dirty="0">
                 <a:solidFill>
                   <a:srgbClr val="233A44"/>
                 </a:solidFill>
-                <a:latin typeface="Roboto" panose="02000000000000000000" pitchFamily="2" charset="0"/>
-              </a:rPr>
-            </a:br>
-            <a:r>
-              <a:rPr lang="en-ID" sz="3600" b="1" i="0" u="none" strike="noStrike" dirty="0">
-                <a:solidFill>
-                  <a:srgbClr val="233A44"/>
-                </a:solidFill>
                 <a:effectLst/>
-                <a:latin typeface="Roboto" panose="02000000000000000000" pitchFamily="2" charset="0"/>
-              </a:rPr>
-              <a:t>Mini Course</a:t>
-            </a:r>
-            <a:br>
-              <a:rPr lang="en-ID" sz="13800" b="0" dirty="0">
-                <a:effectLst/>
-              </a:rPr>
-            </a:br>
-            <a:r>
-              <a:rPr lang="en-ID" sz="3600" b="1" i="0" u="none" strike="noStrike" dirty="0">
-                <a:solidFill>
-                  <a:srgbClr val="233A44"/>
-                </a:solidFill>
-                <a:effectLst/>
-                <a:latin typeface="Roboto" panose="02000000000000000000" pitchFamily="2" charset="0"/>
-              </a:rPr>
-              <a:t>Data Analytics</a:t>
-            </a:r>
-            <a:endParaRPr lang="en-ID" sz="13800" dirty="0"/>
+                <a:latin typeface="+mn-lt"/>
+              </a:rPr>
+              <a:t> Mini Course - Data Analytics</a:t>
+            </a:r>
+            <a:endParaRPr lang="en-ID" sz="1800" dirty="0"/>
           </a:p>
         </p:txBody>
       </p:sp>
@@ -5951,7 +6008,7 @@
         </p:nvSpPr>
         <p:spPr>
           <a:xfrm>
-            <a:off x="1507067" y="4525347"/>
+            <a:off x="1507067" y="5306397"/>
             <a:ext cx="7766936" cy="622385"/>
           </a:xfrm>
         </p:spPr>
@@ -5993,3169 +6050,6 @@
     <p:extLst>
       <p:ext uri="{BB962C8B-B14F-4D97-AF65-F5344CB8AC3E}">
         <p14:creationId xmlns:p14="http://schemas.microsoft.com/office/powerpoint/2010/main" val="1932568671"/>
-      </p:ext>
-    </p:extLst>
-  </p:cSld>
-  <p:clrMapOvr>
-    <a:masterClrMapping/>
-  </p:clrMapOvr>
-</p:sld>
-</file>
-
-<file path=ppt/slides/slide10.xml><?xml version="1.0" encoding="utf-8"?>
-<p:sld xmlns:a="http://schemas.openxmlformats.org/drawingml/2006/main" xmlns:r="http://schemas.openxmlformats.org/officeDocument/2006/relationships" xmlns:p="http://schemas.openxmlformats.org/presentationml/2006/main" show="0">
-  <p:cSld>
-    <p:spTree>
-      <p:nvGrpSpPr>
-        <p:cNvPr id="1" name=""/>
-        <p:cNvGrpSpPr/>
-        <p:nvPr/>
-      </p:nvGrpSpPr>
-      <p:grpSpPr>
-        <a:xfrm>
-          <a:off x="0" y="0"/>
-          <a:ext cx="0" cy="0"/>
-          <a:chOff x="0" y="0"/>
-          <a:chExt cx="0" cy="0"/>
-        </a:xfrm>
-      </p:grpSpPr>
-      <p:sp>
-        <p:nvSpPr>
-          <p:cNvPr id="13" name="Title 1">
-            <a:extLst>
-              <a:ext uri="{FF2B5EF4-FFF2-40B4-BE49-F238E27FC236}">
-                <a16:creationId xmlns:a16="http://schemas.microsoft.com/office/drawing/2014/main" id="{114194E1-6887-C4BB-C88A-3D2A2A9BF1AC}"/>
-              </a:ext>
-            </a:extLst>
-          </p:cNvPr>
-          <p:cNvSpPr txBox="1">
-            <a:spLocks/>
-          </p:cNvSpPr>
-          <p:nvPr/>
-        </p:nvSpPr>
-        <p:spPr>
-          <a:xfrm>
-            <a:off x="1066800" y="852230"/>
-            <a:ext cx="10058400" cy="760078"/>
-          </a:xfrm>
-          <a:prstGeom prst="rect">
-            <a:avLst/>
-          </a:prstGeom>
-        </p:spPr>
-        <p:txBody>
-          <a:bodyPr vert="horz" lIns="91440" tIns="45720" rIns="91440" bIns="45720" rtlCol="0" anchor="ctr">
-            <a:normAutofit/>
-          </a:bodyPr>
-          <a:lstStyle>
-            <a:lvl1pPr algn="l" defTabSz="914400" rtl="0" eaLnBrk="1" latinLnBrk="0" hangingPunct="1">
-              <a:lnSpc>
-                <a:spcPct val="90000"/>
-              </a:lnSpc>
-              <a:spcBef>
-                <a:spcPct val="0"/>
-              </a:spcBef>
-              <a:buNone/>
-              <a:defRPr lang="en-US" sz="4800" kern="1200" cap="none" spc="0" baseline="0" dirty="0">
-                <a:solidFill>
-                  <a:schemeClr val="tx1">
-                    <a:lumMod val="85000"/>
-                    <a:lumOff val="15000"/>
-                  </a:schemeClr>
-                </a:solidFill>
-                <a:effectLst/>
-                <a:latin typeface="+mj-lt"/>
-                <a:ea typeface="+mn-ea"/>
-                <a:cs typeface="+mn-cs"/>
-              </a:defRPr>
-            </a:lvl1pPr>
-          </a:lstStyle>
-          <a:p>
-            <a:pPr rtl="0">
-              <a:spcBef>
-                <a:spcPts val="0"/>
-              </a:spcBef>
-              <a:spcAft>
-                <a:spcPts val="0"/>
-              </a:spcAft>
-            </a:pPr>
-            <a:r>
-              <a:rPr lang="en-ID" sz="2400" b="0" i="0" u="none" strike="noStrike" dirty="0">
-                <a:solidFill>
-                  <a:schemeClr val="tx1"/>
-                </a:solidFill>
-                <a:effectLst/>
-                <a:latin typeface="Nunito" pitchFamily="2" charset="0"/>
-              </a:rPr>
-              <a:t>SQL &amp; DATA VISUALIZATION</a:t>
-            </a:r>
-            <a:endParaRPr lang="en-ID" sz="1400" b="0" dirty="0">
-              <a:solidFill>
-                <a:schemeClr val="tx1"/>
-              </a:solidFill>
-              <a:effectLst/>
-            </a:endParaRPr>
-          </a:p>
-        </p:txBody>
-      </p:sp>
-      <p:sp>
-        <p:nvSpPr>
-          <p:cNvPr id="14" name="TextBox 13">
-            <a:extLst>
-              <a:ext uri="{FF2B5EF4-FFF2-40B4-BE49-F238E27FC236}">
-                <a16:creationId xmlns:a16="http://schemas.microsoft.com/office/drawing/2014/main" id="{4BDECECA-E7DD-54DB-5824-0C89AD2313C3}"/>
-              </a:ext>
-            </a:extLst>
-          </p:cNvPr>
-          <p:cNvSpPr txBox="1"/>
-          <p:nvPr/>
-        </p:nvSpPr>
-        <p:spPr>
-          <a:xfrm>
-            <a:off x="506963" y="1522651"/>
-            <a:ext cx="3284874" cy="473206"/>
-          </a:xfrm>
-          <a:prstGeom prst="rect">
-            <a:avLst/>
-          </a:prstGeom>
-          <a:noFill/>
-        </p:spPr>
-        <p:txBody>
-          <a:bodyPr wrap="none" rtlCol="0">
-            <a:spAutoFit/>
-          </a:bodyPr>
-          <a:lstStyle/>
-          <a:p>
-            <a:pPr marL="342900" indent="-342900">
-              <a:lnSpc>
-                <a:spcPct val="150000"/>
-              </a:lnSpc>
-              <a:buAutoNum type="arabicPeriod"/>
-            </a:pPr>
-            <a:r>
-              <a:rPr lang="en-US" dirty="0">
-                <a:latin typeface="Nunito" pitchFamily="2" charset="0"/>
-                <a:cs typeface="Times New Roman" panose="02020603050405020304" pitchFamily="18" charset="0"/>
-              </a:rPr>
-              <a:t>Number of trips per month</a:t>
-            </a:r>
-            <a:endParaRPr lang="en-ID" dirty="0">
-              <a:latin typeface="Nunito" pitchFamily="2" charset="0"/>
-              <a:cs typeface="Times New Roman" panose="02020603050405020304" pitchFamily="18" charset="0"/>
-            </a:endParaRPr>
-          </a:p>
-        </p:txBody>
-      </p:sp>
-      <p:pic>
-        <p:nvPicPr>
-          <p:cNvPr id="6" name="Picture 5">
-            <a:extLst>
-              <a:ext uri="{FF2B5EF4-FFF2-40B4-BE49-F238E27FC236}">
-                <a16:creationId xmlns:a16="http://schemas.microsoft.com/office/drawing/2014/main" id="{6B1B91BF-6050-B441-1959-DF7F8FB8D1C0}"/>
-              </a:ext>
-            </a:extLst>
-          </p:cNvPr>
-          <p:cNvPicPr>
-            <a:picLocks noChangeAspect="1"/>
-          </p:cNvPicPr>
-          <p:nvPr/>
-        </p:nvPicPr>
-        <p:blipFill>
-          <a:blip r:embed="rId2"/>
-          <a:stretch>
-            <a:fillRect/>
-          </a:stretch>
-        </p:blipFill>
-        <p:spPr>
-          <a:xfrm>
-            <a:off x="4230489" y="1612308"/>
-            <a:ext cx="7581876" cy="4734384"/>
-          </a:xfrm>
-          <a:prstGeom prst="rect">
-            <a:avLst/>
-          </a:prstGeom>
-        </p:spPr>
-      </p:pic>
-      <p:sp>
-        <p:nvSpPr>
-          <p:cNvPr id="11" name="TextBox 10">
-            <a:extLst>
-              <a:ext uri="{FF2B5EF4-FFF2-40B4-BE49-F238E27FC236}">
-                <a16:creationId xmlns:a16="http://schemas.microsoft.com/office/drawing/2014/main" id="{1EB309BE-2220-0C60-A1F5-369624B55D82}"/>
-              </a:ext>
-            </a:extLst>
-          </p:cNvPr>
-          <p:cNvSpPr txBox="1"/>
-          <p:nvPr/>
-        </p:nvSpPr>
-        <p:spPr>
-          <a:xfrm>
-            <a:off x="877078" y="2038747"/>
-            <a:ext cx="3284874" cy="3539430"/>
-          </a:xfrm>
-          <a:prstGeom prst="rect">
-            <a:avLst/>
-          </a:prstGeom>
-          <a:noFill/>
-        </p:spPr>
-        <p:txBody>
-          <a:bodyPr wrap="square" rtlCol="0">
-            <a:spAutoFit/>
-          </a:bodyPr>
-          <a:lstStyle/>
-          <a:p>
-            <a:pPr marL="285750" indent="-285750">
-              <a:buFont typeface="Arial" panose="020B0604020202020204" pitchFamily="34" charset="0"/>
-              <a:buChar char="•"/>
-            </a:pPr>
-            <a:r>
-              <a:rPr lang="en-US" sz="1600" dirty="0">
-                <a:latin typeface="Nunito" pitchFamily="2" charset="0"/>
-                <a:cs typeface="Times New Roman" panose="02020603050405020304" pitchFamily="18" charset="0"/>
-              </a:rPr>
-              <a:t>This diagram shows the number of trips per month at each station. </a:t>
-            </a:r>
-          </a:p>
-          <a:p>
-            <a:pPr marL="285750" indent="-285750">
-              <a:buFont typeface="Arial" panose="020B0604020202020204" pitchFamily="34" charset="0"/>
-              <a:buChar char="•"/>
-            </a:pPr>
-            <a:r>
-              <a:rPr lang="en-US" sz="1600" dirty="0">
-                <a:latin typeface="Nunito" pitchFamily="2" charset="0"/>
-                <a:cs typeface="Times New Roman" panose="02020603050405020304" pitchFamily="18" charset="0"/>
-              </a:rPr>
-              <a:t>We can say that :</a:t>
-            </a:r>
-          </a:p>
-          <a:p>
-            <a:pPr marL="285750" indent="-285750">
-              <a:buFont typeface="Arial" panose="020B0604020202020204" pitchFamily="34" charset="0"/>
-              <a:buChar char="•"/>
-            </a:pPr>
-            <a:r>
-              <a:rPr lang="en-US" sz="1600" dirty="0">
-                <a:latin typeface="Nunito" pitchFamily="2" charset="0"/>
-                <a:cs typeface="Times New Roman" panose="02020603050405020304" pitchFamily="18" charset="0"/>
-              </a:rPr>
-              <a:t>Where Market at Sansome station has the highest number of trips per month than any other station.</a:t>
-            </a:r>
-          </a:p>
-          <a:p>
-            <a:pPr marL="285750" indent="-285750">
-              <a:buFont typeface="Arial" panose="020B0604020202020204" pitchFamily="34" charset="0"/>
-              <a:buChar char="•"/>
-            </a:pPr>
-            <a:r>
-              <a:rPr lang="en-US" sz="1600" dirty="0">
-                <a:latin typeface="Nunito" pitchFamily="2" charset="0"/>
-                <a:cs typeface="Times New Roman" panose="02020603050405020304" pitchFamily="18" charset="0"/>
-              </a:rPr>
-              <a:t>Every year in the end of the year, the users of this San Francisco bikeshare service are decreasing.</a:t>
-            </a:r>
-          </a:p>
-          <a:p>
-            <a:pPr marL="285750" indent="-285750">
-              <a:buFont typeface="Arial" panose="020B0604020202020204" pitchFamily="34" charset="0"/>
-              <a:buChar char="•"/>
-            </a:pPr>
-            <a:r>
-              <a:rPr lang="en-US" sz="1600" dirty="0">
-                <a:latin typeface="Nunito" pitchFamily="2" charset="0"/>
-                <a:cs typeface="Times New Roman" panose="02020603050405020304" pitchFamily="18" charset="0"/>
-              </a:rPr>
-              <a:t>And in October 2014, had the most number of trips.</a:t>
-            </a:r>
-            <a:endParaRPr lang="en-ID" sz="1600" dirty="0">
-              <a:latin typeface="Nunito" pitchFamily="2" charset="0"/>
-              <a:cs typeface="Times New Roman" panose="02020603050405020304" pitchFamily="18" charset="0"/>
-            </a:endParaRPr>
-          </a:p>
-        </p:txBody>
-      </p:sp>
-    </p:spTree>
-    <p:extLst>
-      <p:ext uri="{BB962C8B-B14F-4D97-AF65-F5344CB8AC3E}">
-        <p14:creationId xmlns:p14="http://schemas.microsoft.com/office/powerpoint/2010/main" val="580745324"/>
-      </p:ext>
-    </p:extLst>
-  </p:cSld>
-  <p:clrMapOvr>
-    <a:masterClrMapping/>
-  </p:clrMapOvr>
-</p:sld>
-</file>
-
-<file path=ppt/slides/slide11.xml><?xml version="1.0" encoding="utf-8"?>
-<p:sld xmlns:a="http://schemas.openxmlformats.org/drawingml/2006/main" xmlns:r="http://schemas.openxmlformats.org/officeDocument/2006/relationships" xmlns:p="http://schemas.openxmlformats.org/presentationml/2006/main" show="0">
-  <p:cSld>
-    <p:spTree>
-      <p:nvGrpSpPr>
-        <p:cNvPr id="1" name=""/>
-        <p:cNvGrpSpPr/>
-        <p:nvPr/>
-      </p:nvGrpSpPr>
-      <p:grpSpPr>
-        <a:xfrm>
-          <a:off x="0" y="0"/>
-          <a:ext cx="0" cy="0"/>
-          <a:chOff x="0" y="0"/>
-          <a:chExt cx="0" cy="0"/>
-        </a:xfrm>
-      </p:grpSpPr>
-      <p:sp>
-        <p:nvSpPr>
-          <p:cNvPr id="10" name="Title 1">
-            <a:extLst>
-              <a:ext uri="{FF2B5EF4-FFF2-40B4-BE49-F238E27FC236}">
-                <a16:creationId xmlns:a16="http://schemas.microsoft.com/office/drawing/2014/main" id="{12EE7128-FC01-4709-6F16-E8F70D23158E}"/>
-              </a:ext>
-            </a:extLst>
-          </p:cNvPr>
-          <p:cNvSpPr>
-            <a:spLocks noGrp="1"/>
-          </p:cNvSpPr>
-          <p:nvPr>
-            <p:ph type="title"/>
-          </p:nvPr>
-        </p:nvSpPr>
-        <p:spPr>
-          <a:xfrm>
-            <a:off x="1066800" y="336134"/>
-            <a:ext cx="10058400" cy="760078"/>
-          </a:xfrm>
-        </p:spPr>
-        <p:txBody>
-          <a:bodyPr>
-            <a:normAutofit/>
-          </a:bodyPr>
-          <a:lstStyle/>
-          <a:p>
-            <a:pPr rtl="0">
-              <a:spcBef>
-                <a:spcPts val="0"/>
-              </a:spcBef>
-              <a:spcAft>
-                <a:spcPts val="0"/>
-              </a:spcAft>
-            </a:pPr>
-            <a:r>
-              <a:rPr lang="en-ID" sz="3200" b="0" i="0" u="none" strike="noStrike" dirty="0">
-                <a:solidFill>
-                  <a:schemeClr val="tx1"/>
-                </a:solidFill>
-                <a:effectLst/>
-                <a:latin typeface="Nunito" panose="020B0604020202020204" pitchFamily="2" charset="0"/>
-              </a:rPr>
-              <a:t>Case Study</a:t>
-            </a:r>
-            <a:endParaRPr lang="en-ID" sz="7200" dirty="0">
-              <a:solidFill>
-                <a:schemeClr val="tx1"/>
-              </a:solidFill>
-            </a:endParaRPr>
-          </a:p>
-        </p:txBody>
-      </p:sp>
-      <p:sp>
-        <p:nvSpPr>
-          <p:cNvPr id="13" name="Title 1">
-            <a:extLst>
-              <a:ext uri="{FF2B5EF4-FFF2-40B4-BE49-F238E27FC236}">
-                <a16:creationId xmlns:a16="http://schemas.microsoft.com/office/drawing/2014/main" id="{114194E1-6887-C4BB-C88A-3D2A2A9BF1AC}"/>
-              </a:ext>
-            </a:extLst>
-          </p:cNvPr>
-          <p:cNvSpPr txBox="1">
-            <a:spLocks/>
-          </p:cNvSpPr>
-          <p:nvPr/>
-        </p:nvSpPr>
-        <p:spPr>
-          <a:xfrm>
-            <a:off x="1066800" y="852230"/>
-            <a:ext cx="10058400" cy="760078"/>
-          </a:xfrm>
-          <a:prstGeom prst="rect">
-            <a:avLst/>
-          </a:prstGeom>
-        </p:spPr>
-        <p:txBody>
-          <a:bodyPr vert="horz" lIns="91440" tIns="45720" rIns="91440" bIns="45720" rtlCol="0" anchor="ctr">
-            <a:normAutofit/>
-          </a:bodyPr>
-          <a:lstStyle>
-            <a:lvl1pPr algn="l" defTabSz="914400" rtl="0" eaLnBrk="1" latinLnBrk="0" hangingPunct="1">
-              <a:lnSpc>
-                <a:spcPct val="90000"/>
-              </a:lnSpc>
-              <a:spcBef>
-                <a:spcPct val="0"/>
-              </a:spcBef>
-              <a:buNone/>
-              <a:defRPr lang="en-US" sz="4800" kern="1200" cap="none" spc="0" baseline="0" dirty="0">
-                <a:solidFill>
-                  <a:schemeClr val="tx1">
-                    <a:lumMod val="85000"/>
-                    <a:lumOff val="15000"/>
-                  </a:schemeClr>
-                </a:solidFill>
-                <a:effectLst/>
-                <a:latin typeface="+mj-lt"/>
-                <a:ea typeface="+mn-ea"/>
-                <a:cs typeface="+mn-cs"/>
-              </a:defRPr>
-            </a:lvl1pPr>
-          </a:lstStyle>
-          <a:p>
-            <a:pPr rtl="0">
-              <a:spcBef>
-                <a:spcPts val="0"/>
-              </a:spcBef>
-              <a:spcAft>
-                <a:spcPts val="0"/>
-              </a:spcAft>
-            </a:pPr>
-            <a:r>
-              <a:rPr lang="en-ID" sz="2400" b="0" i="0" u="none" strike="noStrike" dirty="0">
-                <a:solidFill>
-                  <a:schemeClr val="tx1"/>
-                </a:solidFill>
-                <a:effectLst/>
-                <a:latin typeface="Nunito" pitchFamily="2" charset="0"/>
-              </a:rPr>
-              <a:t>SQL &amp; DATA VISUALIZATION</a:t>
-            </a:r>
-            <a:endParaRPr lang="en-ID" sz="1400" b="0" dirty="0">
-              <a:solidFill>
-                <a:schemeClr val="tx1"/>
-              </a:solidFill>
-              <a:effectLst/>
-            </a:endParaRPr>
-          </a:p>
-        </p:txBody>
-      </p:sp>
-      <p:sp>
-        <p:nvSpPr>
-          <p:cNvPr id="14" name="TextBox 13">
-            <a:extLst>
-              <a:ext uri="{FF2B5EF4-FFF2-40B4-BE49-F238E27FC236}">
-                <a16:creationId xmlns:a16="http://schemas.microsoft.com/office/drawing/2014/main" id="{4BDECECA-E7DD-54DB-5824-0C89AD2313C3}"/>
-              </a:ext>
-            </a:extLst>
-          </p:cNvPr>
-          <p:cNvSpPr txBox="1"/>
-          <p:nvPr/>
-        </p:nvSpPr>
-        <p:spPr>
-          <a:xfrm>
-            <a:off x="600269" y="1508968"/>
-            <a:ext cx="3284874" cy="473206"/>
-          </a:xfrm>
-          <a:prstGeom prst="rect">
-            <a:avLst/>
-          </a:prstGeom>
-          <a:noFill/>
-        </p:spPr>
-        <p:txBody>
-          <a:bodyPr wrap="none" rtlCol="0">
-            <a:spAutoFit/>
-          </a:bodyPr>
-          <a:lstStyle/>
-          <a:p>
-            <a:pPr marL="342900" indent="-342900">
-              <a:lnSpc>
-                <a:spcPct val="150000"/>
-              </a:lnSpc>
-              <a:buAutoNum type="arabicPeriod"/>
-            </a:pPr>
-            <a:r>
-              <a:rPr lang="en-US" dirty="0">
-                <a:latin typeface="Nunito" pitchFamily="2" charset="0"/>
-                <a:cs typeface="Times New Roman" panose="02020603050405020304" pitchFamily="18" charset="0"/>
-              </a:rPr>
-              <a:t>Number of trips per month</a:t>
-            </a:r>
-            <a:endParaRPr lang="en-ID" dirty="0">
-              <a:latin typeface="Nunito" pitchFamily="2" charset="0"/>
-              <a:cs typeface="Times New Roman" panose="02020603050405020304" pitchFamily="18" charset="0"/>
-            </a:endParaRPr>
-          </a:p>
-        </p:txBody>
-      </p:sp>
-      <p:pic>
-        <p:nvPicPr>
-          <p:cNvPr id="4" name="Picture 3">
-            <a:extLst>
-              <a:ext uri="{FF2B5EF4-FFF2-40B4-BE49-F238E27FC236}">
-                <a16:creationId xmlns:a16="http://schemas.microsoft.com/office/drawing/2014/main" id="{ABBDE091-3941-08A0-9650-D073603A424F}"/>
-              </a:ext>
-            </a:extLst>
-          </p:cNvPr>
-          <p:cNvPicPr>
-            <a:picLocks noChangeAspect="1"/>
-          </p:cNvPicPr>
-          <p:nvPr/>
-        </p:nvPicPr>
-        <p:blipFill>
-          <a:blip r:embed="rId2"/>
-          <a:stretch>
-            <a:fillRect/>
-          </a:stretch>
-        </p:blipFill>
-        <p:spPr>
-          <a:xfrm>
-            <a:off x="989044" y="2422473"/>
-            <a:ext cx="4960776" cy="1285422"/>
-          </a:xfrm>
-          <a:prstGeom prst="rect">
-            <a:avLst/>
-          </a:prstGeom>
-        </p:spPr>
-      </p:pic>
-      <p:sp>
-        <p:nvSpPr>
-          <p:cNvPr id="8" name="TextBox 7">
-            <a:extLst>
-              <a:ext uri="{FF2B5EF4-FFF2-40B4-BE49-F238E27FC236}">
-                <a16:creationId xmlns:a16="http://schemas.microsoft.com/office/drawing/2014/main" id="{4933D6BD-2E35-7377-4016-88306D6CB04C}"/>
-              </a:ext>
-            </a:extLst>
-          </p:cNvPr>
-          <p:cNvSpPr txBox="1"/>
-          <p:nvPr/>
-        </p:nvSpPr>
-        <p:spPr>
-          <a:xfrm>
-            <a:off x="989044" y="2052607"/>
-            <a:ext cx="4198775" cy="338554"/>
-          </a:xfrm>
-          <a:prstGeom prst="rect">
-            <a:avLst/>
-          </a:prstGeom>
-          <a:noFill/>
-        </p:spPr>
-        <p:txBody>
-          <a:bodyPr wrap="square" rtlCol="0">
-            <a:spAutoFit/>
-          </a:bodyPr>
-          <a:lstStyle/>
-          <a:p>
-            <a:r>
-              <a:rPr lang="en-US" sz="1600" dirty="0">
-                <a:latin typeface="Nunito" pitchFamily="2" charset="0"/>
-                <a:cs typeface="Times New Roman" panose="02020603050405020304" pitchFamily="18" charset="0"/>
-              </a:rPr>
-              <a:t>Query : with </a:t>
-            </a:r>
-            <a:r>
-              <a:rPr lang="en-US" sz="1600" dirty="0" err="1">
-                <a:latin typeface="Nunito" pitchFamily="2" charset="0"/>
-                <a:cs typeface="Times New Roman" panose="02020603050405020304" pitchFamily="18" charset="0"/>
-              </a:rPr>
-              <a:t>BigQuery</a:t>
-            </a:r>
-            <a:r>
-              <a:rPr lang="en-US" sz="1600" dirty="0">
-                <a:latin typeface="Nunito" pitchFamily="2" charset="0"/>
-                <a:cs typeface="Times New Roman" panose="02020603050405020304" pitchFamily="18" charset="0"/>
-              </a:rPr>
-              <a:t> – Google cloud</a:t>
-            </a:r>
-            <a:endParaRPr lang="en-ID" sz="1600" dirty="0">
-              <a:latin typeface="Nunito" pitchFamily="2" charset="0"/>
-              <a:cs typeface="Times New Roman" panose="02020603050405020304" pitchFamily="18" charset="0"/>
-            </a:endParaRPr>
-          </a:p>
-        </p:txBody>
-      </p:sp>
-      <p:pic>
-        <p:nvPicPr>
-          <p:cNvPr id="6" name="Picture 5">
-            <a:extLst>
-              <a:ext uri="{FF2B5EF4-FFF2-40B4-BE49-F238E27FC236}">
-                <a16:creationId xmlns:a16="http://schemas.microsoft.com/office/drawing/2014/main" id="{A27F1934-1B03-DC63-98A0-3199267E2966}"/>
-              </a:ext>
-            </a:extLst>
-          </p:cNvPr>
-          <p:cNvPicPr>
-            <a:picLocks noChangeAspect="1"/>
-          </p:cNvPicPr>
-          <p:nvPr/>
-        </p:nvPicPr>
-        <p:blipFill>
-          <a:blip r:embed="rId3"/>
-          <a:stretch>
-            <a:fillRect/>
-          </a:stretch>
-        </p:blipFill>
-        <p:spPr>
-          <a:xfrm>
-            <a:off x="989044" y="3839394"/>
-            <a:ext cx="7651143" cy="2682472"/>
-          </a:xfrm>
-          <a:prstGeom prst="rect">
-            <a:avLst/>
-          </a:prstGeom>
-        </p:spPr>
-      </p:pic>
-    </p:spTree>
-    <p:extLst>
-      <p:ext uri="{BB962C8B-B14F-4D97-AF65-F5344CB8AC3E}">
-        <p14:creationId xmlns:p14="http://schemas.microsoft.com/office/powerpoint/2010/main" val="2901880499"/>
-      </p:ext>
-    </p:extLst>
-  </p:cSld>
-  <p:clrMapOvr>
-    <a:masterClrMapping/>
-  </p:clrMapOvr>
-</p:sld>
-</file>
-
-<file path=ppt/slides/slide12.xml><?xml version="1.0" encoding="utf-8"?>
-<p:sld xmlns:a="http://schemas.openxmlformats.org/drawingml/2006/main" xmlns:r="http://schemas.openxmlformats.org/officeDocument/2006/relationships" xmlns:p="http://schemas.openxmlformats.org/presentationml/2006/main" show="0">
-  <p:cSld>
-    <p:spTree>
-      <p:nvGrpSpPr>
-        <p:cNvPr id="1" name=""/>
-        <p:cNvGrpSpPr/>
-        <p:nvPr/>
-      </p:nvGrpSpPr>
-      <p:grpSpPr>
-        <a:xfrm>
-          <a:off x="0" y="0"/>
-          <a:ext cx="0" cy="0"/>
-          <a:chOff x="0" y="0"/>
-          <a:chExt cx="0" cy="0"/>
-        </a:xfrm>
-      </p:grpSpPr>
-      <p:sp>
-        <p:nvSpPr>
-          <p:cNvPr id="10" name="Title 1">
-            <a:extLst>
-              <a:ext uri="{FF2B5EF4-FFF2-40B4-BE49-F238E27FC236}">
-                <a16:creationId xmlns:a16="http://schemas.microsoft.com/office/drawing/2014/main" id="{12EE7128-FC01-4709-6F16-E8F70D23158E}"/>
-              </a:ext>
-            </a:extLst>
-          </p:cNvPr>
-          <p:cNvSpPr>
-            <a:spLocks noGrp="1"/>
-          </p:cNvSpPr>
-          <p:nvPr>
-            <p:ph type="title"/>
-          </p:nvPr>
-        </p:nvSpPr>
-        <p:spPr>
-          <a:xfrm>
-            <a:off x="1066800" y="336134"/>
-            <a:ext cx="10058400" cy="760078"/>
-          </a:xfrm>
-        </p:spPr>
-        <p:txBody>
-          <a:bodyPr>
-            <a:normAutofit/>
-          </a:bodyPr>
-          <a:lstStyle/>
-          <a:p>
-            <a:pPr rtl="0">
-              <a:spcBef>
-                <a:spcPts val="0"/>
-              </a:spcBef>
-              <a:spcAft>
-                <a:spcPts val="0"/>
-              </a:spcAft>
-            </a:pPr>
-            <a:r>
-              <a:rPr lang="en-ID" sz="3200" b="0" i="0" u="none" strike="noStrike" dirty="0">
-                <a:solidFill>
-                  <a:schemeClr val="tx1"/>
-                </a:solidFill>
-                <a:effectLst/>
-                <a:latin typeface="Nunito" panose="020B0604020202020204" pitchFamily="2" charset="0"/>
-              </a:rPr>
-              <a:t>Case Study</a:t>
-            </a:r>
-            <a:endParaRPr lang="en-ID" sz="7200" dirty="0">
-              <a:solidFill>
-                <a:schemeClr val="tx1"/>
-              </a:solidFill>
-            </a:endParaRPr>
-          </a:p>
-        </p:txBody>
-      </p:sp>
-      <p:sp>
-        <p:nvSpPr>
-          <p:cNvPr id="13" name="Title 1">
-            <a:extLst>
-              <a:ext uri="{FF2B5EF4-FFF2-40B4-BE49-F238E27FC236}">
-                <a16:creationId xmlns:a16="http://schemas.microsoft.com/office/drawing/2014/main" id="{114194E1-6887-C4BB-C88A-3D2A2A9BF1AC}"/>
-              </a:ext>
-            </a:extLst>
-          </p:cNvPr>
-          <p:cNvSpPr txBox="1">
-            <a:spLocks/>
-          </p:cNvSpPr>
-          <p:nvPr/>
-        </p:nvSpPr>
-        <p:spPr>
-          <a:xfrm>
-            <a:off x="1066800" y="852230"/>
-            <a:ext cx="10058400" cy="760078"/>
-          </a:xfrm>
-          <a:prstGeom prst="rect">
-            <a:avLst/>
-          </a:prstGeom>
-        </p:spPr>
-        <p:txBody>
-          <a:bodyPr vert="horz" lIns="91440" tIns="45720" rIns="91440" bIns="45720" rtlCol="0" anchor="ctr">
-            <a:normAutofit/>
-          </a:bodyPr>
-          <a:lstStyle>
-            <a:lvl1pPr algn="l" defTabSz="914400" rtl="0" eaLnBrk="1" latinLnBrk="0" hangingPunct="1">
-              <a:lnSpc>
-                <a:spcPct val="90000"/>
-              </a:lnSpc>
-              <a:spcBef>
-                <a:spcPct val="0"/>
-              </a:spcBef>
-              <a:buNone/>
-              <a:defRPr lang="en-US" sz="4800" kern="1200" cap="none" spc="0" baseline="0" dirty="0">
-                <a:solidFill>
-                  <a:schemeClr val="tx1">
-                    <a:lumMod val="85000"/>
-                    <a:lumOff val="15000"/>
-                  </a:schemeClr>
-                </a:solidFill>
-                <a:effectLst/>
-                <a:latin typeface="+mj-lt"/>
-                <a:ea typeface="+mn-ea"/>
-                <a:cs typeface="+mn-cs"/>
-              </a:defRPr>
-            </a:lvl1pPr>
-          </a:lstStyle>
-          <a:p>
-            <a:pPr rtl="0">
-              <a:spcBef>
-                <a:spcPts val="0"/>
-              </a:spcBef>
-              <a:spcAft>
-                <a:spcPts val="0"/>
-              </a:spcAft>
-            </a:pPr>
-            <a:r>
-              <a:rPr lang="en-ID" sz="2400" b="0" i="0" u="none" strike="noStrike" dirty="0">
-                <a:solidFill>
-                  <a:schemeClr val="tx1"/>
-                </a:solidFill>
-                <a:effectLst/>
-                <a:latin typeface="Nunito" pitchFamily="2" charset="0"/>
-              </a:rPr>
-              <a:t>SQL &amp; DATA VISUALIZATION</a:t>
-            </a:r>
-            <a:endParaRPr lang="en-ID" sz="1400" b="0" dirty="0">
-              <a:solidFill>
-                <a:schemeClr val="tx1"/>
-              </a:solidFill>
-              <a:effectLst/>
-            </a:endParaRPr>
-          </a:p>
-        </p:txBody>
-      </p:sp>
-      <p:sp>
-        <p:nvSpPr>
-          <p:cNvPr id="14" name="TextBox 13">
-            <a:extLst>
-              <a:ext uri="{FF2B5EF4-FFF2-40B4-BE49-F238E27FC236}">
-                <a16:creationId xmlns:a16="http://schemas.microsoft.com/office/drawing/2014/main" id="{4BDECECA-E7DD-54DB-5824-0C89AD2313C3}"/>
-              </a:ext>
-            </a:extLst>
-          </p:cNvPr>
-          <p:cNvSpPr txBox="1"/>
-          <p:nvPr/>
-        </p:nvSpPr>
-        <p:spPr>
-          <a:xfrm>
-            <a:off x="600269" y="1508968"/>
-            <a:ext cx="3284874" cy="473206"/>
-          </a:xfrm>
-          <a:prstGeom prst="rect">
-            <a:avLst/>
-          </a:prstGeom>
-          <a:noFill/>
-        </p:spPr>
-        <p:txBody>
-          <a:bodyPr wrap="none" rtlCol="0">
-            <a:spAutoFit/>
-          </a:bodyPr>
-          <a:lstStyle/>
-          <a:p>
-            <a:pPr marL="342900" indent="-342900">
-              <a:lnSpc>
-                <a:spcPct val="150000"/>
-              </a:lnSpc>
-              <a:buAutoNum type="arabicPeriod"/>
-            </a:pPr>
-            <a:r>
-              <a:rPr lang="en-US" dirty="0">
-                <a:latin typeface="Nunito" pitchFamily="2" charset="0"/>
-                <a:cs typeface="Times New Roman" panose="02020603050405020304" pitchFamily="18" charset="0"/>
-              </a:rPr>
-              <a:t>Number of trips per month</a:t>
-            </a:r>
-            <a:endParaRPr lang="en-ID" dirty="0">
-              <a:latin typeface="Nunito" pitchFamily="2" charset="0"/>
-              <a:cs typeface="Times New Roman" panose="02020603050405020304" pitchFamily="18" charset="0"/>
-            </a:endParaRPr>
-          </a:p>
-        </p:txBody>
-      </p:sp>
-      <p:pic>
-        <p:nvPicPr>
-          <p:cNvPr id="3" name="Picture 2">
-            <a:extLst>
-              <a:ext uri="{FF2B5EF4-FFF2-40B4-BE49-F238E27FC236}">
-                <a16:creationId xmlns:a16="http://schemas.microsoft.com/office/drawing/2014/main" id="{71D53EDD-9EDF-24FE-32CA-933326A613F7}"/>
-              </a:ext>
-            </a:extLst>
-          </p:cNvPr>
-          <p:cNvPicPr>
-            <a:picLocks noChangeAspect="1"/>
-          </p:cNvPicPr>
-          <p:nvPr/>
-        </p:nvPicPr>
-        <p:blipFill>
-          <a:blip r:embed="rId2"/>
-          <a:stretch>
-            <a:fillRect/>
-          </a:stretch>
-        </p:blipFill>
-        <p:spPr>
-          <a:xfrm>
-            <a:off x="7588830" y="336134"/>
-            <a:ext cx="4198776" cy="2089623"/>
-          </a:xfrm>
-          <a:prstGeom prst="rect">
-            <a:avLst/>
-          </a:prstGeom>
-        </p:spPr>
-      </p:pic>
-      <p:sp>
-        <p:nvSpPr>
-          <p:cNvPr id="8" name="TextBox 7">
-            <a:extLst>
-              <a:ext uri="{FF2B5EF4-FFF2-40B4-BE49-F238E27FC236}">
-                <a16:creationId xmlns:a16="http://schemas.microsoft.com/office/drawing/2014/main" id="{4933D6BD-2E35-7377-4016-88306D6CB04C}"/>
-              </a:ext>
-            </a:extLst>
-          </p:cNvPr>
-          <p:cNvSpPr txBox="1"/>
-          <p:nvPr/>
-        </p:nvSpPr>
-        <p:spPr>
-          <a:xfrm>
-            <a:off x="989044" y="2052607"/>
-            <a:ext cx="4198775" cy="338554"/>
-          </a:xfrm>
-          <a:prstGeom prst="rect">
-            <a:avLst/>
-          </a:prstGeom>
-          <a:noFill/>
-        </p:spPr>
-        <p:txBody>
-          <a:bodyPr wrap="square" rtlCol="0">
-            <a:spAutoFit/>
-          </a:bodyPr>
-          <a:lstStyle/>
-          <a:p>
-            <a:r>
-              <a:rPr lang="en-US" sz="1600" dirty="0">
-                <a:latin typeface="Nunito" pitchFamily="2" charset="0"/>
-                <a:cs typeface="Times New Roman" panose="02020603050405020304" pitchFamily="18" charset="0"/>
-              </a:rPr>
-              <a:t>Visualization : Google Data Studio</a:t>
-            </a:r>
-            <a:endParaRPr lang="en-ID" sz="1600" dirty="0">
-              <a:latin typeface="Nunito" pitchFamily="2" charset="0"/>
-              <a:cs typeface="Times New Roman" panose="02020603050405020304" pitchFamily="18" charset="0"/>
-            </a:endParaRPr>
-          </a:p>
-        </p:txBody>
-      </p:sp>
-      <p:pic>
-        <p:nvPicPr>
-          <p:cNvPr id="9" name="Picture 8">
-            <a:extLst>
-              <a:ext uri="{FF2B5EF4-FFF2-40B4-BE49-F238E27FC236}">
-                <a16:creationId xmlns:a16="http://schemas.microsoft.com/office/drawing/2014/main" id="{971530A9-623C-0CCA-2F99-08D7B752817A}"/>
-              </a:ext>
-            </a:extLst>
-          </p:cNvPr>
-          <p:cNvPicPr>
-            <a:picLocks noChangeAspect="1"/>
-          </p:cNvPicPr>
-          <p:nvPr/>
-        </p:nvPicPr>
-        <p:blipFill>
-          <a:blip r:embed="rId3"/>
-          <a:stretch>
-            <a:fillRect/>
-          </a:stretch>
-        </p:blipFill>
-        <p:spPr>
-          <a:xfrm>
-            <a:off x="1066800" y="2391161"/>
-            <a:ext cx="6312912" cy="3941999"/>
-          </a:xfrm>
-          <a:prstGeom prst="rect">
-            <a:avLst/>
-          </a:prstGeom>
-        </p:spPr>
-      </p:pic>
-      <p:pic>
-        <p:nvPicPr>
-          <p:cNvPr id="5" name="Picture 4">
-            <a:extLst>
-              <a:ext uri="{FF2B5EF4-FFF2-40B4-BE49-F238E27FC236}">
-                <a16:creationId xmlns:a16="http://schemas.microsoft.com/office/drawing/2014/main" id="{3027D0D6-DF94-9197-20FF-FC4372C3641B}"/>
-              </a:ext>
-            </a:extLst>
-          </p:cNvPr>
-          <p:cNvPicPr>
-            <a:picLocks noChangeAspect="1"/>
-          </p:cNvPicPr>
-          <p:nvPr/>
-        </p:nvPicPr>
-        <p:blipFill>
-          <a:blip r:embed="rId4"/>
-          <a:stretch>
-            <a:fillRect/>
-          </a:stretch>
-        </p:blipFill>
-        <p:spPr>
-          <a:xfrm>
-            <a:off x="8103468" y="2579866"/>
-            <a:ext cx="1689429" cy="3942000"/>
-          </a:xfrm>
-          <a:prstGeom prst="rect">
-            <a:avLst/>
-          </a:prstGeom>
-        </p:spPr>
-      </p:pic>
-      <p:pic>
-        <p:nvPicPr>
-          <p:cNvPr id="11" name="Picture 10">
-            <a:extLst>
-              <a:ext uri="{FF2B5EF4-FFF2-40B4-BE49-F238E27FC236}">
-                <a16:creationId xmlns:a16="http://schemas.microsoft.com/office/drawing/2014/main" id="{DB32C639-0870-620D-681B-07655B98155B}"/>
-              </a:ext>
-            </a:extLst>
-          </p:cNvPr>
-          <p:cNvPicPr>
-            <a:picLocks noChangeAspect="1"/>
-          </p:cNvPicPr>
-          <p:nvPr/>
-        </p:nvPicPr>
-        <p:blipFill>
-          <a:blip r:embed="rId5"/>
-          <a:stretch>
-            <a:fillRect/>
-          </a:stretch>
-        </p:blipFill>
-        <p:spPr>
-          <a:xfrm>
-            <a:off x="9881030" y="2579866"/>
-            <a:ext cx="1689428" cy="3957357"/>
-          </a:xfrm>
-          <a:prstGeom prst="rect">
-            <a:avLst/>
-          </a:prstGeom>
-        </p:spPr>
-      </p:pic>
-      <p:sp>
-        <p:nvSpPr>
-          <p:cNvPr id="15" name="TextBox 14">
-            <a:extLst>
-              <a:ext uri="{FF2B5EF4-FFF2-40B4-BE49-F238E27FC236}">
-                <a16:creationId xmlns:a16="http://schemas.microsoft.com/office/drawing/2014/main" id="{57AA7C2B-2C04-CE48-26E7-0BF61FD5ECA3}"/>
-              </a:ext>
-            </a:extLst>
-          </p:cNvPr>
-          <p:cNvSpPr txBox="1"/>
-          <p:nvPr/>
-        </p:nvSpPr>
-        <p:spPr>
-          <a:xfrm>
-            <a:off x="10566429" y="1789850"/>
-            <a:ext cx="1004029" cy="338554"/>
-          </a:xfrm>
-          <a:prstGeom prst="rect">
-            <a:avLst/>
-          </a:prstGeom>
-        </p:spPr>
-        <p:style>
-          <a:lnRef idx="2">
-            <a:schemeClr val="accent6"/>
-          </a:lnRef>
-          <a:fillRef idx="1">
-            <a:schemeClr val="lt1"/>
-          </a:fillRef>
-          <a:effectRef idx="0">
-            <a:schemeClr val="accent6"/>
-          </a:effectRef>
-          <a:fontRef idx="minor">
-            <a:schemeClr val="dk1"/>
-          </a:fontRef>
-        </p:style>
-        <p:txBody>
-          <a:bodyPr wrap="square" rtlCol="0">
-            <a:spAutoFit/>
-          </a:bodyPr>
-          <a:lstStyle/>
-          <a:p>
-            <a:r>
-              <a:rPr lang="en-US" sz="1600" dirty="0">
-                <a:latin typeface="Nunito" pitchFamily="2" charset="0"/>
-                <a:cs typeface="Times New Roman" panose="02020603050405020304" pitchFamily="18" charset="0"/>
-              </a:rPr>
-              <a:t>Per year</a:t>
-            </a:r>
-            <a:endParaRPr lang="en-ID" sz="1600" dirty="0">
-              <a:latin typeface="Nunito" pitchFamily="2" charset="0"/>
-              <a:cs typeface="Times New Roman" panose="02020603050405020304" pitchFamily="18" charset="0"/>
-            </a:endParaRPr>
-          </a:p>
-        </p:txBody>
-      </p:sp>
-    </p:spTree>
-    <p:extLst>
-      <p:ext uri="{BB962C8B-B14F-4D97-AF65-F5344CB8AC3E}">
-        <p14:creationId xmlns:p14="http://schemas.microsoft.com/office/powerpoint/2010/main" val="453034989"/>
-      </p:ext>
-    </p:extLst>
-  </p:cSld>
-  <p:clrMapOvr>
-    <a:masterClrMapping/>
-  </p:clrMapOvr>
-</p:sld>
-</file>
-
-<file path=ppt/slides/slide13.xml><?xml version="1.0" encoding="utf-8"?>
-<p:sld xmlns:a="http://schemas.openxmlformats.org/drawingml/2006/main" xmlns:r="http://schemas.openxmlformats.org/officeDocument/2006/relationships" xmlns:p="http://schemas.openxmlformats.org/presentationml/2006/main" show="0">
-  <p:cSld>
-    <p:spTree>
-      <p:nvGrpSpPr>
-        <p:cNvPr id="1" name=""/>
-        <p:cNvGrpSpPr/>
-        <p:nvPr/>
-      </p:nvGrpSpPr>
-      <p:grpSpPr>
-        <a:xfrm>
-          <a:off x="0" y="0"/>
-          <a:ext cx="0" cy="0"/>
-          <a:chOff x="0" y="0"/>
-          <a:chExt cx="0" cy="0"/>
-        </a:xfrm>
-      </p:grpSpPr>
-      <p:sp>
-        <p:nvSpPr>
-          <p:cNvPr id="10" name="Title 1">
-            <a:extLst>
-              <a:ext uri="{FF2B5EF4-FFF2-40B4-BE49-F238E27FC236}">
-                <a16:creationId xmlns:a16="http://schemas.microsoft.com/office/drawing/2014/main" id="{12EE7128-FC01-4709-6F16-E8F70D23158E}"/>
-              </a:ext>
-            </a:extLst>
-          </p:cNvPr>
-          <p:cNvSpPr>
-            <a:spLocks noGrp="1"/>
-          </p:cNvSpPr>
-          <p:nvPr>
-            <p:ph type="title"/>
-          </p:nvPr>
-        </p:nvSpPr>
-        <p:spPr>
-          <a:xfrm>
-            <a:off x="1066800" y="336134"/>
-            <a:ext cx="10058400" cy="760078"/>
-          </a:xfrm>
-        </p:spPr>
-        <p:txBody>
-          <a:bodyPr>
-            <a:normAutofit/>
-          </a:bodyPr>
-          <a:lstStyle/>
-          <a:p>
-            <a:pPr rtl="0">
-              <a:spcBef>
-                <a:spcPts val="0"/>
-              </a:spcBef>
-              <a:spcAft>
-                <a:spcPts val="0"/>
-              </a:spcAft>
-            </a:pPr>
-            <a:r>
-              <a:rPr lang="en-ID" sz="3200" b="0" i="0" u="none" strike="noStrike" dirty="0">
-                <a:solidFill>
-                  <a:schemeClr val="tx1"/>
-                </a:solidFill>
-                <a:effectLst/>
-                <a:latin typeface="Nunito" panose="020B0604020202020204" pitchFamily="2" charset="0"/>
-              </a:rPr>
-              <a:t>Case Study</a:t>
-            </a:r>
-            <a:endParaRPr lang="en-ID" sz="7200" dirty="0">
-              <a:solidFill>
-                <a:schemeClr val="tx1"/>
-              </a:solidFill>
-            </a:endParaRPr>
-          </a:p>
-        </p:txBody>
-      </p:sp>
-      <p:sp>
-        <p:nvSpPr>
-          <p:cNvPr id="13" name="Title 1">
-            <a:extLst>
-              <a:ext uri="{FF2B5EF4-FFF2-40B4-BE49-F238E27FC236}">
-                <a16:creationId xmlns:a16="http://schemas.microsoft.com/office/drawing/2014/main" id="{114194E1-6887-C4BB-C88A-3D2A2A9BF1AC}"/>
-              </a:ext>
-            </a:extLst>
-          </p:cNvPr>
-          <p:cNvSpPr txBox="1">
-            <a:spLocks/>
-          </p:cNvSpPr>
-          <p:nvPr/>
-        </p:nvSpPr>
-        <p:spPr>
-          <a:xfrm>
-            <a:off x="1066800" y="852230"/>
-            <a:ext cx="10058400" cy="760078"/>
-          </a:xfrm>
-          <a:prstGeom prst="rect">
-            <a:avLst/>
-          </a:prstGeom>
-        </p:spPr>
-        <p:txBody>
-          <a:bodyPr vert="horz" lIns="91440" tIns="45720" rIns="91440" bIns="45720" rtlCol="0" anchor="ctr">
-            <a:normAutofit/>
-          </a:bodyPr>
-          <a:lstStyle>
-            <a:lvl1pPr algn="l" defTabSz="914400" rtl="0" eaLnBrk="1" latinLnBrk="0" hangingPunct="1">
-              <a:lnSpc>
-                <a:spcPct val="90000"/>
-              </a:lnSpc>
-              <a:spcBef>
-                <a:spcPct val="0"/>
-              </a:spcBef>
-              <a:buNone/>
-              <a:defRPr lang="en-US" sz="4800" kern="1200" cap="none" spc="0" baseline="0" dirty="0">
-                <a:solidFill>
-                  <a:schemeClr val="tx1">
-                    <a:lumMod val="85000"/>
-                    <a:lumOff val="15000"/>
-                  </a:schemeClr>
-                </a:solidFill>
-                <a:effectLst/>
-                <a:latin typeface="+mj-lt"/>
-                <a:ea typeface="+mn-ea"/>
-                <a:cs typeface="+mn-cs"/>
-              </a:defRPr>
-            </a:lvl1pPr>
-          </a:lstStyle>
-          <a:p>
-            <a:pPr rtl="0">
-              <a:spcBef>
-                <a:spcPts val="0"/>
-              </a:spcBef>
-              <a:spcAft>
-                <a:spcPts val="0"/>
-              </a:spcAft>
-            </a:pPr>
-            <a:r>
-              <a:rPr lang="en-ID" sz="2400" b="0" i="0" u="none" strike="noStrike" dirty="0">
-                <a:solidFill>
-                  <a:schemeClr val="tx1"/>
-                </a:solidFill>
-                <a:effectLst/>
-                <a:latin typeface="Nunito" pitchFamily="2" charset="0"/>
-              </a:rPr>
-              <a:t>SQL &amp; DATA VISUALIZATION</a:t>
-            </a:r>
-            <a:endParaRPr lang="en-ID" sz="1400" b="0" dirty="0">
-              <a:solidFill>
-                <a:schemeClr val="tx1"/>
-              </a:solidFill>
-              <a:effectLst/>
-            </a:endParaRPr>
-          </a:p>
-        </p:txBody>
-      </p:sp>
-      <p:sp>
-        <p:nvSpPr>
-          <p:cNvPr id="14" name="TextBox 13">
-            <a:extLst>
-              <a:ext uri="{FF2B5EF4-FFF2-40B4-BE49-F238E27FC236}">
-                <a16:creationId xmlns:a16="http://schemas.microsoft.com/office/drawing/2014/main" id="{4BDECECA-E7DD-54DB-5824-0C89AD2313C3}"/>
-              </a:ext>
-            </a:extLst>
-          </p:cNvPr>
-          <p:cNvSpPr txBox="1"/>
-          <p:nvPr/>
-        </p:nvSpPr>
-        <p:spPr>
-          <a:xfrm>
-            <a:off x="506963" y="1522651"/>
-            <a:ext cx="4750018" cy="888705"/>
-          </a:xfrm>
-          <a:prstGeom prst="rect">
-            <a:avLst/>
-          </a:prstGeom>
-          <a:noFill/>
-        </p:spPr>
-        <p:txBody>
-          <a:bodyPr wrap="square" rtlCol="0">
-            <a:spAutoFit/>
-          </a:bodyPr>
-          <a:lstStyle/>
-          <a:p>
-            <a:pPr>
-              <a:lnSpc>
-                <a:spcPct val="150000"/>
-              </a:lnSpc>
-            </a:pPr>
-            <a:r>
-              <a:rPr lang="en-US" dirty="0">
-                <a:latin typeface="Nunito" pitchFamily="2" charset="0"/>
-                <a:cs typeface="Times New Roman" panose="02020603050405020304" pitchFamily="18" charset="0"/>
-              </a:rPr>
-              <a:t>2. 	Average duration of the trips per month</a:t>
-            </a:r>
-          </a:p>
-          <a:p>
-            <a:pPr>
-              <a:lnSpc>
-                <a:spcPct val="150000"/>
-              </a:lnSpc>
-            </a:pPr>
-            <a:endParaRPr lang="en-ID" dirty="0">
-              <a:latin typeface="Nunito" pitchFamily="2" charset="0"/>
-              <a:cs typeface="Times New Roman" panose="02020603050405020304" pitchFamily="18" charset="0"/>
-            </a:endParaRPr>
-          </a:p>
-        </p:txBody>
-      </p:sp>
-      <p:sp>
-        <p:nvSpPr>
-          <p:cNvPr id="11" name="TextBox 10">
-            <a:extLst>
-              <a:ext uri="{FF2B5EF4-FFF2-40B4-BE49-F238E27FC236}">
-                <a16:creationId xmlns:a16="http://schemas.microsoft.com/office/drawing/2014/main" id="{1EB309BE-2220-0C60-A1F5-369624B55D82}"/>
-              </a:ext>
-            </a:extLst>
-          </p:cNvPr>
-          <p:cNvSpPr txBox="1"/>
-          <p:nvPr/>
-        </p:nvSpPr>
-        <p:spPr>
-          <a:xfrm>
-            <a:off x="603379" y="2038747"/>
-            <a:ext cx="3399452" cy="3293209"/>
-          </a:xfrm>
-          <a:prstGeom prst="rect">
-            <a:avLst/>
-          </a:prstGeom>
-          <a:noFill/>
-        </p:spPr>
-        <p:txBody>
-          <a:bodyPr wrap="square" rtlCol="0">
-            <a:spAutoFit/>
-          </a:bodyPr>
-          <a:lstStyle/>
-          <a:p>
-            <a:pPr marL="285750" indent="-285750">
-              <a:buFont typeface="Arial" panose="020B0604020202020204" pitchFamily="34" charset="0"/>
-              <a:buChar char="•"/>
-            </a:pPr>
-            <a:r>
-              <a:rPr lang="en-US" sz="1600" dirty="0">
-                <a:latin typeface="Nunito" pitchFamily="2" charset="0"/>
-                <a:cs typeface="Times New Roman" panose="02020603050405020304" pitchFamily="18" charset="0"/>
-              </a:rPr>
-              <a:t>This chart shows the average duration of bikeshare usage/borrowing (grouped by gender).</a:t>
-            </a:r>
-          </a:p>
-          <a:p>
-            <a:pPr marL="285750" indent="-285750">
-              <a:buFont typeface="Arial" panose="020B0604020202020204" pitchFamily="34" charset="0"/>
-              <a:buChar char="•"/>
-            </a:pPr>
-            <a:r>
-              <a:rPr lang="en-US" sz="1600" dirty="0">
-                <a:latin typeface="Nunito" pitchFamily="2" charset="0"/>
-                <a:cs typeface="Times New Roman" panose="02020603050405020304" pitchFamily="18" charset="0"/>
-              </a:rPr>
-              <a:t>However, it can be seen that:</a:t>
-            </a:r>
-          </a:p>
-          <a:p>
-            <a:pPr marL="285750" indent="-285750">
-              <a:buFont typeface="Arial" panose="020B0604020202020204" pitchFamily="34" charset="0"/>
-              <a:buChar char="•"/>
-            </a:pPr>
-            <a:r>
-              <a:rPr lang="en-US" sz="1600" dirty="0">
-                <a:latin typeface="Nunito" pitchFamily="2" charset="0"/>
-                <a:cs typeface="Times New Roman" panose="02020603050405020304" pitchFamily="18" charset="0"/>
-              </a:rPr>
-              <a:t>The implementation of this gender grouping started in June 2017.</a:t>
-            </a:r>
-          </a:p>
-          <a:p>
-            <a:pPr marL="285750" indent="-285750">
-              <a:buFont typeface="Arial" panose="020B0604020202020204" pitchFamily="34" charset="0"/>
-              <a:buChar char="•"/>
-            </a:pPr>
-            <a:r>
-              <a:rPr lang="en-US" sz="1600" dirty="0">
-                <a:latin typeface="Nunito" pitchFamily="2" charset="0"/>
-                <a:cs typeface="Times New Roman" panose="02020603050405020304" pitchFamily="18" charset="0"/>
-              </a:rPr>
-              <a:t>From Sept 2016 to May 2017 no data was recorded.</a:t>
-            </a:r>
-          </a:p>
-          <a:p>
-            <a:pPr marL="285750" indent="-285750">
-              <a:buFont typeface="Arial" panose="020B0604020202020204" pitchFamily="34" charset="0"/>
-              <a:buChar char="•"/>
-            </a:pPr>
-            <a:r>
-              <a:rPr lang="en-US" sz="1600" dirty="0">
-                <a:latin typeface="Nunito" pitchFamily="2" charset="0"/>
-                <a:cs typeface="Times New Roman" panose="02020603050405020304" pitchFamily="18" charset="0"/>
-              </a:rPr>
-              <a:t>And the highest average duration of the trips per month occurred in July 2017</a:t>
-            </a:r>
-            <a:endParaRPr lang="en-ID" sz="1600" dirty="0">
-              <a:latin typeface="Nunito" pitchFamily="2" charset="0"/>
-              <a:cs typeface="Times New Roman" panose="02020603050405020304" pitchFamily="18" charset="0"/>
-            </a:endParaRPr>
-          </a:p>
-        </p:txBody>
-      </p:sp>
-      <p:pic>
-        <p:nvPicPr>
-          <p:cNvPr id="5" name="Picture 4">
-            <a:extLst>
-              <a:ext uri="{FF2B5EF4-FFF2-40B4-BE49-F238E27FC236}">
-                <a16:creationId xmlns:a16="http://schemas.microsoft.com/office/drawing/2014/main" id="{1C46BC66-9F20-22CD-EADC-8A1EBB1D577E}"/>
-              </a:ext>
-            </a:extLst>
-          </p:cNvPr>
-          <p:cNvPicPr>
-            <a:picLocks noChangeAspect="1"/>
-          </p:cNvPicPr>
-          <p:nvPr/>
-        </p:nvPicPr>
-        <p:blipFill>
-          <a:blip r:embed="rId2"/>
-          <a:stretch>
-            <a:fillRect/>
-          </a:stretch>
-        </p:blipFill>
-        <p:spPr>
-          <a:xfrm>
-            <a:off x="4002831" y="2038747"/>
-            <a:ext cx="7874613" cy="4377996"/>
-          </a:xfrm>
-          <a:prstGeom prst="rect">
-            <a:avLst/>
-          </a:prstGeom>
-        </p:spPr>
-      </p:pic>
-    </p:spTree>
-    <p:extLst>
-      <p:ext uri="{BB962C8B-B14F-4D97-AF65-F5344CB8AC3E}">
-        <p14:creationId xmlns:p14="http://schemas.microsoft.com/office/powerpoint/2010/main" val="1237556320"/>
-      </p:ext>
-    </p:extLst>
-  </p:cSld>
-  <p:clrMapOvr>
-    <a:masterClrMapping/>
-  </p:clrMapOvr>
-</p:sld>
-</file>
-
-<file path=ppt/slides/slide14.xml><?xml version="1.0" encoding="utf-8"?>
-<p:sld xmlns:a="http://schemas.openxmlformats.org/drawingml/2006/main" xmlns:r="http://schemas.openxmlformats.org/officeDocument/2006/relationships" xmlns:p="http://schemas.openxmlformats.org/presentationml/2006/main" show="0">
-  <p:cSld>
-    <p:spTree>
-      <p:nvGrpSpPr>
-        <p:cNvPr id="1" name=""/>
-        <p:cNvGrpSpPr/>
-        <p:nvPr/>
-      </p:nvGrpSpPr>
-      <p:grpSpPr>
-        <a:xfrm>
-          <a:off x="0" y="0"/>
-          <a:ext cx="0" cy="0"/>
-          <a:chOff x="0" y="0"/>
-          <a:chExt cx="0" cy="0"/>
-        </a:xfrm>
-      </p:grpSpPr>
-      <p:sp>
-        <p:nvSpPr>
-          <p:cNvPr id="10" name="Title 1">
-            <a:extLst>
-              <a:ext uri="{FF2B5EF4-FFF2-40B4-BE49-F238E27FC236}">
-                <a16:creationId xmlns:a16="http://schemas.microsoft.com/office/drawing/2014/main" id="{12EE7128-FC01-4709-6F16-E8F70D23158E}"/>
-              </a:ext>
-            </a:extLst>
-          </p:cNvPr>
-          <p:cNvSpPr>
-            <a:spLocks noGrp="1"/>
-          </p:cNvSpPr>
-          <p:nvPr>
-            <p:ph type="title"/>
-          </p:nvPr>
-        </p:nvSpPr>
-        <p:spPr>
-          <a:xfrm>
-            <a:off x="1066800" y="336134"/>
-            <a:ext cx="10058400" cy="760078"/>
-          </a:xfrm>
-        </p:spPr>
-        <p:txBody>
-          <a:bodyPr>
-            <a:normAutofit/>
-          </a:bodyPr>
-          <a:lstStyle/>
-          <a:p>
-            <a:pPr rtl="0">
-              <a:spcBef>
-                <a:spcPts val="0"/>
-              </a:spcBef>
-              <a:spcAft>
-                <a:spcPts val="0"/>
-              </a:spcAft>
-            </a:pPr>
-            <a:r>
-              <a:rPr lang="en-ID" sz="3200" b="0" i="0" u="none" strike="noStrike" dirty="0">
-                <a:solidFill>
-                  <a:schemeClr val="tx1"/>
-                </a:solidFill>
-                <a:effectLst/>
-                <a:latin typeface="Nunito" panose="020B0604020202020204" pitchFamily="2" charset="0"/>
-              </a:rPr>
-              <a:t>Case Study</a:t>
-            </a:r>
-            <a:endParaRPr lang="en-ID" sz="7200" dirty="0">
-              <a:solidFill>
-                <a:schemeClr val="tx1"/>
-              </a:solidFill>
-            </a:endParaRPr>
-          </a:p>
-        </p:txBody>
-      </p:sp>
-      <p:sp>
-        <p:nvSpPr>
-          <p:cNvPr id="13" name="Title 1">
-            <a:extLst>
-              <a:ext uri="{FF2B5EF4-FFF2-40B4-BE49-F238E27FC236}">
-                <a16:creationId xmlns:a16="http://schemas.microsoft.com/office/drawing/2014/main" id="{114194E1-6887-C4BB-C88A-3D2A2A9BF1AC}"/>
-              </a:ext>
-            </a:extLst>
-          </p:cNvPr>
-          <p:cNvSpPr txBox="1">
-            <a:spLocks/>
-          </p:cNvSpPr>
-          <p:nvPr/>
-        </p:nvSpPr>
-        <p:spPr>
-          <a:xfrm>
-            <a:off x="1066800" y="852230"/>
-            <a:ext cx="10058400" cy="760078"/>
-          </a:xfrm>
-          <a:prstGeom prst="rect">
-            <a:avLst/>
-          </a:prstGeom>
-        </p:spPr>
-        <p:txBody>
-          <a:bodyPr vert="horz" lIns="91440" tIns="45720" rIns="91440" bIns="45720" rtlCol="0" anchor="ctr">
-            <a:normAutofit/>
-          </a:bodyPr>
-          <a:lstStyle>
-            <a:lvl1pPr algn="l" defTabSz="914400" rtl="0" eaLnBrk="1" latinLnBrk="0" hangingPunct="1">
-              <a:lnSpc>
-                <a:spcPct val="90000"/>
-              </a:lnSpc>
-              <a:spcBef>
-                <a:spcPct val="0"/>
-              </a:spcBef>
-              <a:buNone/>
-              <a:defRPr lang="en-US" sz="4800" kern="1200" cap="none" spc="0" baseline="0" dirty="0">
-                <a:solidFill>
-                  <a:schemeClr val="tx1">
-                    <a:lumMod val="85000"/>
-                    <a:lumOff val="15000"/>
-                  </a:schemeClr>
-                </a:solidFill>
-                <a:effectLst/>
-                <a:latin typeface="+mj-lt"/>
-                <a:ea typeface="+mn-ea"/>
-                <a:cs typeface="+mn-cs"/>
-              </a:defRPr>
-            </a:lvl1pPr>
-          </a:lstStyle>
-          <a:p>
-            <a:pPr rtl="0">
-              <a:spcBef>
-                <a:spcPts val="0"/>
-              </a:spcBef>
-              <a:spcAft>
-                <a:spcPts val="0"/>
-              </a:spcAft>
-            </a:pPr>
-            <a:r>
-              <a:rPr lang="en-ID" sz="2400" b="0" i="0" u="none" strike="noStrike" dirty="0">
-                <a:solidFill>
-                  <a:schemeClr val="tx1"/>
-                </a:solidFill>
-                <a:effectLst/>
-                <a:latin typeface="Nunito" pitchFamily="2" charset="0"/>
-              </a:rPr>
-              <a:t>SQL &amp; DATA VISUALIZATION</a:t>
-            </a:r>
-            <a:endParaRPr lang="en-ID" sz="1400" b="0" dirty="0">
-              <a:solidFill>
-                <a:schemeClr val="tx1"/>
-              </a:solidFill>
-              <a:effectLst/>
-            </a:endParaRPr>
-          </a:p>
-        </p:txBody>
-      </p:sp>
-      <p:sp>
-        <p:nvSpPr>
-          <p:cNvPr id="14" name="TextBox 13">
-            <a:extLst>
-              <a:ext uri="{FF2B5EF4-FFF2-40B4-BE49-F238E27FC236}">
-                <a16:creationId xmlns:a16="http://schemas.microsoft.com/office/drawing/2014/main" id="{4BDECECA-E7DD-54DB-5824-0C89AD2313C3}"/>
-              </a:ext>
-            </a:extLst>
-          </p:cNvPr>
-          <p:cNvSpPr txBox="1"/>
-          <p:nvPr/>
-        </p:nvSpPr>
-        <p:spPr>
-          <a:xfrm>
-            <a:off x="506963" y="1522651"/>
-            <a:ext cx="4750018" cy="473206"/>
-          </a:xfrm>
-          <a:prstGeom prst="rect">
-            <a:avLst/>
-          </a:prstGeom>
-          <a:noFill/>
-        </p:spPr>
-        <p:txBody>
-          <a:bodyPr wrap="none" rtlCol="0">
-            <a:spAutoFit/>
-          </a:bodyPr>
-          <a:lstStyle/>
-          <a:p>
-            <a:pPr>
-              <a:lnSpc>
-                <a:spcPct val="150000"/>
-              </a:lnSpc>
-            </a:pPr>
-            <a:r>
-              <a:rPr lang="en-US" dirty="0">
-                <a:latin typeface="Nunito" pitchFamily="2" charset="0"/>
-                <a:cs typeface="Times New Roman" panose="02020603050405020304" pitchFamily="18" charset="0"/>
-              </a:rPr>
-              <a:t>2. 	Average duration of the trips per month</a:t>
-            </a:r>
-          </a:p>
-        </p:txBody>
-      </p:sp>
-      <p:sp>
-        <p:nvSpPr>
-          <p:cNvPr id="7" name="TextBox 6">
-            <a:extLst>
-              <a:ext uri="{FF2B5EF4-FFF2-40B4-BE49-F238E27FC236}">
-                <a16:creationId xmlns:a16="http://schemas.microsoft.com/office/drawing/2014/main" id="{1E1EF9E7-DE31-A19D-36F7-2E656E9FFC96}"/>
-              </a:ext>
-            </a:extLst>
-          </p:cNvPr>
-          <p:cNvSpPr txBox="1"/>
-          <p:nvPr/>
-        </p:nvSpPr>
-        <p:spPr>
-          <a:xfrm>
-            <a:off x="989044" y="2052607"/>
-            <a:ext cx="4198775" cy="338554"/>
-          </a:xfrm>
-          <a:prstGeom prst="rect">
-            <a:avLst/>
-          </a:prstGeom>
-          <a:noFill/>
-        </p:spPr>
-        <p:txBody>
-          <a:bodyPr wrap="square" rtlCol="0">
-            <a:spAutoFit/>
-          </a:bodyPr>
-          <a:lstStyle/>
-          <a:p>
-            <a:r>
-              <a:rPr lang="en-US" sz="1600" dirty="0">
-                <a:latin typeface="Nunito" pitchFamily="2" charset="0"/>
-                <a:cs typeface="Times New Roman" panose="02020603050405020304" pitchFamily="18" charset="0"/>
-              </a:rPr>
-              <a:t>Query : with </a:t>
-            </a:r>
-            <a:r>
-              <a:rPr lang="en-US" sz="1600" dirty="0" err="1">
-                <a:latin typeface="Nunito" pitchFamily="2" charset="0"/>
-                <a:cs typeface="Times New Roman" panose="02020603050405020304" pitchFamily="18" charset="0"/>
-              </a:rPr>
-              <a:t>BigQuery</a:t>
-            </a:r>
-            <a:r>
-              <a:rPr lang="en-US" sz="1600" dirty="0">
-                <a:latin typeface="Nunito" pitchFamily="2" charset="0"/>
-                <a:cs typeface="Times New Roman" panose="02020603050405020304" pitchFamily="18" charset="0"/>
-              </a:rPr>
-              <a:t> – Google cloud</a:t>
-            </a:r>
-            <a:endParaRPr lang="en-ID" sz="1600" dirty="0">
-              <a:latin typeface="Nunito" pitchFamily="2" charset="0"/>
-              <a:cs typeface="Times New Roman" panose="02020603050405020304" pitchFamily="18" charset="0"/>
-            </a:endParaRPr>
-          </a:p>
-        </p:txBody>
-      </p:sp>
-      <p:sp>
-        <p:nvSpPr>
-          <p:cNvPr id="8" name="TextBox 7">
-            <a:extLst>
-              <a:ext uri="{FF2B5EF4-FFF2-40B4-BE49-F238E27FC236}">
-                <a16:creationId xmlns:a16="http://schemas.microsoft.com/office/drawing/2014/main" id="{D2C07F4D-C38F-BD74-61D4-607F2E526088}"/>
-              </a:ext>
-            </a:extLst>
-          </p:cNvPr>
-          <p:cNvSpPr txBox="1"/>
-          <p:nvPr/>
-        </p:nvSpPr>
-        <p:spPr>
-          <a:xfrm>
-            <a:off x="989044" y="2391161"/>
-            <a:ext cx="4198775" cy="338554"/>
-          </a:xfrm>
-          <a:prstGeom prst="rect">
-            <a:avLst/>
-          </a:prstGeom>
-          <a:noFill/>
-        </p:spPr>
-        <p:txBody>
-          <a:bodyPr wrap="square" rtlCol="0">
-            <a:spAutoFit/>
-          </a:bodyPr>
-          <a:lstStyle/>
-          <a:p>
-            <a:r>
-              <a:rPr lang="en-US" sz="1600" dirty="0">
-                <a:latin typeface="Nunito" pitchFamily="2" charset="0"/>
-                <a:cs typeface="Times New Roman" panose="02020603050405020304" pitchFamily="18" charset="0"/>
-              </a:rPr>
-              <a:t>Visualization : Google Data Studio</a:t>
-            </a:r>
-            <a:endParaRPr lang="en-ID" sz="1600" dirty="0">
-              <a:latin typeface="Nunito" pitchFamily="2" charset="0"/>
-              <a:cs typeface="Times New Roman" panose="02020603050405020304" pitchFamily="18" charset="0"/>
-            </a:endParaRPr>
-          </a:p>
-        </p:txBody>
-      </p:sp>
-      <p:pic>
-        <p:nvPicPr>
-          <p:cNvPr id="12" name="Picture 11">
-            <a:extLst>
-              <a:ext uri="{FF2B5EF4-FFF2-40B4-BE49-F238E27FC236}">
-                <a16:creationId xmlns:a16="http://schemas.microsoft.com/office/drawing/2014/main" id="{ED4CC666-17E7-CDC2-F12C-1EDD94E55EE9}"/>
-              </a:ext>
-            </a:extLst>
-          </p:cNvPr>
-          <p:cNvPicPr>
-            <a:picLocks noChangeAspect="1"/>
-          </p:cNvPicPr>
-          <p:nvPr/>
-        </p:nvPicPr>
-        <p:blipFill>
-          <a:blip r:embed="rId2"/>
-          <a:stretch>
-            <a:fillRect/>
-          </a:stretch>
-        </p:blipFill>
-        <p:spPr>
-          <a:xfrm>
-            <a:off x="6225115" y="437891"/>
-            <a:ext cx="2453853" cy="5982218"/>
-          </a:xfrm>
-          <a:prstGeom prst="rect">
-            <a:avLst/>
-          </a:prstGeom>
-        </p:spPr>
-      </p:pic>
-      <p:pic>
-        <p:nvPicPr>
-          <p:cNvPr id="16" name="Picture 15">
-            <a:extLst>
-              <a:ext uri="{FF2B5EF4-FFF2-40B4-BE49-F238E27FC236}">
-                <a16:creationId xmlns:a16="http://schemas.microsoft.com/office/drawing/2014/main" id="{144BBDDE-F158-A26D-DF76-703118CA1A43}"/>
-              </a:ext>
-            </a:extLst>
-          </p:cNvPr>
-          <p:cNvPicPr>
-            <a:picLocks noChangeAspect="1"/>
-          </p:cNvPicPr>
-          <p:nvPr/>
-        </p:nvPicPr>
-        <p:blipFill>
-          <a:blip r:embed="rId3"/>
-          <a:stretch>
-            <a:fillRect/>
-          </a:stretch>
-        </p:blipFill>
-        <p:spPr>
-          <a:xfrm>
-            <a:off x="8947870" y="437891"/>
-            <a:ext cx="2519452" cy="6042091"/>
-          </a:xfrm>
-          <a:prstGeom prst="rect">
-            <a:avLst/>
-          </a:prstGeom>
-        </p:spPr>
-      </p:pic>
-    </p:spTree>
-    <p:extLst>
-      <p:ext uri="{BB962C8B-B14F-4D97-AF65-F5344CB8AC3E}">
-        <p14:creationId xmlns:p14="http://schemas.microsoft.com/office/powerpoint/2010/main" val="439180307"/>
-      </p:ext>
-    </p:extLst>
-  </p:cSld>
-  <p:clrMapOvr>
-    <a:masterClrMapping/>
-  </p:clrMapOvr>
-</p:sld>
-</file>
-
-<file path=ppt/slides/slide15.xml><?xml version="1.0" encoding="utf-8"?>
-<p:sld xmlns:a="http://schemas.openxmlformats.org/drawingml/2006/main" xmlns:r="http://schemas.openxmlformats.org/officeDocument/2006/relationships" xmlns:p="http://schemas.openxmlformats.org/presentationml/2006/main" show="0">
-  <p:cSld>
-    <p:spTree>
-      <p:nvGrpSpPr>
-        <p:cNvPr id="1" name=""/>
-        <p:cNvGrpSpPr/>
-        <p:nvPr/>
-      </p:nvGrpSpPr>
-      <p:grpSpPr>
-        <a:xfrm>
-          <a:off x="0" y="0"/>
-          <a:ext cx="0" cy="0"/>
-          <a:chOff x="0" y="0"/>
-          <a:chExt cx="0" cy="0"/>
-        </a:xfrm>
-      </p:grpSpPr>
-      <p:sp>
-        <p:nvSpPr>
-          <p:cNvPr id="10" name="Title 1">
-            <a:extLst>
-              <a:ext uri="{FF2B5EF4-FFF2-40B4-BE49-F238E27FC236}">
-                <a16:creationId xmlns:a16="http://schemas.microsoft.com/office/drawing/2014/main" id="{12EE7128-FC01-4709-6F16-E8F70D23158E}"/>
-              </a:ext>
-            </a:extLst>
-          </p:cNvPr>
-          <p:cNvSpPr>
-            <a:spLocks noGrp="1"/>
-          </p:cNvSpPr>
-          <p:nvPr>
-            <p:ph type="title"/>
-          </p:nvPr>
-        </p:nvSpPr>
-        <p:spPr>
-          <a:xfrm>
-            <a:off x="1066800" y="336134"/>
-            <a:ext cx="10058400" cy="760078"/>
-          </a:xfrm>
-        </p:spPr>
-        <p:txBody>
-          <a:bodyPr>
-            <a:normAutofit/>
-          </a:bodyPr>
-          <a:lstStyle/>
-          <a:p>
-            <a:pPr rtl="0">
-              <a:spcBef>
-                <a:spcPts val="0"/>
-              </a:spcBef>
-              <a:spcAft>
-                <a:spcPts val="0"/>
-              </a:spcAft>
-            </a:pPr>
-            <a:r>
-              <a:rPr lang="en-ID" sz="3200" b="0" i="0" u="none" strike="noStrike" dirty="0">
-                <a:solidFill>
-                  <a:schemeClr val="tx1"/>
-                </a:solidFill>
-                <a:effectLst/>
-                <a:latin typeface="Nunito" panose="020B0604020202020204" pitchFamily="2" charset="0"/>
-              </a:rPr>
-              <a:t>Case Study</a:t>
-            </a:r>
-            <a:endParaRPr lang="en-ID" sz="7200" dirty="0">
-              <a:solidFill>
-                <a:schemeClr val="tx1"/>
-              </a:solidFill>
-            </a:endParaRPr>
-          </a:p>
-        </p:txBody>
-      </p:sp>
-      <p:sp>
-        <p:nvSpPr>
-          <p:cNvPr id="13" name="Title 1">
-            <a:extLst>
-              <a:ext uri="{FF2B5EF4-FFF2-40B4-BE49-F238E27FC236}">
-                <a16:creationId xmlns:a16="http://schemas.microsoft.com/office/drawing/2014/main" id="{114194E1-6887-C4BB-C88A-3D2A2A9BF1AC}"/>
-              </a:ext>
-            </a:extLst>
-          </p:cNvPr>
-          <p:cNvSpPr txBox="1">
-            <a:spLocks/>
-          </p:cNvSpPr>
-          <p:nvPr/>
-        </p:nvSpPr>
-        <p:spPr>
-          <a:xfrm>
-            <a:off x="1066800" y="852230"/>
-            <a:ext cx="10058400" cy="760078"/>
-          </a:xfrm>
-          <a:prstGeom prst="rect">
-            <a:avLst/>
-          </a:prstGeom>
-        </p:spPr>
-        <p:txBody>
-          <a:bodyPr vert="horz" lIns="91440" tIns="45720" rIns="91440" bIns="45720" rtlCol="0" anchor="ctr">
-            <a:normAutofit/>
-          </a:bodyPr>
-          <a:lstStyle>
-            <a:lvl1pPr algn="l" defTabSz="914400" rtl="0" eaLnBrk="1" latinLnBrk="0" hangingPunct="1">
-              <a:lnSpc>
-                <a:spcPct val="90000"/>
-              </a:lnSpc>
-              <a:spcBef>
-                <a:spcPct val="0"/>
-              </a:spcBef>
-              <a:buNone/>
-              <a:defRPr lang="en-US" sz="4800" kern="1200" cap="none" spc="0" baseline="0" dirty="0">
-                <a:solidFill>
-                  <a:schemeClr val="tx1">
-                    <a:lumMod val="85000"/>
-                    <a:lumOff val="15000"/>
-                  </a:schemeClr>
-                </a:solidFill>
-                <a:effectLst/>
-                <a:latin typeface="+mj-lt"/>
-                <a:ea typeface="+mn-ea"/>
-                <a:cs typeface="+mn-cs"/>
-              </a:defRPr>
-            </a:lvl1pPr>
-          </a:lstStyle>
-          <a:p>
-            <a:pPr rtl="0">
-              <a:spcBef>
-                <a:spcPts val="0"/>
-              </a:spcBef>
-              <a:spcAft>
-                <a:spcPts val="0"/>
-              </a:spcAft>
-            </a:pPr>
-            <a:r>
-              <a:rPr lang="en-ID" sz="2400" b="0" i="0" u="none" strike="noStrike" dirty="0">
-                <a:solidFill>
-                  <a:schemeClr val="tx1"/>
-                </a:solidFill>
-                <a:effectLst/>
-                <a:latin typeface="Nunito" pitchFamily="2" charset="0"/>
-              </a:rPr>
-              <a:t>SQL &amp; DATA VISUALIZATION</a:t>
-            </a:r>
-            <a:endParaRPr lang="en-ID" sz="1400" b="0" dirty="0">
-              <a:solidFill>
-                <a:schemeClr val="tx1"/>
-              </a:solidFill>
-              <a:effectLst/>
-            </a:endParaRPr>
-          </a:p>
-        </p:txBody>
-      </p:sp>
-      <p:sp>
-        <p:nvSpPr>
-          <p:cNvPr id="11" name="TextBox 10">
-            <a:extLst>
-              <a:ext uri="{FF2B5EF4-FFF2-40B4-BE49-F238E27FC236}">
-                <a16:creationId xmlns:a16="http://schemas.microsoft.com/office/drawing/2014/main" id="{1EB309BE-2220-0C60-A1F5-369624B55D82}"/>
-              </a:ext>
-            </a:extLst>
-          </p:cNvPr>
-          <p:cNvSpPr txBox="1"/>
-          <p:nvPr/>
-        </p:nvSpPr>
-        <p:spPr>
-          <a:xfrm>
-            <a:off x="561391" y="1537664"/>
-            <a:ext cx="11069217" cy="1569660"/>
-          </a:xfrm>
-          <a:prstGeom prst="rect">
-            <a:avLst/>
-          </a:prstGeom>
-          <a:noFill/>
-        </p:spPr>
-        <p:txBody>
-          <a:bodyPr wrap="square" rtlCol="0">
-            <a:spAutoFit/>
-          </a:bodyPr>
-          <a:lstStyle/>
-          <a:p>
-            <a:pPr marL="285750" indent="-285750">
-              <a:buFont typeface="Arial" panose="020B0604020202020204" pitchFamily="34" charset="0"/>
-              <a:buChar char="•"/>
-            </a:pPr>
-            <a:r>
-              <a:rPr lang="en-US" sz="1600" dirty="0">
-                <a:latin typeface="Nunito" pitchFamily="2" charset="0"/>
-                <a:cs typeface="Times New Roman" panose="02020603050405020304" pitchFamily="18" charset="0"/>
-              </a:rPr>
-              <a:t>This is a diagram if we put together the number of trips and the average duration of time taken each month starting in 2017.</a:t>
-            </a:r>
-          </a:p>
-          <a:p>
-            <a:pPr marL="285750" indent="-285750">
-              <a:buFont typeface="Arial" panose="020B0604020202020204" pitchFamily="34" charset="0"/>
-              <a:buChar char="•"/>
-            </a:pPr>
-            <a:r>
-              <a:rPr lang="en-US" sz="1600" dirty="0">
-                <a:latin typeface="Nunito" pitchFamily="2" charset="0"/>
-                <a:cs typeface="Times New Roman" panose="02020603050405020304" pitchFamily="18" charset="0"/>
-              </a:rPr>
-              <a:t>Means that for a large number of trips, it is not necessarily a lot of time spent on bikeshare for each trip.</a:t>
-            </a:r>
-          </a:p>
-          <a:p>
-            <a:pPr marL="285750" indent="-285750">
-              <a:buFont typeface="Arial" panose="020B0604020202020204" pitchFamily="34" charset="0"/>
-              <a:buChar char="•"/>
-            </a:pPr>
-            <a:r>
-              <a:rPr lang="en-US" sz="1600" dirty="0">
-                <a:latin typeface="Nunito" pitchFamily="2" charset="0"/>
-                <a:cs typeface="Times New Roman" panose="02020603050405020304" pitchFamily="18" charset="0"/>
-              </a:rPr>
-              <a:t>Where in the diagram it can be seen that the trend in the number of trips from the beginning of the bikeshare reopening until April 2018 tends to increase but for the average duration of use of this bikeshare, it tends to decrease. Which means the number of trips is a lot but the use is only for a short time.</a:t>
-            </a:r>
-            <a:endParaRPr lang="en-ID" sz="1600" dirty="0">
-              <a:latin typeface="Nunito" pitchFamily="2" charset="0"/>
-              <a:cs typeface="Times New Roman" panose="02020603050405020304" pitchFamily="18" charset="0"/>
-            </a:endParaRPr>
-          </a:p>
-        </p:txBody>
-      </p:sp>
-      <p:pic>
-        <p:nvPicPr>
-          <p:cNvPr id="3" name="Picture 2">
-            <a:extLst>
-              <a:ext uri="{FF2B5EF4-FFF2-40B4-BE49-F238E27FC236}">
-                <a16:creationId xmlns:a16="http://schemas.microsoft.com/office/drawing/2014/main" id="{564044D2-8917-3456-46C5-4240B46E2785}"/>
-              </a:ext>
-            </a:extLst>
-          </p:cNvPr>
-          <p:cNvPicPr>
-            <a:picLocks noChangeAspect="1"/>
-          </p:cNvPicPr>
-          <p:nvPr/>
-        </p:nvPicPr>
-        <p:blipFill>
-          <a:blip r:embed="rId2"/>
-          <a:stretch>
-            <a:fillRect/>
-          </a:stretch>
-        </p:blipFill>
-        <p:spPr>
-          <a:xfrm>
-            <a:off x="1836961" y="3118542"/>
-            <a:ext cx="8518076" cy="3414542"/>
-          </a:xfrm>
-          <a:prstGeom prst="rect">
-            <a:avLst/>
-          </a:prstGeom>
-        </p:spPr>
-      </p:pic>
-    </p:spTree>
-    <p:extLst>
-      <p:ext uri="{BB962C8B-B14F-4D97-AF65-F5344CB8AC3E}">
-        <p14:creationId xmlns:p14="http://schemas.microsoft.com/office/powerpoint/2010/main" val="2200505213"/>
-      </p:ext>
-    </p:extLst>
-  </p:cSld>
-  <p:clrMapOvr>
-    <a:masterClrMapping/>
-  </p:clrMapOvr>
-</p:sld>
-</file>
-
-<file path=ppt/slides/slide16.xml><?xml version="1.0" encoding="utf-8"?>
-<p:sld xmlns:a="http://schemas.openxmlformats.org/drawingml/2006/main" xmlns:r="http://schemas.openxmlformats.org/officeDocument/2006/relationships" xmlns:p="http://schemas.openxmlformats.org/presentationml/2006/main" show="0">
-  <p:cSld>
-    <p:spTree>
-      <p:nvGrpSpPr>
-        <p:cNvPr id="1" name=""/>
-        <p:cNvGrpSpPr/>
-        <p:nvPr/>
-      </p:nvGrpSpPr>
-      <p:grpSpPr>
-        <a:xfrm>
-          <a:off x="0" y="0"/>
-          <a:ext cx="0" cy="0"/>
-          <a:chOff x="0" y="0"/>
-          <a:chExt cx="0" cy="0"/>
-        </a:xfrm>
-      </p:grpSpPr>
-      <p:sp>
-        <p:nvSpPr>
-          <p:cNvPr id="10" name="Title 1">
-            <a:extLst>
-              <a:ext uri="{FF2B5EF4-FFF2-40B4-BE49-F238E27FC236}">
-                <a16:creationId xmlns:a16="http://schemas.microsoft.com/office/drawing/2014/main" id="{12EE7128-FC01-4709-6F16-E8F70D23158E}"/>
-              </a:ext>
-            </a:extLst>
-          </p:cNvPr>
-          <p:cNvSpPr>
-            <a:spLocks noGrp="1"/>
-          </p:cNvSpPr>
-          <p:nvPr>
-            <p:ph type="title"/>
-          </p:nvPr>
-        </p:nvSpPr>
-        <p:spPr>
-          <a:xfrm>
-            <a:off x="1066800" y="336134"/>
-            <a:ext cx="10058400" cy="760078"/>
-          </a:xfrm>
-        </p:spPr>
-        <p:txBody>
-          <a:bodyPr>
-            <a:normAutofit/>
-          </a:bodyPr>
-          <a:lstStyle/>
-          <a:p>
-            <a:pPr rtl="0">
-              <a:spcBef>
-                <a:spcPts val="0"/>
-              </a:spcBef>
-              <a:spcAft>
-                <a:spcPts val="0"/>
-              </a:spcAft>
-            </a:pPr>
-            <a:r>
-              <a:rPr lang="en-ID" sz="3200" b="0" i="0" u="none" strike="noStrike" dirty="0">
-                <a:solidFill>
-                  <a:schemeClr val="tx1"/>
-                </a:solidFill>
-                <a:effectLst/>
-                <a:latin typeface="Nunito" panose="020B0604020202020204" pitchFamily="2" charset="0"/>
-              </a:rPr>
-              <a:t>Case Study</a:t>
-            </a:r>
-            <a:endParaRPr lang="en-ID" sz="7200" dirty="0">
-              <a:solidFill>
-                <a:schemeClr val="tx1"/>
-              </a:solidFill>
-            </a:endParaRPr>
-          </a:p>
-        </p:txBody>
-      </p:sp>
-      <p:sp>
-        <p:nvSpPr>
-          <p:cNvPr id="13" name="Title 1">
-            <a:extLst>
-              <a:ext uri="{FF2B5EF4-FFF2-40B4-BE49-F238E27FC236}">
-                <a16:creationId xmlns:a16="http://schemas.microsoft.com/office/drawing/2014/main" id="{114194E1-6887-C4BB-C88A-3D2A2A9BF1AC}"/>
-              </a:ext>
-            </a:extLst>
-          </p:cNvPr>
-          <p:cNvSpPr txBox="1">
-            <a:spLocks/>
-          </p:cNvSpPr>
-          <p:nvPr/>
-        </p:nvSpPr>
-        <p:spPr>
-          <a:xfrm>
-            <a:off x="1066800" y="852230"/>
-            <a:ext cx="10058400" cy="760078"/>
-          </a:xfrm>
-          <a:prstGeom prst="rect">
-            <a:avLst/>
-          </a:prstGeom>
-        </p:spPr>
-        <p:txBody>
-          <a:bodyPr vert="horz" lIns="91440" tIns="45720" rIns="91440" bIns="45720" rtlCol="0" anchor="ctr">
-            <a:normAutofit/>
-          </a:bodyPr>
-          <a:lstStyle>
-            <a:lvl1pPr algn="l" defTabSz="914400" rtl="0" eaLnBrk="1" latinLnBrk="0" hangingPunct="1">
-              <a:lnSpc>
-                <a:spcPct val="90000"/>
-              </a:lnSpc>
-              <a:spcBef>
-                <a:spcPct val="0"/>
-              </a:spcBef>
-              <a:buNone/>
-              <a:defRPr lang="en-US" sz="4800" kern="1200" cap="none" spc="0" baseline="0" dirty="0">
-                <a:solidFill>
-                  <a:schemeClr val="tx1">
-                    <a:lumMod val="85000"/>
-                    <a:lumOff val="15000"/>
-                  </a:schemeClr>
-                </a:solidFill>
-                <a:effectLst/>
-                <a:latin typeface="+mj-lt"/>
-                <a:ea typeface="+mn-ea"/>
-                <a:cs typeface="+mn-cs"/>
-              </a:defRPr>
-            </a:lvl1pPr>
-          </a:lstStyle>
-          <a:p>
-            <a:pPr rtl="0">
-              <a:spcBef>
-                <a:spcPts val="0"/>
-              </a:spcBef>
-              <a:spcAft>
-                <a:spcPts val="0"/>
-              </a:spcAft>
-            </a:pPr>
-            <a:r>
-              <a:rPr lang="en-ID" sz="2400" b="0" i="0" u="none" strike="noStrike" dirty="0">
-                <a:solidFill>
-                  <a:schemeClr val="tx1"/>
-                </a:solidFill>
-                <a:effectLst/>
-                <a:latin typeface="Nunito" pitchFamily="2" charset="0"/>
-              </a:rPr>
-              <a:t>SQL &amp; DATA VISUALIZATION</a:t>
-            </a:r>
-            <a:endParaRPr lang="en-ID" sz="1400" b="0" dirty="0">
-              <a:solidFill>
-                <a:schemeClr val="tx1"/>
-              </a:solidFill>
-              <a:effectLst/>
-            </a:endParaRPr>
-          </a:p>
-        </p:txBody>
-      </p:sp>
-      <p:sp>
-        <p:nvSpPr>
-          <p:cNvPr id="6" name="TextBox 5">
-            <a:extLst>
-              <a:ext uri="{FF2B5EF4-FFF2-40B4-BE49-F238E27FC236}">
-                <a16:creationId xmlns:a16="http://schemas.microsoft.com/office/drawing/2014/main" id="{4657C20B-1438-9AEA-719F-ADCEDCEC4907}"/>
-              </a:ext>
-            </a:extLst>
-          </p:cNvPr>
-          <p:cNvSpPr txBox="1"/>
-          <p:nvPr/>
-        </p:nvSpPr>
-        <p:spPr>
-          <a:xfrm>
-            <a:off x="441649" y="1531162"/>
-            <a:ext cx="4198775" cy="338554"/>
-          </a:xfrm>
-          <a:prstGeom prst="rect">
-            <a:avLst/>
-          </a:prstGeom>
-          <a:noFill/>
-        </p:spPr>
-        <p:txBody>
-          <a:bodyPr wrap="square" rtlCol="0">
-            <a:spAutoFit/>
-          </a:bodyPr>
-          <a:lstStyle/>
-          <a:p>
-            <a:r>
-              <a:rPr lang="en-US" sz="1600" dirty="0">
-                <a:latin typeface="Nunito" pitchFamily="2" charset="0"/>
-                <a:cs typeface="Times New Roman" panose="02020603050405020304" pitchFamily="18" charset="0"/>
-              </a:rPr>
-              <a:t>Query : with </a:t>
-            </a:r>
-            <a:r>
-              <a:rPr lang="en-US" sz="1600" dirty="0" err="1">
-                <a:latin typeface="Nunito" pitchFamily="2" charset="0"/>
-                <a:cs typeface="Times New Roman" panose="02020603050405020304" pitchFamily="18" charset="0"/>
-              </a:rPr>
-              <a:t>BigQuery</a:t>
-            </a:r>
-            <a:r>
-              <a:rPr lang="en-US" sz="1600" dirty="0">
-                <a:latin typeface="Nunito" pitchFamily="2" charset="0"/>
-                <a:cs typeface="Times New Roman" panose="02020603050405020304" pitchFamily="18" charset="0"/>
-              </a:rPr>
-              <a:t> – Google cloud</a:t>
-            </a:r>
-            <a:endParaRPr lang="en-ID" sz="1600" dirty="0">
-              <a:latin typeface="Nunito" pitchFamily="2" charset="0"/>
-              <a:cs typeface="Times New Roman" panose="02020603050405020304" pitchFamily="18" charset="0"/>
-            </a:endParaRPr>
-          </a:p>
-        </p:txBody>
-      </p:sp>
-      <p:pic>
-        <p:nvPicPr>
-          <p:cNvPr id="4" name="Picture 3">
-            <a:extLst>
-              <a:ext uri="{FF2B5EF4-FFF2-40B4-BE49-F238E27FC236}">
-                <a16:creationId xmlns:a16="http://schemas.microsoft.com/office/drawing/2014/main" id="{22FAA084-308D-0464-C91C-3F11891C756D}"/>
-              </a:ext>
-            </a:extLst>
-          </p:cNvPr>
-          <p:cNvPicPr>
-            <a:picLocks noChangeAspect="1"/>
-          </p:cNvPicPr>
-          <p:nvPr/>
-        </p:nvPicPr>
-        <p:blipFill>
-          <a:blip r:embed="rId2"/>
-          <a:stretch>
-            <a:fillRect/>
-          </a:stretch>
-        </p:blipFill>
-        <p:spPr>
-          <a:xfrm>
-            <a:off x="441649" y="2063844"/>
-            <a:ext cx="4567398" cy="1225196"/>
-          </a:xfrm>
-          <a:prstGeom prst="rect">
-            <a:avLst/>
-          </a:prstGeom>
-        </p:spPr>
-      </p:pic>
-      <p:pic>
-        <p:nvPicPr>
-          <p:cNvPr id="7" name="Picture 6">
-            <a:extLst>
-              <a:ext uri="{FF2B5EF4-FFF2-40B4-BE49-F238E27FC236}">
-                <a16:creationId xmlns:a16="http://schemas.microsoft.com/office/drawing/2014/main" id="{0317AF98-F71D-0B65-BD60-C68077561BBF}"/>
-              </a:ext>
-            </a:extLst>
-          </p:cNvPr>
-          <p:cNvPicPr>
-            <a:picLocks noChangeAspect="1"/>
-          </p:cNvPicPr>
-          <p:nvPr/>
-        </p:nvPicPr>
-        <p:blipFill>
-          <a:blip r:embed="rId3"/>
-          <a:stretch>
-            <a:fillRect/>
-          </a:stretch>
-        </p:blipFill>
-        <p:spPr>
-          <a:xfrm>
-            <a:off x="441649" y="3429001"/>
-            <a:ext cx="6127102" cy="1996100"/>
-          </a:xfrm>
-          <a:prstGeom prst="rect">
-            <a:avLst/>
-          </a:prstGeom>
-        </p:spPr>
-      </p:pic>
-      <p:sp>
-        <p:nvSpPr>
-          <p:cNvPr id="12" name="TextBox 11">
-            <a:extLst>
-              <a:ext uri="{FF2B5EF4-FFF2-40B4-BE49-F238E27FC236}">
-                <a16:creationId xmlns:a16="http://schemas.microsoft.com/office/drawing/2014/main" id="{5F244DCE-6BDF-B7A1-7FF2-4B00A87DF729}"/>
-              </a:ext>
-            </a:extLst>
-          </p:cNvPr>
-          <p:cNvSpPr txBox="1"/>
-          <p:nvPr/>
-        </p:nvSpPr>
-        <p:spPr>
-          <a:xfrm>
-            <a:off x="7536026" y="375282"/>
-            <a:ext cx="4198775" cy="338554"/>
-          </a:xfrm>
-          <a:prstGeom prst="rect">
-            <a:avLst/>
-          </a:prstGeom>
-          <a:noFill/>
-        </p:spPr>
-        <p:txBody>
-          <a:bodyPr wrap="square" rtlCol="0">
-            <a:spAutoFit/>
-          </a:bodyPr>
-          <a:lstStyle/>
-          <a:p>
-            <a:r>
-              <a:rPr lang="en-US" sz="1600" dirty="0">
-                <a:latin typeface="Nunito" pitchFamily="2" charset="0"/>
-                <a:cs typeface="Times New Roman" panose="02020603050405020304" pitchFamily="18" charset="0"/>
-              </a:rPr>
-              <a:t>Visualization : Google Data Studio</a:t>
-            </a:r>
-            <a:endParaRPr lang="en-ID" sz="1600" dirty="0">
-              <a:latin typeface="Nunito" pitchFamily="2" charset="0"/>
-              <a:cs typeface="Times New Roman" panose="02020603050405020304" pitchFamily="18" charset="0"/>
-            </a:endParaRPr>
-          </a:p>
-        </p:txBody>
-      </p:sp>
-      <p:pic>
-        <p:nvPicPr>
-          <p:cNvPr id="9" name="Picture 8">
-            <a:extLst>
-              <a:ext uri="{FF2B5EF4-FFF2-40B4-BE49-F238E27FC236}">
-                <a16:creationId xmlns:a16="http://schemas.microsoft.com/office/drawing/2014/main" id="{7A790CA5-52E3-9AE1-BDA4-F22D35D89DF8}"/>
-              </a:ext>
-            </a:extLst>
-          </p:cNvPr>
-          <p:cNvPicPr>
-            <a:picLocks noChangeAspect="1"/>
-          </p:cNvPicPr>
-          <p:nvPr/>
-        </p:nvPicPr>
-        <p:blipFill rotWithShape="1">
-          <a:blip r:embed="rId4"/>
-          <a:srcRect b="11435"/>
-          <a:stretch/>
-        </p:blipFill>
-        <p:spPr>
-          <a:xfrm>
-            <a:off x="6882234" y="852230"/>
-            <a:ext cx="2461473" cy="5250859"/>
-          </a:xfrm>
-          <a:prstGeom prst="rect">
-            <a:avLst/>
-          </a:prstGeom>
-        </p:spPr>
-      </p:pic>
-      <p:pic>
-        <p:nvPicPr>
-          <p:cNvPr id="15" name="Picture 14">
-            <a:extLst>
-              <a:ext uri="{FF2B5EF4-FFF2-40B4-BE49-F238E27FC236}">
-                <a16:creationId xmlns:a16="http://schemas.microsoft.com/office/drawing/2014/main" id="{0E74F8A5-4996-734A-44CE-205BD0A1409B}"/>
-              </a:ext>
-            </a:extLst>
-          </p:cNvPr>
-          <p:cNvPicPr>
-            <a:picLocks noChangeAspect="1"/>
-          </p:cNvPicPr>
-          <p:nvPr/>
-        </p:nvPicPr>
-        <p:blipFill>
-          <a:blip r:embed="rId5"/>
-          <a:stretch>
-            <a:fillRect/>
-          </a:stretch>
-        </p:blipFill>
-        <p:spPr>
-          <a:xfrm>
-            <a:off x="9418352" y="1590320"/>
-            <a:ext cx="2461473" cy="4511431"/>
-          </a:xfrm>
-          <a:prstGeom prst="rect">
-            <a:avLst/>
-          </a:prstGeom>
-        </p:spPr>
-      </p:pic>
-    </p:spTree>
-    <p:extLst>
-      <p:ext uri="{BB962C8B-B14F-4D97-AF65-F5344CB8AC3E}">
-        <p14:creationId xmlns:p14="http://schemas.microsoft.com/office/powerpoint/2010/main" val="3987288484"/>
-      </p:ext>
-    </p:extLst>
-  </p:cSld>
-  <p:clrMapOvr>
-    <a:masterClrMapping/>
-  </p:clrMapOvr>
-</p:sld>
-</file>
-
-<file path=ppt/slides/slide17.xml><?xml version="1.0" encoding="utf-8"?>
-<p:sld xmlns:a="http://schemas.openxmlformats.org/drawingml/2006/main" xmlns:r="http://schemas.openxmlformats.org/officeDocument/2006/relationships" xmlns:p="http://schemas.openxmlformats.org/presentationml/2006/main" show="0">
-  <p:cSld>
-    <p:spTree>
-      <p:nvGrpSpPr>
-        <p:cNvPr id="1" name=""/>
-        <p:cNvGrpSpPr/>
-        <p:nvPr/>
-      </p:nvGrpSpPr>
-      <p:grpSpPr>
-        <a:xfrm>
-          <a:off x="0" y="0"/>
-          <a:ext cx="0" cy="0"/>
-          <a:chOff x="0" y="0"/>
-          <a:chExt cx="0" cy="0"/>
-        </a:xfrm>
-      </p:grpSpPr>
-      <p:sp>
-        <p:nvSpPr>
-          <p:cNvPr id="10" name="Title 1">
-            <a:extLst>
-              <a:ext uri="{FF2B5EF4-FFF2-40B4-BE49-F238E27FC236}">
-                <a16:creationId xmlns:a16="http://schemas.microsoft.com/office/drawing/2014/main" id="{12EE7128-FC01-4709-6F16-E8F70D23158E}"/>
-              </a:ext>
-            </a:extLst>
-          </p:cNvPr>
-          <p:cNvSpPr>
-            <a:spLocks noGrp="1"/>
-          </p:cNvSpPr>
-          <p:nvPr>
-            <p:ph type="title"/>
-          </p:nvPr>
-        </p:nvSpPr>
-        <p:spPr>
-          <a:xfrm>
-            <a:off x="1066800" y="336134"/>
-            <a:ext cx="10058400" cy="760078"/>
-          </a:xfrm>
-        </p:spPr>
-        <p:txBody>
-          <a:bodyPr>
-            <a:normAutofit/>
-          </a:bodyPr>
-          <a:lstStyle/>
-          <a:p>
-            <a:pPr rtl="0">
-              <a:spcBef>
-                <a:spcPts val="0"/>
-              </a:spcBef>
-              <a:spcAft>
-                <a:spcPts val="0"/>
-              </a:spcAft>
-            </a:pPr>
-            <a:r>
-              <a:rPr lang="en-ID" sz="3200" b="0" i="0" u="none" strike="noStrike" dirty="0">
-                <a:solidFill>
-                  <a:schemeClr val="tx1"/>
-                </a:solidFill>
-                <a:effectLst/>
-                <a:latin typeface="Nunito" panose="020B0604020202020204" pitchFamily="2" charset="0"/>
-              </a:rPr>
-              <a:t>Case Study</a:t>
-            </a:r>
-            <a:endParaRPr lang="en-ID" sz="7200" dirty="0">
-              <a:solidFill>
-                <a:schemeClr val="tx1"/>
-              </a:solidFill>
-            </a:endParaRPr>
-          </a:p>
-        </p:txBody>
-      </p:sp>
-      <p:sp>
-        <p:nvSpPr>
-          <p:cNvPr id="13" name="Title 1">
-            <a:extLst>
-              <a:ext uri="{FF2B5EF4-FFF2-40B4-BE49-F238E27FC236}">
-                <a16:creationId xmlns:a16="http://schemas.microsoft.com/office/drawing/2014/main" id="{114194E1-6887-C4BB-C88A-3D2A2A9BF1AC}"/>
-              </a:ext>
-            </a:extLst>
-          </p:cNvPr>
-          <p:cNvSpPr txBox="1">
-            <a:spLocks/>
-          </p:cNvSpPr>
-          <p:nvPr/>
-        </p:nvSpPr>
-        <p:spPr>
-          <a:xfrm>
-            <a:off x="1066800" y="852230"/>
-            <a:ext cx="10058400" cy="760078"/>
-          </a:xfrm>
-          <a:prstGeom prst="rect">
-            <a:avLst/>
-          </a:prstGeom>
-        </p:spPr>
-        <p:txBody>
-          <a:bodyPr vert="horz" lIns="91440" tIns="45720" rIns="91440" bIns="45720" rtlCol="0" anchor="ctr">
-            <a:normAutofit/>
-          </a:bodyPr>
-          <a:lstStyle>
-            <a:lvl1pPr algn="l" defTabSz="914400" rtl="0" eaLnBrk="1" latinLnBrk="0" hangingPunct="1">
-              <a:lnSpc>
-                <a:spcPct val="90000"/>
-              </a:lnSpc>
-              <a:spcBef>
-                <a:spcPct val="0"/>
-              </a:spcBef>
-              <a:buNone/>
-              <a:defRPr lang="en-US" sz="4800" kern="1200" cap="none" spc="0" baseline="0" dirty="0">
-                <a:solidFill>
-                  <a:schemeClr val="tx1">
-                    <a:lumMod val="85000"/>
-                    <a:lumOff val="15000"/>
-                  </a:schemeClr>
-                </a:solidFill>
-                <a:effectLst/>
-                <a:latin typeface="+mj-lt"/>
-                <a:ea typeface="+mn-ea"/>
-                <a:cs typeface="+mn-cs"/>
-              </a:defRPr>
-            </a:lvl1pPr>
-          </a:lstStyle>
-          <a:p>
-            <a:pPr rtl="0">
-              <a:spcBef>
-                <a:spcPts val="0"/>
-              </a:spcBef>
-              <a:spcAft>
-                <a:spcPts val="0"/>
-              </a:spcAft>
-            </a:pPr>
-            <a:r>
-              <a:rPr lang="en-ID" sz="2400" b="0" i="0" u="none" strike="noStrike" dirty="0">
-                <a:solidFill>
-                  <a:schemeClr val="tx1"/>
-                </a:solidFill>
-                <a:effectLst/>
-                <a:latin typeface="Nunito" pitchFamily="2" charset="0"/>
-              </a:rPr>
-              <a:t>SQL &amp; DATA VISUALIZATION</a:t>
-            </a:r>
-            <a:endParaRPr lang="en-ID" sz="1400" b="0" dirty="0">
-              <a:solidFill>
-                <a:schemeClr val="tx1"/>
-              </a:solidFill>
-              <a:effectLst/>
-            </a:endParaRPr>
-          </a:p>
-        </p:txBody>
-      </p:sp>
-      <p:sp>
-        <p:nvSpPr>
-          <p:cNvPr id="12" name="TextBox 11">
-            <a:extLst>
-              <a:ext uri="{FF2B5EF4-FFF2-40B4-BE49-F238E27FC236}">
-                <a16:creationId xmlns:a16="http://schemas.microsoft.com/office/drawing/2014/main" id="{5F244DCE-6BDF-B7A1-7FF2-4B00A87DF729}"/>
-              </a:ext>
-            </a:extLst>
-          </p:cNvPr>
-          <p:cNvSpPr txBox="1"/>
-          <p:nvPr/>
-        </p:nvSpPr>
-        <p:spPr>
-          <a:xfrm>
-            <a:off x="7419696" y="424905"/>
-            <a:ext cx="4198775" cy="338554"/>
-          </a:xfrm>
-          <a:prstGeom prst="rect">
-            <a:avLst/>
-          </a:prstGeom>
-          <a:noFill/>
-        </p:spPr>
-        <p:txBody>
-          <a:bodyPr wrap="square" rtlCol="0">
-            <a:spAutoFit/>
-          </a:bodyPr>
-          <a:lstStyle/>
-          <a:p>
-            <a:r>
-              <a:rPr lang="en-US" sz="1600" dirty="0">
-                <a:latin typeface="Nunito" pitchFamily="2" charset="0"/>
-                <a:cs typeface="Times New Roman" panose="02020603050405020304" pitchFamily="18" charset="0"/>
-              </a:rPr>
-              <a:t>Visualization : Google Data Studio</a:t>
-            </a:r>
-            <a:endParaRPr lang="en-ID" sz="1600" dirty="0">
-              <a:latin typeface="Nunito" pitchFamily="2" charset="0"/>
-              <a:cs typeface="Times New Roman" panose="02020603050405020304" pitchFamily="18" charset="0"/>
-            </a:endParaRPr>
-          </a:p>
-        </p:txBody>
-      </p:sp>
-      <p:pic>
-        <p:nvPicPr>
-          <p:cNvPr id="3" name="Picture 2">
-            <a:extLst>
-              <a:ext uri="{FF2B5EF4-FFF2-40B4-BE49-F238E27FC236}">
-                <a16:creationId xmlns:a16="http://schemas.microsoft.com/office/drawing/2014/main" id="{9A7FA3D3-22F4-AE6F-B27F-23E36426F9CF}"/>
-              </a:ext>
-            </a:extLst>
-          </p:cNvPr>
-          <p:cNvPicPr>
-            <a:picLocks noChangeAspect="1"/>
-          </p:cNvPicPr>
-          <p:nvPr/>
-        </p:nvPicPr>
-        <p:blipFill>
-          <a:blip r:embed="rId2"/>
-          <a:stretch>
-            <a:fillRect/>
-          </a:stretch>
-        </p:blipFill>
-        <p:spPr>
-          <a:xfrm>
-            <a:off x="1147665" y="1416897"/>
-            <a:ext cx="2222891" cy="5133985"/>
-          </a:xfrm>
-          <a:prstGeom prst="rect">
-            <a:avLst/>
-          </a:prstGeom>
-        </p:spPr>
-      </p:pic>
-      <p:pic>
-        <p:nvPicPr>
-          <p:cNvPr id="8" name="Picture 7">
-            <a:extLst>
-              <a:ext uri="{FF2B5EF4-FFF2-40B4-BE49-F238E27FC236}">
-                <a16:creationId xmlns:a16="http://schemas.microsoft.com/office/drawing/2014/main" id="{3EA3ABD4-55D7-0913-C5AD-C3C977F8DB6B}"/>
-              </a:ext>
-            </a:extLst>
-          </p:cNvPr>
-          <p:cNvPicPr>
-            <a:picLocks noChangeAspect="1"/>
-          </p:cNvPicPr>
-          <p:nvPr/>
-        </p:nvPicPr>
-        <p:blipFill>
-          <a:blip r:embed="rId3"/>
-          <a:stretch>
-            <a:fillRect/>
-          </a:stretch>
-        </p:blipFill>
-        <p:spPr>
-          <a:xfrm>
-            <a:off x="3566733" y="1417921"/>
-            <a:ext cx="1134026" cy="5132961"/>
-          </a:xfrm>
-          <a:prstGeom prst="rect">
-            <a:avLst/>
-          </a:prstGeom>
-        </p:spPr>
-      </p:pic>
-      <p:pic>
-        <p:nvPicPr>
-          <p:cNvPr id="14" name="Picture 13">
-            <a:extLst>
-              <a:ext uri="{FF2B5EF4-FFF2-40B4-BE49-F238E27FC236}">
-                <a16:creationId xmlns:a16="http://schemas.microsoft.com/office/drawing/2014/main" id="{7B724CB5-7540-7588-B50D-1A1342956928}"/>
-              </a:ext>
-            </a:extLst>
-          </p:cNvPr>
-          <p:cNvPicPr>
-            <a:picLocks noChangeAspect="1"/>
-          </p:cNvPicPr>
-          <p:nvPr/>
-        </p:nvPicPr>
-        <p:blipFill>
-          <a:blip r:embed="rId4"/>
-          <a:stretch>
-            <a:fillRect/>
-          </a:stretch>
-        </p:blipFill>
-        <p:spPr>
-          <a:xfrm>
-            <a:off x="4891936" y="1416897"/>
-            <a:ext cx="1230664" cy="5132961"/>
-          </a:xfrm>
-          <a:prstGeom prst="rect">
-            <a:avLst/>
-          </a:prstGeom>
-        </p:spPr>
-      </p:pic>
-      <p:pic>
-        <p:nvPicPr>
-          <p:cNvPr id="17" name="Picture 16">
-            <a:extLst>
-              <a:ext uri="{FF2B5EF4-FFF2-40B4-BE49-F238E27FC236}">
-                <a16:creationId xmlns:a16="http://schemas.microsoft.com/office/drawing/2014/main" id="{B21EF1AA-9640-AFFA-31FE-D34CEAB3A27C}"/>
-              </a:ext>
-            </a:extLst>
-          </p:cNvPr>
-          <p:cNvPicPr>
-            <a:picLocks noChangeAspect="1"/>
-          </p:cNvPicPr>
-          <p:nvPr/>
-        </p:nvPicPr>
-        <p:blipFill>
-          <a:blip r:embed="rId5"/>
-          <a:stretch>
-            <a:fillRect/>
-          </a:stretch>
-        </p:blipFill>
-        <p:spPr>
-          <a:xfrm>
-            <a:off x="6222139" y="1416897"/>
-            <a:ext cx="1197557" cy="5104969"/>
-          </a:xfrm>
-          <a:prstGeom prst="rect">
-            <a:avLst/>
-          </a:prstGeom>
-        </p:spPr>
-      </p:pic>
-    </p:spTree>
-    <p:extLst>
-      <p:ext uri="{BB962C8B-B14F-4D97-AF65-F5344CB8AC3E}">
-        <p14:creationId xmlns:p14="http://schemas.microsoft.com/office/powerpoint/2010/main" val="1320934380"/>
-      </p:ext>
-    </p:extLst>
-  </p:cSld>
-  <p:clrMapOvr>
-    <a:masterClrMapping/>
-  </p:clrMapOvr>
-</p:sld>
-</file>
-
-<file path=ppt/slides/slide18.xml><?xml version="1.0" encoding="utf-8"?>
-<p:sld xmlns:a="http://schemas.openxmlformats.org/drawingml/2006/main" xmlns:r="http://schemas.openxmlformats.org/officeDocument/2006/relationships" xmlns:p="http://schemas.openxmlformats.org/presentationml/2006/main" show="0">
-  <p:cSld>
-    <p:spTree>
-      <p:nvGrpSpPr>
-        <p:cNvPr id="1" name=""/>
-        <p:cNvGrpSpPr/>
-        <p:nvPr/>
-      </p:nvGrpSpPr>
-      <p:grpSpPr>
-        <a:xfrm>
-          <a:off x="0" y="0"/>
-          <a:ext cx="0" cy="0"/>
-          <a:chOff x="0" y="0"/>
-          <a:chExt cx="0" cy="0"/>
-        </a:xfrm>
-      </p:grpSpPr>
-      <p:sp>
-        <p:nvSpPr>
-          <p:cNvPr id="10" name="Title 1">
-            <a:extLst>
-              <a:ext uri="{FF2B5EF4-FFF2-40B4-BE49-F238E27FC236}">
-                <a16:creationId xmlns:a16="http://schemas.microsoft.com/office/drawing/2014/main" id="{12EE7128-FC01-4709-6F16-E8F70D23158E}"/>
-              </a:ext>
-            </a:extLst>
-          </p:cNvPr>
-          <p:cNvSpPr>
-            <a:spLocks noGrp="1"/>
-          </p:cNvSpPr>
-          <p:nvPr>
-            <p:ph type="title"/>
-          </p:nvPr>
-        </p:nvSpPr>
-        <p:spPr>
-          <a:xfrm>
-            <a:off x="1066800" y="336134"/>
-            <a:ext cx="10058400" cy="760078"/>
-          </a:xfrm>
-        </p:spPr>
-        <p:txBody>
-          <a:bodyPr>
-            <a:normAutofit/>
-          </a:bodyPr>
-          <a:lstStyle/>
-          <a:p>
-            <a:pPr rtl="0">
-              <a:spcBef>
-                <a:spcPts val="0"/>
-              </a:spcBef>
-              <a:spcAft>
-                <a:spcPts val="0"/>
-              </a:spcAft>
-            </a:pPr>
-            <a:r>
-              <a:rPr lang="en-ID" sz="3200" b="0" i="0" u="none" strike="noStrike" dirty="0">
-                <a:solidFill>
-                  <a:schemeClr val="tx1"/>
-                </a:solidFill>
-                <a:effectLst/>
-                <a:latin typeface="Nunito" panose="020B0604020202020204" pitchFamily="2" charset="0"/>
-              </a:rPr>
-              <a:t>Case Study</a:t>
-            </a:r>
-            <a:endParaRPr lang="en-ID" sz="7200" dirty="0">
-              <a:solidFill>
-                <a:schemeClr val="tx1"/>
-              </a:solidFill>
-            </a:endParaRPr>
-          </a:p>
-        </p:txBody>
-      </p:sp>
-      <p:sp>
-        <p:nvSpPr>
-          <p:cNvPr id="13" name="Title 1">
-            <a:extLst>
-              <a:ext uri="{FF2B5EF4-FFF2-40B4-BE49-F238E27FC236}">
-                <a16:creationId xmlns:a16="http://schemas.microsoft.com/office/drawing/2014/main" id="{114194E1-6887-C4BB-C88A-3D2A2A9BF1AC}"/>
-              </a:ext>
-            </a:extLst>
-          </p:cNvPr>
-          <p:cNvSpPr txBox="1">
-            <a:spLocks/>
-          </p:cNvSpPr>
-          <p:nvPr/>
-        </p:nvSpPr>
-        <p:spPr>
-          <a:xfrm>
-            <a:off x="1066800" y="852230"/>
-            <a:ext cx="10058400" cy="760078"/>
-          </a:xfrm>
-          <a:prstGeom prst="rect">
-            <a:avLst/>
-          </a:prstGeom>
-        </p:spPr>
-        <p:txBody>
-          <a:bodyPr vert="horz" lIns="91440" tIns="45720" rIns="91440" bIns="45720" rtlCol="0" anchor="ctr">
-            <a:normAutofit/>
-          </a:bodyPr>
-          <a:lstStyle>
-            <a:lvl1pPr algn="l" defTabSz="914400" rtl="0" eaLnBrk="1" latinLnBrk="0" hangingPunct="1">
-              <a:lnSpc>
-                <a:spcPct val="90000"/>
-              </a:lnSpc>
-              <a:spcBef>
-                <a:spcPct val="0"/>
-              </a:spcBef>
-              <a:buNone/>
-              <a:defRPr lang="en-US" sz="4800" kern="1200" cap="none" spc="0" baseline="0" dirty="0">
-                <a:solidFill>
-                  <a:schemeClr val="tx1">
-                    <a:lumMod val="85000"/>
-                    <a:lumOff val="15000"/>
-                  </a:schemeClr>
-                </a:solidFill>
-                <a:effectLst/>
-                <a:latin typeface="+mj-lt"/>
-                <a:ea typeface="+mn-ea"/>
-                <a:cs typeface="+mn-cs"/>
-              </a:defRPr>
-            </a:lvl1pPr>
-          </a:lstStyle>
-          <a:p>
-            <a:pPr rtl="0">
-              <a:spcBef>
-                <a:spcPts val="0"/>
-              </a:spcBef>
-              <a:spcAft>
-                <a:spcPts val="0"/>
-              </a:spcAft>
-            </a:pPr>
-            <a:r>
-              <a:rPr lang="en-ID" sz="2400" b="0" i="0" u="none" strike="noStrike" dirty="0">
-                <a:solidFill>
-                  <a:schemeClr val="tx1"/>
-                </a:solidFill>
-                <a:effectLst/>
-                <a:latin typeface="Nunito" pitchFamily="2" charset="0"/>
-              </a:rPr>
-              <a:t>SQL &amp; DATA VISUALIZATION</a:t>
-            </a:r>
-            <a:endParaRPr lang="en-ID" sz="1400" b="0" dirty="0">
-              <a:solidFill>
-                <a:schemeClr val="tx1"/>
-              </a:solidFill>
-              <a:effectLst/>
-            </a:endParaRPr>
-          </a:p>
-        </p:txBody>
-      </p:sp>
-      <p:sp>
-        <p:nvSpPr>
-          <p:cNvPr id="14" name="TextBox 13">
-            <a:extLst>
-              <a:ext uri="{FF2B5EF4-FFF2-40B4-BE49-F238E27FC236}">
-                <a16:creationId xmlns:a16="http://schemas.microsoft.com/office/drawing/2014/main" id="{4BDECECA-E7DD-54DB-5824-0C89AD2313C3}"/>
-              </a:ext>
-            </a:extLst>
-          </p:cNvPr>
-          <p:cNvSpPr txBox="1"/>
-          <p:nvPr/>
-        </p:nvSpPr>
-        <p:spPr>
-          <a:xfrm>
-            <a:off x="506963" y="1522651"/>
-            <a:ext cx="8784777" cy="473206"/>
-          </a:xfrm>
-          <a:prstGeom prst="rect">
-            <a:avLst/>
-          </a:prstGeom>
-          <a:noFill/>
-        </p:spPr>
-        <p:txBody>
-          <a:bodyPr wrap="none" rtlCol="0">
-            <a:spAutoFit/>
-          </a:bodyPr>
-          <a:lstStyle/>
-          <a:p>
-            <a:pPr>
-              <a:lnSpc>
-                <a:spcPct val="150000"/>
-              </a:lnSpc>
-            </a:pPr>
-            <a:r>
-              <a:rPr lang="en-US" dirty="0">
-                <a:latin typeface="Nunito" pitchFamily="2" charset="0"/>
-                <a:cs typeface="Times New Roman" panose="02020603050405020304" pitchFamily="18" charset="0"/>
-              </a:rPr>
-              <a:t>3. 	From which customers do we get more revenue? (from subscriber or customer)</a:t>
-            </a:r>
-            <a:endParaRPr lang="en-ID" dirty="0">
-              <a:latin typeface="Nunito" pitchFamily="2" charset="0"/>
-              <a:cs typeface="Times New Roman" panose="02020603050405020304" pitchFamily="18" charset="0"/>
-            </a:endParaRPr>
-          </a:p>
-        </p:txBody>
-      </p:sp>
-      <p:sp>
-        <p:nvSpPr>
-          <p:cNvPr id="11" name="TextBox 10">
-            <a:extLst>
-              <a:ext uri="{FF2B5EF4-FFF2-40B4-BE49-F238E27FC236}">
-                <a16:creationId xmlns:a16="http://schemas.microsoft.com/office/drawing/2014/main" id="{1EB309BE-2220-0C60-A1F5-369624B55D82}"/>
-              </a:ext>
-            </a:extLst>
-          </p:cNvPr>
-          <p:cNvSpPr txBox="1"/>
-          <p:nvPr/>
-        </p:nvSpPr>
-        <p:spPr>
-          <a:xfrm>
-            <a:off x="877077" y="2038747"/>
-            <a:ext cx="10804849" cy="1077218"/>
-          </a:xfrm>
-          <a:prstGeom prst="rect">
-            <a:avLst/>
-          </a:prstGeom>
-          <a:noFill/>
-        </p:spPr>
-        <p:txBody>
-          <a:bodyPr wrap="square" rtlCol="0">
-            <a:spAutoFit/>
-          </a:bodyPr>
-          <a:lstStyle/>
-          <a:p>
-            <a:pPr marL="285750" indent="-285750">
-              <a:buFont typeface="Arial" panose="020B0604020202020204" pitchFamily="34" charset="0"/>
-              <a:buChar char="•"/>
-            </a:pPr>
-            <a:r>
-              <a:rPr lang="en-US" sz="1600" dirty="0">
-                <a:latin typeface="Nunito" pitchFamily="2" charset="0"/>
-                <a:cs typeface="Times New Roman" panose="02020603050405020304" pitchFamily="18" charset="0"/>
-              </a:rPr>
-              <a:t>In this section we can focus on the data starting in 2017, because in this data there is already a gender distinction between male and female and we can find more detailed insight.</a:t>
-            </a:r>
-          </a:p>
-          <a:p>
-            <a:pPr marL="285750" indent="-285750">
-              <a:buFont typeface="Arial" panose="020B0604020202020204" pitchFamily="34" charset="0"/>
-              <a:buChar char="•"/>
-            </a:pPr>
-            <a:r>
-              <a:rPr lang="en-US" sz="1600" dirty="0">
-                <a:latin typeface="Nunito" pitchFamily="2" charset="0"/>
-                <a:cs typeface="Times New Roman" panose="02020603050405020304" pitchFamily="18" charset="0"/>
-              </a:rPr>
-              <a:t>From the diagram below, it can be seen that the most users of bikeshare are subscribers and if based on gender, the ones who use bikeshare services the most are male. And we get more revenue from subscriber.</a:t>
-            </a:r>
-            <a:endParaRPr lang="en-ID" sz="1600" dirty="0">
-              <a:latin typeface="Nunito" pitchFamily="2" charset="0"/>
-              <a:cs typeface="Times New Roman" panose="02020603050405020304" pitchFamily="18" charset="0"/>
-            </a:endParaRPr>
-          </a:p>
-        </p:txBody>
-      </p:sp>
-      <p:pic>
-        <p:nvPicPr>
-          <p:cNvPr id="3" name="Picture 2">
-            <a:extLst>
-              <a:ext uri="{FF2B5EF4-FFF2-40B4-BE49-F238E27FC236}">
-                <a16:creationId xmlns:a16="http://schemas.microsoft.com/office/drawing/2014/main" id="{E8CFBBE0-0724-F0E7-1C19-976F76255332}"/>
-              </a:ext>
-            </a:extLst>
-          </p:cNvPr>
-          <p:cNvPicPr>
-            <a:picLocks noChangeAspect="1"/>
-          </p:cNvPicPr>
-          <p:nvPr/>
-        </p:nvPicPr>
-        <p:blipFill>
-          <a:blip r:embed="rId2"/>
-          <a:stretch>
-            <a:fillRect/>
-          </a:stretch>
-        </p:blipFill>
-        <p:spPr>
-          <a:xfrm>
-            <a:off x="1455576" y="3314206"/>
-            <a:ext cx="4646644" cy="3173781"/>
-          </a:xfrm>
-          <a:prstGeom prst="rect">
-            <a:avLst/>
-          </a:prstGeom>
-        </p:spPr>
-      </p:pic>
-      <p:pic>
-        <p:nvPicPr>
-          <p:cNvPr id="7" name="Picture 6">
-            <a:extLst>
-              <a:ext uri="{FF2B5EF4-FFF2-40B4-BE49-F238E27FC236}">
-                <a16:creationId xmlns:a16="http://schemas.microsoft.com/office/drawing/2014/main" id="{F820CD4D-A5B9-0359-BD66-9C017336CAE7}"/>
-              </a:ext>
-            </a:extLst>
-          </p:cNvPr>
-          <p:cNvPicPr>
-            <a:picLocks noChangeAspect="1"/>
-          </p:cNvPicPr>
-          <p:nvPr/>
-        </p:nvPicPr>
-        <p:blipFill>
-          <a:blip r:embed="rId3"/>
-          <a:stretch>
-            <a:fillRect/>
-          </a:stretch>
-        </p:blipFill>
-        <p:spPr>
-          <a:xfrm>
-            <a:off x="6170504" y="3314205"/>
-            <a:ext cx="4691677" cy="3173781"/>
-          </a:xfrm>
-          <a:prstGeom prst="rect">
-            <a:avLst/>
-          </a:prstGeom>
-        </p:spPr>
-      </p:pic>
-    </p:spTree>
-    <p:extLst>
-      <p:ext uri="{BB962C8B-B14F-4D97-AF65-F5344CB8AC3E}">
-        <p14:creationId xmlns:p14="http://schemas.microsoft.com/office/powerpoint/2010/main" val="895234416"/>
-      </p:ext>
-    </p:extLst>
-  </p:cSld>
-  <p:clrMapOvr>
-    <a:masterClrMapping/>
-  </p:clrMapOvr>
-</p:sld>
-</file>
-
-<file path=ppt/slides/slide19.xml><?xml version="1.0" encoding="utf-8"?>
-<p:sld xmlns:a="http://schemas.openxmlformats.org/drawingml/2006/main" xmlns:r="http://schemas.openxmlformats.org/officeDocument/2006/relationships" xmlns:p="http://schemas.openxmlformats.org/presentationml/2006/main">
-  <p:cSld>
-    <p:spTree>
-      <p:nvGrpSpPr>
-        <p:cNvPr id="1" name=""/>
-        <p:cNvGrpSpPr/>
-        <p:nvPr/>
-      </p:nvGrpSpPr>
-      <p:grpSpPr>
-        <a:xfrm>
-          <a:off x="0" y="0"/>
-          <a:ext cx="0" cy="0"/>
-          <a:chOff x="0" y="0"/>
-          <a:chExt cx="0" cy="0"/>
-        </a:xfrm>
-      </p:grpSpPr>
-      <p:sp>
-        <p:nvSpPr>
-          <p:cNvPr id="2" name="Title 1">
-            <a:extLst>
-              <a:ext uri="{FF2B5EF4-FFF2-40B4-BE49-F238E27FC236}">
-                <a16:creationId xmlns:a16="http://schemas.microsoft.com/office/drawing/2014/main" id="{2964E4D8-B64D-8DC7-ABD6-62B368E3A9D6}"/>
-              </a:ext>
-            </a:extLst>
-          </p:cNvPr>
-          <p:cNvSpPr>
-            <a:spLocks noGrp="1"/>
-          </p:cNvSpPr>
-          <p:nvPr>
-            <p:ph type="ctrTitle"/>
-          </p:nvPr>
-        </p:nvSpPr>
-        <p:spPr/>
-        <p:txBody>
-          <a:bodyPr/>
-          <a:lstStyle/>
-          <a:p>
-            <a:r>
-              <a:rPr lang="en-ID" dirty="0"/>
-              <a:t>THANK YOU</a:t>
-            </a:r>
-          </a:p>
-        </p:txBody>
-      </p:sp>
-      <p:sp>
-        <p:nvSpPr>
-          <p:cNvPr id="3" name="Subtitle 2">
-            <a:extLst>
-              <a:ext uri="{FF2B5EF4-FFF2-40B4-BE49-F238E27FC236}">
-                <a16:creationId xmlns:a16="http://schemas.microsoft.com/office/drawing/2014/main" id="{B1FDC8E2-4F5F-E6C5-176D-524CF0F52A6C}"/>
-              </a:ext>
-            </a:extLst>
-          </p:cNvPr>
-          <p:cNvSpPr>
-            <a:spLocks noGrp="1"/>
-          </p:cNvSpPr>
-          <p:nvPr>
-            <p:ph type="subTitle" idx="1"/>
-          </p:nvPr>
-        </p:nvSpPr>
-        <p:spPr/>
-        <p:txBody>
-          <a:bodyPr>
-            <a:normAutofit/>
-          </a:bodyPr>
-          <a:lstStyle/>
-          <a:p>
-            <a:pPr algn="ctr" rtl="0">
-              <a:spcBef>
-                <a:spcPts val="0"/>
-              </a:spcBef>
-              <a:spcAft>
-                <a:spcPts val="0"/>
-              </a:spcAft>
-            </a:pPr>
-            <a:r>
-              <a:rPr lang="en-ID" sz="1600" b="0" i="0" u="none" strike="noStrike" dirty="0">
-                <a:solidFill>
-                  <a:srgbClr val="AF7B51"/>
-                </a:solidFill>
-                <a:effectLst/>
-                <a:latin typeface="Calibri" panose="020F0502020204030204" pitchFamily="34" charset="0"/>
-              </a:rPr>
-              <a:t>Dhea Amalia Lutfiani</a:t>
-            </a:r>
-          </a:p>
-          <a:p>
-            <a:pPr algn="ctr" rtl="0">
-              <a:spcBef>
-                <a:spcPts val="0"/>
-              </a:spcBef>
-              <a:spcAft>
-                <a:spcPts val="0"/>
-              </a:spcAft>
-            </a:pPr>
-            <a:r>
-              <a:rPr lang="en-ID" b="0" dirty="0">
-                <a:effectLst/>
-              </a:rPr>
-              <a:t>( 7 Feb – 18 Feb )</a:t>
-            </a:r>
-          </a:p>
-          <a:p>
-            <a:endParaRPr lang="en-ID" dirty="0"/>
-          </a:p>
-          <a:p>
-            <a:endParaRPr lang="en-ID" dirty="0"/>
-          </a:p>
-        </p:txBody>
-      </p:sp>
-    </p:spTree>
-    <p:extLst>
-      <p:ext uri="{BB962C8B-B14F-4D97-AF65-F5344CB8AC3E}">
-        <p14:creationId xmlns:p14="http://schemas.microsoft.com/office/powerpoint/2010/main" val="1033740093"/>
       </p:ext>
     </p:extLst>
   </p:cSld>
@@ -11367,7 +8261,7 @@
 </file>
 
 <file path=ppt/slides/slide9.xml><?xml version="1.0" encoding="utf-8"?>
-<p:sld xmlns:a="http://schemas.openxmlformats.org/drawingml/2006/main" xmlns:r="http://schemas.openxmlformats.org/officeDocument/2006/relationships" xmlns:p="http://schemas.openxmlformats.org/presentationml/2006/main" show="0">
+<p:sld xmlns:a="http://schemas.openxmlformats.org/drawingml/2006/main" xmlns:r="http://schemas.openxmlformats.org/officeDocument/2006/relationships" xmlns:p="http://schemas.openxmlformats.org/presentationml/2006/main">
   <p:cSld>
     <p:spTree>
       <p:nvGrpSpPr>
@@ -11385,222 +8279,36 @@
       </p:grpSpPr>
       <p:sp>
         <p:nvSpPr>
-          <p:cNvPr id="14" name="TextBox 13">
+          <p:cNvPr id="2" name="Title 1">
             <a:extLst>
               <a:ext uri="{FF2B5EF4-FFF2-40B4-BE49-F238E27FC236}">
-                <a16:creationId xmlns:a16="http://schemas.microsoft.com/office/drawing/2014/main" id="{4BDECECA-E7DD-54DB-5824-0C89AD2313C3}"/>
+                <a16:creationId xmlns:a16="http://schemas.microsoft.com/office/drawing/2014/main" id="{2964E4D8-B64D-8DC7-ABD6-62B368E3A9D6}"/>
               </a:ext>
             </a:extLst>
           </p:cNvPr>
-          <p:cNvSpPr txBox="1"/>
-          <p:nvPr/>
-        </p:nvSpPr>
-        <p:spPr>
-          <a:xfrm>
-            <a:off x="1066801" y="1410997"/>
-            <a:ext cx="8286750" cy="2550698"/>
-          </a:xfrm>
-          <a:prstGeom prst="rect">
-            <a:avLst/>
-          </a:prstGeom>
-          <a:noFill/>
-        </p:spPr>
-        <p:txBody>
-          <a:bodyPr wrap="square" rtlCol="0">
-            <a:spAutoFit/>
-          </a:bodyPr>
-          <a:lstStyle/>
-          <a:p>
-            <a:pPr marL="342900" indent="-342900">
-              <a:lnSpc>
-                <a:spcPct val="150000"/>
-              </a:lnSpc>
-              <a:buAutoNum type="arabicPeriod"/>
-            </a:pPr>
-            <a:r>
-              <a:rPr lang="en-US" dirty="0">
-                <a:latin typeface="Nunito" pitchFamily="2" charset="0"/>
-                <a:cs typeface="Times New Roman" panose="02020603050405020304" pitchFamily="18" charset="0"/>
-              </a:rPr>
-              <a:t>What is </a:t>
-            </a:r>
-            <a:r>
-              <a:rPr lang="en-US" dirty="0" err="1">
-                <a:latin typeface="Nunito" pitchFamily="2" charset="0"/>
-                <a:cs typeface="Times New Roman" panose="02020603050405020304" pitchFamily="18" charset="0"/>
-              </a:rPr>
-              <a:t>AirBnB</a:t>
-            </a:r>
-            <a:r>
-              <a:rPr lang="en-US" dirty="0">
-                <a:latin typeface="Nunito" pitchFamily="2" charset="0"/>
-                <a:cs typeface="Times New Roman" panose="02020603050405020304" pitchFamily="18" charset="0"/>
-              </a:rPr>
-              <a:t> largest  segment of rented properties?</a:t>
-            </a:r>
-          </a:p>
-          <a:p>
-            <a:pPr marL="342900" indent="-342900">
-              <a:lnSpc>
-                <a:spcPct val="150000"/>
-              </a:lnSpc>
-              <a:buAutoNum type="arabicPeriod"/>
-            </a:pPr>
-            <a:r>
-              <a:rPr lang="en-US" dirty="0">
-                <a:latin typeface="Nunito" pitchFamily="2" charset="0"/>
-                <a:cs typeface="Times New Roman" panose="02020603050405020304" pitchFamily="18" charset="0"/>
-              </a:rPr>
-              <a:t>How many properties are there in each borough?</a:t>
-            </a:r>
-          </a:p>
-          <a:p>
-            <a:pPr marL="342900" indent="-342900">
-              <a:lnSpc>
-                <a:spcPct val="150000"/>
-              </a:lnSpc>
-              <a:buAutoNum type="arabicPeriod"/>
-            </a:pPr>
-            <a:r>
-              <a:rPr lang="en-US" dirty="0">
-                <a:latin typeface="Nunito" pitchFamily="2" charset="0"/>
-                <a:cs typeface="Times New Roman" panose="02020603050405020304" pitchFamily="18" charset="0"/>
-              </a:rPr>
-              <a:t>How is the rental price distribution for each room type?</a:t>
-            </a:r>
-          </a:p>
-          <a:p>
-            <a:pPr marL="342900" indent="-342900">
-              <a:lnSpc>
-                <a:spcPct val="150000"/>
-              </a:lnSpc>
-              <a:buAutoNum type="arabicPeriod"/>
-            </a:pPr>
-            <a:r>
-              <a:rPr lang="en-US" dirty="0">
-                <a:latin typeface="Nunito" pitchFamily="2" charset="0"/>
-                <a:cs typeface="Times New Roman" panose="02020603050405020304" pitchFamily="18" charset="0"/>
-              </a:rPr>
-              <a:t>How many property does each host rents via </a:t>
-            </a:r>
-            <a:r>
-              <a:rPr lang="en-US" dirty="0" err="1">
-                <a:latin typeface="Nunito" pitchFamily="2" charset="0"/>
-                <a:cs typeface="Times New Roman" panose="02020603050405020304" pitchFamily="18" charset="0"/>
-              </a:rPr>
-              <a:t>AirBnB</a:t>
-            </a:r>
-            <a:r>
-              <a:rPr lang="en-US" dirty="0">
-                <a:latin typeface="Nunito" pitchFamily="2" charset="0"/>
-                <a:cs typeface="Times New Roman" panose="02020603050405020304" pitchFamily="18" charset="0"/>
-              </a:rPr>
-              <a:t>?</a:t>
-            </a:r>
-          </a:p>
-          <a:p>
-            <a:pPr marL="342900" indent="-342900">
-              <a:lnSpc>
-                <a:spcPct val="150000"/>
-              </a:lnSpc>
-              <a:buAutoNum type="arabicPeriod"/>
-            </a:pPr>
-            <a:r>
-              <a:rPr lang="en-US" dirty="0">
-                <a:latin typeface="Nunito" pitchFamily="2" charset="0"/>
-                <a:cs typeface="Times New Roman" panose="02020603050405020304" pitchFamily="18" charset="0"/>
-              </a:rPr>
-              <a:t>How is the trend of property review? Are there any properties that’s left too long without any price review? </a:t>
-            </a:r>
-            <a:endParaRPr lang="en-ID" dirty="0">
-              <a:latin typeface="Nunito" pitchFamily="2" charset="0"/>
-              <a:cs typeface="Times New Roman" panose="02020603050405020304" pitchFamily="18" charset="0"/>
-            </a:endParaRPr>
-          </a:p>
-        </p:txBody>
-      </p:sp>
-      <p:sp>
-        <p:nvSpPr>
-          <p:cNvPr id="8" name="Title 1">
-            <a:extLst>
-              <a:ext uri="{FF2B5EF4-FFF2-40B4-BE49-F238E27FC236}">
-                <a16:creationId xmlns:a16="http://schemas.microsoft.com/office/drawing/2014/main" id="{85138B41-D022-99BD-2256-6F27C30A45B2}"/>
-              </a:ext>
-            </a:extLst>
-          </p:cNvPr>
-          <p:cNvSpPr txBox="1">
-            <a:spLocks/>
-          </p:cNvSpPr>
-          <p:nvPr/>
-        </p:nvSpPr>
-        <p:spPr>
-          <a:xfrm>
-            <a:off x="1066800" y="214143"/>
-            <a:ext cx="10058400" cy="760078"/>
-          </a:xfrm>
-          <a:prstGeom prst="rect">
-            <a:avLst/>
-          </a:prstGeom>
-        </p:spPr>
-        <p:txBody>
-          <a:bodyPr vert="horz" lIns="91440" tIns="45720" rIns="91440" bIns="45720" rtlCol="0" anchor="ctr">
-            <a:normAutofit/>
-          </a:bodyPr>
-          <a:lstStyle>
-            <a:lvl1pPr algn="l" defTabSz="914400" rtl="0" eaLnBrk="1" latinLnBrk="0" hangingPunct="1">
-              <a:lnSpc>
-                <a:spcPct val="90000"/>
-              </a:lnSpc>
-              <a:spcBef>
-                <a:spcPct val="0"/>
-              </a:spcBef>
-              <a:buNone/>
-              <a:defRPr lang="en-US" sz="4800" kern="1200" cap="none" spc="0" baseline="0" dirty="0">
-                <a:solidFill>
-                  <a:schemeClr val="tx1">
-                    <a:lumMod val="85000"/>
-                    <a:lumOff val="15000"/>
-                  </a:schemeClr>
-                </a:solidFill>
-                <a:effectLst/>
-                <a:latin typeface="+mj-lt"/>
-                <a:ea typeface="+mn-ea"/>
-                <a:cs typeface="+mn-cs"/>
-              </a:defRPr>
-            </a:lvl1pPr>
-          </a:lstStyle>
-          <a:p>
-            <a:pPr rtl="0">
-              <a:spcBef>
-                <a:spcPts val="0"/>
-              </a:spcBef>
-              <a:spcAft>
-                <a:spcPts val="0"/>
-              </a:spcAft>
-            </a:pPr>
-            <a:r>
-              <a:rPr lang="en-ID" sz="2400" b="0" i="0" u="none" strike="noStrike" dirty="0">
-                <a:solidFill>
-                  <a:schemeClr val="tx1"/>
-                </a:solidFill>
-                <a:effectLst/>
-                <a:latin typeface="Nunito" pitchFamily="2" charset="0"/>
-              </a:rPr>
-              <a:t>SQL &amp; DATA VISUALIZATION</a:t>
-            </a:r>
-            <a:endParaRPr lang="en-ID" sz="1400" b="0" dirty="0">
-              <a:solidFill>
-                <a:schemeClr val="tx1"/>
-              </a:solidFill>
-              <a:effectLst/>
-            </a:endParaRPr>
+          <p:cNvSpPr>
+            <a:spLocks noGrp="1"/>
+          </p:cNvSpPr>
+          <p:nvPr>
+            <p:ph type="ctrTitle"/>
+          </p:nvPr>
+        </p:nvSpPr>
+        <p:spPr/>
+        <p:txBody>
+          <a:bodyPr/>
+          <a:lstStyle/>
+          <a:p>
+            <a:r>
+              <a:rPr lang="en-ID" dirty="0"/>
+              <a:t>THANK YOU</a:t>
+            </a:r>
           </a:p>
         </p:txBody>
       </p:sp>
     </p:spTree>
     <p:extLst>
       <p:ext uri="{BB962C8B-B14F-4D97-AF65-F5344CB8AC3E}">
-        <p14:creationId xmlns:p14="http://schemas.microsoft.com/office/powerpoint/2010/main" val="1079183936"/>
+        <p14:creationId xmlns:p14="http://schemas.microsoft.com/office/powerpoint/2010/main" val="1033740093"/>
       </p:ext>
     </p:extLst>
   </p:cSld>

--- a/ASSIGNMENT2.pptx
+++ b/ASSIGNMENT2.pptx
@@ -842,7 +842,7 @@
           <a:p>
             <a:fld id="{3064EE62-ECEF-41AE-9F67-44CA13249033}" type="datetimeFigureOut">
               <a:rPr lang="en-ID" smtClean="0"/>
-              <a:t>21/07/2022</a:t>
+              <a:t>30/07/2022</a:t>
             </a:fld>
             <a:endParaRPr lang="en-ID"/>
           </a:p>
@@ -1093,7 +1093,7 @@
           <a:p>
             <a:fld id="{3064EE62-ECEF-41AE-9F67-44CA13249033}" type="datetimeFigureOut">
               <a:rPr lang="en-ID" smtClean="0"/>
-              <a:t>21/07/2022</a:t>
+              <a:t>30/07/2022</a:t>
             </a:fld>
             <a:endParaRPr lang="en-ID"/>
           </a:p>
@@ -1407,7 +1407,7 @@
           <a:p>
             <a:fld id="{3064EE62-ECEF-41AE-9F67-44CA13249033}" type="datetimeFigureOut">
               <a:rPr lang="en-ID" smtClean="0"/>
-              <a:t>21/07/2022</a:t>
+              <a:t>30/07/2022</a:t>
             </a:fld>
             <a:endParaRPr lang="en-ID"/>
           </a:p>
@@ -1748,7 +1748,7 @@
           <a:p>
             <a:fld id="{3064EE62-ECEF-41AE-9F67-44CA13249033}" type="datetimeFigureOut">
               <a:rPr lang="en-ID" smtClean="0"/>
-              <a:t>21/07/2022</a:t>
+              <a:t>30/07/2022</a:t>
             </a:fld>
             <a:endParaRPr lang="en-ID"/>
           </a:p>
@@ -2062,7 +2062,7 @@
           <a:p>
             <a:fld id="{3064EE62-ECEF-41AE-9F67-44CA13249033}" type="datetimeFigureOut">
               <a:rPr lang="en-ID" smtClean="0"/>
-              <a:t>21/07/2022</a:t>
+              <a:t>30/07/2022</a:t>
             </a:fld>
             <a:endParaRPr lang="en-ID"/>
           </a:p>
@@ -2455,7 +2455,7 @@
           <a:p>
             <a:fld id="{3064EE62-ECEF-41AE-9F67-44CA13249033}" type="datetimeFigureOut">
               <a:rPr lang="en-ID" smtClean="0"/>
-              <a:t>21/07/2022</a:t>
+              <a:t>30/07/2022</a:t>
             </a:fld>
             <a:endParaRPr lang="en-ID"/>
           </a:p>
@@ -2625,7 +2625,7 @@
           <a:p>
             <a:fld id="{3064EE62-ECEF-41AE-9F67-44CA13249033}" type="datetimeFigureOut">
               <a:rPr lang="en-ID" smtClean="0"/>
-              <a:t>21/07/2022</a:t>
+              <a:t>30/07/2022</a:t>
             </a:fld>
             <a:endParaRPr lang="en-ID"/>
           </a:p>
@@ -2805,7 +2805,7 @@
           <a:p>
             <a:fld id="{3064EE62-ECEF-41AE-9F67-44CA13249033}" type="datetimeFigureOut">
               <a:rPr lang="en-ID" smtClean="0"/>
-              <a:t>21/07/2022</a:t>
+              <a:t>30/07/2022</a:t>
             </a:fld>
             <a:endParaRPr lang="en-ID"/>
           </a:p>
@@ -2981,7 +2981,7 @@
           <a:p>
             <a:fld id="{3064EE62-ECEF-41AE-9F67-44CA13249033}" type="datetimeFigureOut">
               <a:rPr lang="en-ID" smtClean="0"/>
-              <a:t>21/07/2022</a:t>
+              <a:t>30/07/2022</a:t>
             </a:fld>
             <a:endParaRPr lang="en-ID"/>
           </a:p>
@@ -3228,7 +3228,7 @@
           <a:p>
             <a:fld id="{3064EE62-ECEF-41AE-9F67-44CA13249033}" type="datetimeFigureOut">
               <a:rPr lang="en-ID" smtClean="0"/>
-              <a:t>21/07/2022</a:t>
+              <a:t>30/07/2022</a:t>
             </a:fld>
             <a:endParaRPr lang="en-ID"/>
           </a:p>
@@ -3460,7 +3460,7 @@
           <a:p>
             <a:fld id="{3064EE62-ECEF-41AE-9F67-44CA13249033}" type="datetimeFigureOut">
               <a:rPr lang="en-ID" smtClean="0"/>
-              <a:t>21/07/2022</a:t>
+              <a:t>30/07/2022</a:t>
             </a:fld>
             <a:endParaRPr lang="en-ID"/>
           </a:p>
@@ -3834,7 +3834,7 @@
           <a:p>
             <a:fld id="{3064EE62-ECEF-41AE-9F67-44CA13249033}" type="datetimeFigureOut">
               <a:rPr lang="en-ID" smtClean="0"/>
-              <a:t>21/07/2022</a:t>
+              <a:t>30/07/2022</a:t>
             </a:fld>
             <a:endParaRPr lang="en-ID"/>
           </a:p>
@@ -3957,7 +3957,7 @@
           <a:p>
             <a:fld id="{3064EE62-ECEF-41AE-9F67-44CA13249033}" type="datetimeFigureOut">
               <a:rPr lang="en-ID" smtClean="0"/>
-              <a:t>21/07/2022</a:t>
+              <a:t>30/07/2022</a:t>
             </a:fld>
             <a:endParaRPr lang="en-ID"/>
           </a:p>
@@ -4052,7 +4052,7 @@
           <a:p>
             <a:fld id="{3064EE62-ECEF-41AE-9F67-44CA13249033}" type="datetimeFigureOut">
               <a:rPr lang="en-ID" smtClean="0"/>
-              <a:t>21/07/2022</a:t>
+              <a:t>30/07/2022</a:t>
             </a:fld>
             <a:endParaRPr lang="en-ID"/>
           </a:p>
@@ -4307,7 +4307,7 @@
           <a:p>
             <a:fld id="{3064EE62-ECEF-41AE-9F67-44CA13249033}" type="datetimeFigureOut">
               <a:rPr lang="en-ID" smtClean="0"/>
-              <a:t>21/07/2022</a:t>
+              <a:t>30/07/2022</a:t>
             </a:fld>
             <a:endParaRPr lang="en-ID"/>
           </a:p>
@@ -4570,7 +4570,7 @@
           <a:p>
             <a:fld id="{3064EE62-ECEF-41AE-9F67-44CA13249033}" type="datetimeFigureOut">
               <a:rPr lang="en-ID" smtClean="0"/>
-              <a:t>21/07/2022</a:t>
+              <a:t>30/07/2022</a:t>
             </a:fld>
             <a:endParaRPr lang="en-ID"/>
           </a:p>
@@ -5313,7 +5313,7 @@
           <a:p>
             <a:fld id="{3064EE62-ECEF-41AE-9F67-44CA13249033}" type="datetimeFigureOut">
               <a:rPr lang="en-ID" smtClean="0"/>
-              <a:t>21/07/2022</a:t>
+              <a:t>30/07/2022</a:t>
             </a:fld>
             <a:endParaRPr lang="en-ID"/>
           </a:p>
@@ -5877,7 +5877,8 @@
                   <a:srgbClr val="233A44"/>
                 </a:solidFill>
                 <a:effectLst/>
-                <a:latin typeface="Arial" panose="020B0604020202020204" pitchFamily="34" charset="0"/>
+                <a:latin typeface="Calibri" panose="020F0502020204030204" pitchFamily="34" charset="0"/>
+                <a:cs typeface="Calibri" panose="020F0502020204030204" pitchFamily="34" charset="0"/>
               </a:rPr>
               <a:t>Data Cleaning</a:t>
             </a:r>
@@ -5887,7 +5888,8 @@
                   <a:srgbClr val="233A44"/>
                 </a:solidFill>
                 <a:effectLst/>
-                <a:latin typeface="Arial" panose="020B0604020202020204" pitchFamily="34" charset="0"/>
+                <a:latin typeface="Calibri" panose="020F0502020204030204" pitchFamily="34" charset="0"/>
+                <a:cs typeface="Calibri" panose="020F0502020204030204" pitchFamily="34" charset="0"/>
               </a:rPr>
             </a:br>
             <a:r>
@@ -5896,7 +5898,8 @@
                   <a:srgbClr val="233A44"/>
                 </a:solidFill>
                 <a:effectLst/>
-                <a:latin typeface="Arial" panose="020B0604020202020204" pitchFamily="34" charset="0"/>
+                <a:latin typeface="Calibri" panose="020F0502020204030204" pitchFamily="34" charset="0"/>
+                <a:cs typeface="Calibri" panose="020F0502020204030204" pitchFamily="34" charset="0"/>
               </a:rPr>
               <a:t>on NYC-</a:t>
             </a:r>
@@ -5906,7 +5909,8 @@
                   <a:srgbClr val="233A44"/>
                 </a:solidFill>
                 <a:effectLst/>
-                <a:latin typeface="Arial" panose="020B0604020202020204" pitchFamily="34" charset="0"/>
+                <a:latin typeface="Calibri" panose="020F0502020204030204" pitchFamily="34" charset="0"/>
+                <a:cs typeface="Calibri" panose="020F0502020204030204" pitchFamily="34" charset="0"/>
               </a:rPr>
               <a:t>AirBnB</a:t>
             </a:r>
@@ -5915,7 +5919,8 @@
                 <a:solidFill>
                   <a:srgbClr val="233A44"/>
                 </a:solidFill>
-                <a:latin typeface="Arial" panose="020B0604020202020204" pitchFamily="34" charset="0"/>
+                <a:latin typeface="Calibri" panose="020F0502020204030204" pitchFamily="34" charset="0"/>
+                <a:cs typeface="Calibri" panose="020F0502020204030204" pitchFamily="34" charset="0"/>
               </a:rPr>
               <a:t> </a:t>
             </a:r>
@@ -5925,7 +5930,8 @@
                   <a:srgbClr val="233A44"/>
                 </a:solidFill>
                 <a:effectLst/>
-                <a:latin typeface="Arial" panose="020B0604020202020204" pitchFamily="34" charset="0"/>
+                <a:latin typeface="Calibri" panose="020F0502020204030204" pitchFamily="34" charset="0"/>
+                <a:cs typeface="Calibri" panose="020F0502020204030204" pitchFamily="34" charset="0"/>
               </a:rPr>
               <a:t>2019 Project</a:t>
             </a:r>
@@ -5935,7 +5941,8 @@
                   <a:srgbClr val="233A44"/>
                 </a:solidFill>
                 <a:effectLst/>
-                <a:latin typeface="Arial" panose="020B0604020202020204" pitchFamily="34" charset="0"/>
+                <a:latin typeface="Calibri" panose="020F0502020204030204" pitchFamily="34" charset="0"/>
+                <a:cs typeface="Calibri" panose="020F0502020204030204" pitchFamily="34" charset="0"/>
               </a:rPr>
             </a:br>
             <a:br>
@@ -5944,7 +5951,8 @@
                   <a:srgbClr val="233A44"/>
                 </a:solidFill>
                 <a:effectLst/>
-                <a:latin typeface="Arial" panose="020B0604020202020204" pitchFamily="34" charset="0"/>
+                <a:latin typeface="Calibri" panose="020F0502020204030204" pitchFamily="34" charset="0"/>
+                <a:cs typeface="Calibri" panose="020F0502020204030204" pitchFamily="34" charset="0"/>
               </a:rPr>
             </a:br>
             <a:r>
@@ -5953,7 +5961,8 @@
                   <a:srgbClr val="233A44"/>
                 </a:solidFill>
                 <a:effectLst/>
-                <a:latin typeface="+mn-lt"/>
+                <a:latin typeface="Calibri" panose="020F0502020204030204" pitchFamily="34" charset="0"/>
+                <a:cs typeface="Calibri" panose="020F0502020204030204" pitchFamily="34" charset="0"/>
               </a:rPr>
               <a:t>TAKEN FROM CASE STUDY</a:t>
             </a:r>
@@ -5963,7 +5972,8 @@
                   <a:srgbClr val="233A44"/>
                 </a:solidFill>
                 <a:effectLst/>
-                <a:latin typeface="+mn-lt"/>
+                <a:latin typeface="Calibri" panose="020F0502020204030204" pitchFamily="34" charset="0"/>
+                <a:cs typeface="Calibri" panose="020F0502020204030204" pitchFamily="34" charset="0"/>
               </a:rPr>
             </a:br>
             <a:r>
@@ -5972,7 +5982,8 @@
                   <a:srgbClr val="233A44"/>
                 </a:solidFill>
                 <a:effectLst/>
-                <a:latin typeface="+mn-lt"/>
+                <a:latin typeface="Calibri" panose="020F0502020204030204" pitchFamily="34" charset="0"/>
+                <a:cs typeface="Calibri" panose="020F0502020204030204" pitchFamily="34" charset="0"/>
               </a:rPr>
               <a:t>RevoU</a:t>
             </a:r>
@@ -5982,11 +5993,15 @@
                   <a:srgbClr val="233A44"/>
                 </a:solidFill>
                 <a:effectLst/>
-                <a:latin typeface="+mn-lt"/>
+                <a:latin typeface="Calibri" panose="020F0502020204030204" pitchFamily="34" charset="0"/>
+                <a:cs typeface="Calibri" panose="020F0502020204030204" pitchFamily="34" charset="0"/>
               </a:rPr>
               <a:t> Mini Course - Data Analytics</a:t>
             </a:r>
-            <a:endParaRPr lang="en-ID" sz="1800" dirty="0"/>
+            <a:endParaRPr lang="en-ID" sz="1800" dirty="0">
+              <a:latin typeface="Calibri" panose="020F0502020204030204" pitchFamily="34" charset="0"/>
+              <a:cs typeface="Calibri" panose="020F0502020204030204" pitchFamily="34" charset="0"/>
+            </a:endParaRPr>
           </a:p>
         </p:txBody>
       </p:sp>
@@ -6033,6 +6048,7 @@
                 </a:solidFill>
                 <a:effectLst/>
                 <a:latin typeface="Calibri" panose="020F0502020204030204" pitchFamily="34" charset="0"/>
+                <a:cs typeface="Calibri" panose="020F0502020204030204" pitchFamily="34" charset="0"/>
               </a:rPr>
               <a:t>Dhea Amalia Lutfiani</a:t>
             </a:r>
@@ -6042,6 +6058,8 @@
               <a:solidFill>
                 <a:schemeClr val="accent2"/>
               </a:solidFill>
+              <a:latin typeface="Calibri" panose="020F0502020204030204" pitchFamily="34" charset="0"/>
+              <a:cs typeface="Calibri" panose="020F0502020204030204" pitchFamily="34" charset="0"/>
             </a:endParaRPr>
           </a:p>
         </p:txBody>
@@ -6118,7 +6136,8 @@
                   <a:schemeClr val="tx1"/>
                 </a:solidFill>
                 <a:effectLst/>
-                <a:latin typeface="Nunito" panose="020B0604020202020204" pitchFamily="2" charset="0"/>
+                <a:latin typeface="Calibri" panose="020F0502020204030204" pitchFamily="34" charset="0"/>
+                <a:cs typeface="Calibri" panose="020F0502020204030204" pitchFamily="34" charset="0"/>
               </a:rPr>
               <a:t>Case Study Instructions</a:t>
             </a:r>
@@ -6126,6 +6145,8 @@
               <a:solidFill>
                 <a:schemeClr val="tx1"/>
               </a:solidFill>
+              <a:latin typeface="Calibri" panose="020F0502020204030204" pitchFamily="34" charset="0"/>
+              <a:cs typeface="Calibri" panose="020F0502020204030204" pitchFamily="34" charset="0"/>
             </a:endParaRPr>
           </a:p>
         </p:txBody>
@@ -6145,7 +6166,7 @@
         <p:spPr>
           <a:xfrm>
             <a:off x="1066800" y="1894445"/>
-            <a:ext cx="4753224" cy="473206"/>
+            <a:ext cx="4208075" cy="464871"/>
           </a:xfrm>
           <a:prstGeom prst="rect">
             <a:avLst/>
@@ -6165,22 +6186,22 @@
             </a:pPr>
             <a:r>
               <a:rPr lang="en-ID" dirty="0">
-                <a:latin typeface="Nunito" pitchFamily="2" charset="0"/>
-                <a:cs typeface="Times New Roman" panose="02020603050405020304" pitchFamily="18" charset="0"/>
+                <a:latin typeface="Calibri" panose="020F0502020204030204" pitchFamily="34" charset="0"/>
+                <a:cs typeface="Calibri" panose="020F0502020204030204" pitchFamily="34" charset="0"/>
               </a:rPr>
               <a:t>Table of interest : NYC </a:t>
             </a:r>
             <a:r>
               <a:rPr lang="en-ID" dirty="0" err="1">
-                <a:latin typeface="Nunito" pitchFamily="2" charset="0"/>
-                <a:cs typeface="Times New Roman" panose="02020603050405020304" pitchFamily="18" charset="0"/>
+                <a:latin typeface="Calibri" panose="020F0502020204030204" pitchFamily="34" charset="0"/>
+                <a:cs typeface="Calibri" panose="020F0502020204030204" pitchFamily="34" charset="0"/>
               </a:rPr>
               <a:t>AirBnB</a:t>
             </a:r>
             <a:r>
               <a:rPr lang="en-ID" dirty="0">
-                <a:latin typeface="Nunito" pitchFamily="2" charset="0"/>
-                <a:cs typeface="Times New Roman" panose="02020603050405020304" pitchFamily="18" charset="0"/>
+                <a:latin typeface="Calibri" panose="020F0502020204030204" pitchFamily="34" charset="0"/>
+                <a:cs typeface="Calibri" panose="020F0502020204030204" pitchFamily="34" charset="0"/>
               </a:rPr>
               <a:t> Dummy Data</a:t>
             </a:r>
@@ -6202,7 +6223,7 @@
         <p:spPr>
           <a:xfrm>
             <a:off x="1066800" y="2649788"/>
-            <a:ext cx="9529482" cy="2339102"/>
+            <a:ext cx="9529482" cy="2062103"/>
           </a:xfrm>
           <a:prstGeom prst="rect">
             <a:avLst/>
@@ -6223,8 +6244,8 @@
             </a:pPr>
             <a:r>
               <a:rPr lang="en-US" dirty="0">
-                <a:latin typeface="Nunito" pitchFamily="2" charset="0"/>
-                <a:cs typeface="Times New Roman" panose="02020603050405020304" pitchFamily="18" charset="0"/>
+                <a:latin typeface="Calibri" panose="020F0502020204030204" pitchFamily="34" charset="0"/>
+                <a:cs typeface="Calibri" panose="020F0502020204030204" pitchFamily="34" charset="0"/>
               </a:rPr>
               <a:t>Look at this data and start thinking. List down 3 trends/points that you want to show.</a:t>
             </a:r>
@@ -6238,8 +6259,8 @@
             </a:pPr>
             <a:r>
               <a:rPr lang="en-US" dirty="0">
-                <a:latin typeface="Nunito" pitchFamily="2" charset="0"/>
-                <a:cs typeface="Times New Roman" panose="02020603050405020304" pitchFamily="18" charset="0"/>
+                <a:latin typeface="Calibri" panose="020F0502020204030204" pitchFamily="34" charset="0"/>
+                <a:cs typeface="Calibri" panose="020F0502020204030204" pitchFamily="34" charset="0"/>
               </a:rPr>
               <a:t>From here, try to explore the data and make changes, filter, and prepare the data that you need.</a:t>
             </a:r>
@@ -6253,8 +6274,8 @@
             </a:pPr>
             <a:r>
               <a:rPr lang="en-US" dirty="0">
-                <a:latin typeface="Nunito" pitchFamily="2" charset="0"/>
-                <a:cs typeface="Times New Roman" panose="02020603050405020304" pitchFamily="18" charset="0"/>
+                <a:latin typeface="Calibri" panose="020F0502020204030204" pitchFamily="34" charset="0"/>
+                <a:cs typeface="Calibri" panose="020F0502020204030204" pitchFamily="34" charset="0"/>
               </a:rPr>
               <a:t>Create some visualizations or dashboard with the best type of chart you have learned.</a:t>
             </a:r>
@@ -6267,8 +6288,8 @@
             </a:pPr>
             <a:r>
               <a:rPr lang="en-US" dirty="0">
-                <a:latin typeface="Nunito" pitchFamily="2" charset="0"/>
-                <a:cs typeface="Times New Roman" panose="02020603050405020304" pitchFamily="18" charset="0"/>
+                <a:latin typeface="Calibri" panose="020F0502020204030204" pitchFamily="34" charset="0"/>
+                <a:cs typeface="Calibri" panose="020F0502020204030204" pitchFamily="34" charset="0"/>
               </a:rPr>
               <a:t>	The easiest is with Google Data Studio or Google Sheets.</a:t>
             </a:r>
@@ -6282,14 +6303,14 @@
             </a:pPr>
             <a:r>
               <a:rPr lang="en-US" dirty="0">
-                <a:latin typeface="Nunito" pitchFamily="2" charset="0"/>
-                <a:cs typeface="Times New Roman" panose="02020603050405020304" pitchFamily="18" charset="0"/>
+                <a:latin typeface="Calibri" panose="020F0502020204030204" pitchFamily="34" charset="0"/>
+                <a:cs typeface="Calibri" panose="020F0502020204030204" pitchFamily="34" charset="0"/>
               </a:rPr>
               <a:t>Then, make 1-2 slides from the Graphs with the insights you got to present your findings to the stakeholders (read this article from HBR)</a:t>
             </a:r>
             <a:endParaRPr lang="en-ID" dirty="0">
-              <a:latin typeface="Nunito" pitchFamily="2" charset="0"/>
-              <a:cs typeface="Times New Roman" panose="02020603050405020304" pitchFamily="18" charset="0"/>
+              <a:latin typeface="Calibri" panose="020F0502020204030204" pitchFamily="34" charset="0"/>
+              <a:cs typeface="Calibri" panose="020F0502020204030204" pitchFamily="34" charset="0"/>
             </a:endParaRPr>
           </a:p>
         </p:txBody>
@@ -6309,7 +6330,7 @@
         <p:spPr>
           <a:xfrm>
             <a:off x="1066800" y="1512411"/>
-            <a:ext cx="1297150" cy="369332"/>
+            <a:ext cx="1173078" cy="369332"/>
           </a:xfrm>
           <a:prstGeom prst="rect">
             <a:avLst/>
@@ -6323,7 +6344,10 @@
           <a:lstStyle/>
           <a:p>
             <a:r>
-              <a:rPr lang="en-ID" dirty="0"/>
+              <a:rPr lang="en-ID" dirty="0">
+                <a:latin typeface="Calibri" panose="020F0502020204030204" pitchFamily="34" charset="0"/>
+                <a:cs typeface="Calibri" panose="020F0502020204030204" pitchFamily="34" charset="0"/>
+              </a:rPr>
               <a:t>QUESTION</a:t>
             </a:r>
           </a:p>
@@ -6535,7 +6559,8 @@
                   <a:schemeClr val="tx1"/>
                 </a:solidFill>
                 <a:effectLst/>
-                <a:latin typeface="Nunito" pitchFamily="2" charset="0"/>
+                <a:latin typeface="Calibri" panose="020F0502020204030204" pitchFamily="34" charset="0"/>
+                <a:cs typeface="Calibri" panose="020F0502020204030204" pitchFamily="34" charset="0"/>
               </a:rPr>
               <a:t>Python &amp; Data Cleaning</a:t>
             </a:r>
@@ -6544,6 +6569,8 @@
                 <a:schemeClr val="tx1"/>
               </a:solidFill>
               <a:effectLst/>
+              <a:latin typeface="Calibri" panose="020F0502020204030204" pitchFamily="34" charset="0"/>
+              <a:cs typeface="Calibri" panose="020F0502020204030204" pitchFamily="34" charset="0"/>
             </a:endParaRPr>
           </a:p>
         </p:txBody>
@@ -6562,8 +6589,8 @@
         </p:nvSpPr>
         <p:spPr>
           <a:xfrm>
-            <a:off x="1825275" y="1759072"/>
-            <a:ext cx="2566728" cy="369332"/>
+            <a:off x="1066800" y="1612308"/>
+            <a:ext cx="2308581" cy="369332"/>
           </a:xfrm>
           <a:prstGeom prst="rect">
             <a:avLst/>
@@ -6577,11 +6604,17 @@
           <a:lstStyle/>
           <a:p>
             <a:r>
-              <a:rPr lang="id-ID" dirty="0"/>
+              <a:rPr lang="id-ID" dirty="0">
+                <a:latin typeface="Calibri" panose="020F0502020204030204" pitchFamily="34" charset="0"/>
+                <a:cs typeface="Calibri" panose="020F0502020204030204" pitchFamily="34" charset="0"/>
+              </a:rPr>
               <a:t>Info</a:t>
             </a:r>
             <a:r>
-              <a:rPr lang="en-ID" dirty="0"/>
+              <a:rPr lang="en-ID" dirty="0">
+                <a:latin typeface="Calibri" panose="020F0502020204030204" pitchFamily="34" charset="0"/>
+                <a:cs typeface="Calibri" panose="020F0502020204030204" pitchFamily="34" charset="0"/>
+              </a:rPr>
               <a:t> from the Dataset :</a:t>
             </a:r>
           </a:p>
@@ -6766,7 +6799,7 @@
         <p:spPr>
           <a:xfrm>
             <a:off x="1066800" y="864844"/>
-            <a:ext cx="4253472" cy="369332"/>
+            <a:ext cx="3820790" cy="369332"/>
           </a:xfrm>
           <a:prstGeom prst="rect">
             <a:avLst/>
@@ -6780,7 +6813,10 @@
           <a:lstStyle/>
           <a:p>
             <a:r>
-              <a:rPr lang="en-ID" dirty="0"/>
+              <a:rPr lang="en-ID" dirty="0">
+                <a:latin typeface="Calibri" panose="020F0502020204030204" pitchFamily="34" charset="0"/>
+                <a:cs typeface="Calibri" panose="020F0502020204030204" pitchFamily="34" charset="0"/>
+              </a:rPr>
               <a:t>Preview the Data before data cleaning:</a:t>
             </a:r>
           </a:p>
@@ -6851,7 +6887,8 @@
                   <a:schemeClr val="tx1"/>
                 </a:solidFill>
                 <a:effectLst/>
-                <a:latin typeface="Nunito" pitchFamily="2" charset="0"/>
+                <a:latin typeface="Calibri" panose="020F0502020204030204" pitchFamily="34" charset="0"/>
+                <a:cs typeface="Calibri" panose="020F0502020204030204" pitchFamily="34" charset="0"/>
               </a:rPr>
               <a:t>Python &amp; Data Cleaning</a:t>
             </a:r>
@@ -6860,6 +6897,8 @@
                 <a:schemeClr val="tx1"/>
               </a:solidFill>
               <a:effectLst/>
+              <a:latin typeface="Calibri" panose="020F0502020204030204" pitchFamily="34" charset="0"/>
+              <a:cs typeface="Calibri" panose="020F0502020204030204" pitchFamily="34" charset="0"/>
             </a:endParaRPr>
           </a:p>
         </p:txBody>
@@ -6954,8 +6993,8 @@
           <a:p>
             <a:r>
               <a:rPr lang="en-ID" dirty="0">
-                <a:latin typeface="Nunito" pitchFamily="2" charset="0"/>
-                <a:cs typeface="Times New Roman" panose="02020603050405020304" pitchFamily="18" charset="0"/>
+                <a:latin typeface="Calibri" panose="020F0502020204030204" pitchFamily="34" charset="0"/>
+                <a:cs typeface="Calibri" panose="020F0502020204030204" pitchFamily="34" charset="0"/>
               </a:rPr>
               <a:t>Messy data is a common problem you’d likely face when you have data from sources like spreadsheets. It is important to clean your data before doing any analysis.</a:t>
             </a:r>
@@ -6997,8 +7036,8 @@
             </a:pPr>
             <a:r>
               <a:rPr lang="en-US" dirty="0">
-                <a:latin typeface="Nunito" pitchFamily="2" charset="0"/>
-                <a:cs typeface="Times New Roman" panose="02020603050405020304" pitchFamily="18" charset="0"/>
+                <a:latin typeface="Calibri" panose="020F0502020204030204" pitchFamily="34" charset="0"/>
+                <a:cs typeface="Calibri" panose="020F0502020204030204" pitchFamily="34" charset="0"/>
               </a:rPr>
               <a:t>Things to do in data cleaning :</a:t>
             </a:r>
@@ -7012,8 +7051,8 @@
             </a:pPr>
             <a:r>
               <a:rPr lang="id-ID" dirty="0">
-                <a:latin typeface="Nunito" pitchFamily="2" charset="0"/>
-                <a:cs typeface="Times New Roman" panose="02020603050405020304" pitchFamily="18" charset="0"/>
+                <a:latin typeface="Calibri" panose="020F0502020204030204" pitchFamily="34" charset="0"/>
+                <a:cs typeface="Calibri" panose="020F0502020204030204" pitchFamily="34" charset="0"/>
               </a:rPr>
               <a:t>Change data type</a:t>
             </a:r>
@@ -7027,8 +7066,8 @@
             </a:pPr>
             <a:r>
               <a:rPr lang="id-ID" dirty="0">
-                <a:latin typeface="Nunito" pitchFamily="2" charset="0"/>
-                <a:cs typeface="Times New Roman" panose="02020603050405020304" pitchFamily="18" charset="0"/>
+                <a:latin typeface="Calibri" panose="020F0502020204030204" pitchFamily="34" charset="0"/>
+                <a:cs typeface="Calibri" panose="020F0502020204030204" pitchFamily="34" charset="0"/>
               </a:rPr>
               <a:t>Remove duplicated data</a:t>
             </a:r>
@@ -7042,8 +7081,8 @@
             </a:pPr>
             <a:r>
               <a:rPr lang="id-ID" dirty="0">
-                <a:latin typeface="Nunito" pitchFamily="2" charset="0"/>
-                <a:cs typeface="Times New Roman" panose="02020603050405020304" pitchFamily="18" charset="0"/>
+                <a:latin typeface="Calibri" panose="020F0502020204030204" pitchFamily="34" charset="0"/>
+                <a:cs typeface="Calibri" panose="020F0502020204030204" pitchFamily="34" charset="0"/>
               </a:rPr>
               <a:t>Remove empty data</a:t>
             </a:r>
@@ -7057,8 +7096,8 @@
             </a:pPr>
             <a:r>
               <a:rPr lang="id-ID" dirty="0">
-                <a:latin typeface="Nunito" pitchFamily="2" charset="0"/>
-                <a:cs typeface="Times New Roman" panose="02020603050405020304" pitchFamily="18" charset="0"/>
+                <a:latin typeface="Calibri" panose="020F0502020204030204" pitchFamily="34" charset="0"/>
+                <a:cs typeface="Calibri" panose="020F0502020204030204" pitchFamily="34" charset="0"/>
               </a:rPr>
               <a:t>Remove outliers</a:t>
             </a:r>
@@ -7072,14 +7111,14 @@
             </a:pPr>
             <a:r>
               <a:rPr lang="id-ID" dirty="0">
-                <a:latin typeface="Nunito" pitchFamily="2" charset="0"/>
-                <a:cs typeface="Times New Roman" panose="02020603050405020304" pitchFamily="18" charset="0"/>
+                <a:latin typeface="Calibri" panose="020F0502020204030204" pitchFamily="34" charset="0"/>
+                <a:cs typeface="Calibri" panose="020F0502020204030204" pitchFamily="34" charset="0"/>
               </a:rPr>
               <a:t>Remove unnecessary data</a:t>
             </a:r>
             <a:endParaRPr lang="en-ID" dirty="0">
-              <a:latin typeface="Nunito" pitchFamily="2" charset="0"/>
-              <a:cs typeface="Times New Roman" panose="02020603050405020304" pitchFamily="18" charset="0"/>
+              <a:latin typeface="Calibri" panose="020F0502020204030204" pitchFamily="34" charset="0"/>
+              <a:cs typeface="Calibri" panose="020F0502020204030204" pitchFamily="34" charset="0"/>
             </a:endParaRPr>
           </a:p>
         </p:txBody>
@@ -7099,7 +7138,7 @@
         <p:spPr>
           <a:xfrm>
             <a:off x="1066800" y="1140901"/>
-            <a:ext cx="1773306" cy="369332"/>
+            <a:ext cx="1684820" cy="369332"/>
           </a:xfrm>
           <a:prstGeom prst="rect">
             <a:avLst/>
@@ -7113,7 +7152,10 @@
           <a:lstStyle/>
           <a:p>
             <a:r>
-              <a:rPr lang="en-ID" dirty="0"/>
+              <a:rPr lang="en-ID" dirty="0">
+                <a:latin typeface="Calibri" panose="020F0502020204030204" pitchFamily="34" charset="0"/>
+                <a:cs typeface="Calibri" panose="020F0502020204030204" pitchFamily="34" charset="0"/>
+              </a:rPr>
               <a:t>DATA CLEANING</a:t>
             </a:r>
           </a:p>
@@ -7149,28 +7191,28 @@
           <a:p>
             <a:r>
               <a:rPr lang="id-ID" sz="1600" dirty="0">
-                <a:latin typeface="Nunito" pitchFamily="2" charset="0"/>
-                <a:cs typeface="Times New Roman" panose="02020603050405020304" pitchFamily="18" charset="0"/>
+                <a:latin typeface="Calibri" panose="020F0502020204030204" pitchFamily="34" charset="0"/>
+                <a:cs typeface="Calibri" panose="020F0502020204030204" pitchFamily="34" charset="0"/>
               </a:rPr>
               <a:t>Cleaning Data</a:t>
             </a:r>
             <a:r>
               <a:rPr lang="en-US" sz="1600" dirty="0">
-                <a:latin typeface="Nunito" pitchFamily="2" charset="0"/>
-                <a:cs typeface="Times New Roman" panose="02020603050405020304" pitchFamily="18" charset="0"/>
+                <a:latin typeface="Calibri" panose="020F0502020204030204" pitchFamily="34" charset="0"/>
+                <a:cs typeface="Calibri" panose="020F0502020204030204" pitchFamily="34" charset="0"/>
               </a:rPr>
               <a:t> : </a:t>
             </a:r>
             <a:r>
               <a:rPr lang="id-ID" sz="1600" dirty="0">
-                <a:latin typeface="Nunito" pitchFamily="2" charset="0"/>
-                <a:cs typeface="Times New Roman" panose="02020603050405020304" pitchFamily="18" charset="0"/>
+                <a:latin typeface="Calibri" panose="020F0502020204030204" pitchFamily="34" charset="0"/>
+                <a:cs typeface="Calibri" panose="020F0502020204030204" pitchFamily="34" charset="0"/>
               </a:rPr>
               <a:t>Python (Google Collab)</a:t>
             </a:r>
             <a:endParaRPr lang="en-ID" sz="1600" dirty="0">
-              <a:latin typeface="Nunito" pitchFamily="2" charset="0"/>
-              <a:cs typeface="Times New Roman" panose="02020603050405020304" pitchFamily="18" charset="0"/>
+              <a:latin typeface="Calibri" panose="020F0502020204030204" pitchFamily="34" charset="0"/>
+              <a:cs typeface="Calibri" panose="020F0502020204030204" pitchFamily="34" charset="0"/>
             </a:endParaRPr>
           </a:p>
         </p:txBody>
@@ -7189,8 +7231,8 @@
         </p:nvSpPr>
         <p:spPr>
           <a:xfrm>
-            <a:off x="5265575" y="2644170"/>
-            <a:ext cx="5072376" cy="1569660"/>
+            <a:off x="5265575" y="2465122"/>
+            <a:ext cx="5072376" cy="2542363"/>
           </a:xfrm>
           <a:prstGeom prst="rect">
             <a:avLst/>
@@ -7203,185 +7245,202 @@
           </a:bodyPr>
           <a:lstStyle/>
           <a:p>
-            <a:r>
-              <a:rPr lang="en-US" sz="1600" dirty="0">
-                <a:latin typeface="Nunito" pitchFamily="2" charset="0"/>
-                <a:cs typeface="Times New Roman" panose="02020603050405020304" pitchFamily="18" charset="0"/>
+            <a:pPr>
+              <a:lnSpc>
+                <a:spcPct val="150000"/>
+              </a:lnSpc>
+            </a:pPr>
+            <a:r>
+              <a:rPr lang="en-US" dirty="0">
+                <a:latin typeface="Calibri" panose="020F0502020204030204" pitchFamily="34" charset="0"/>
+                <a:cs typeface="Calibri" panose="020F0502020204030204" pitchFamily="34" charset="0"/>
               </a:rPr>
               <a:t>Things to do in data cleaning :</a:t>
             </a:r>
           </a:p>
           <a:p>
             <a:pPr marL="342900" indent="-342900">
+              <a:lnSpc>
+                <a:spcPct val="150000"/>
+              </a:lnSpc>
               <a:buAutoNum type="arabicPeriod"/>
             </a:pPr>
             <a:r>
-              <a:rPr lang="en-US" sz="1600" dirty="0" err="1">
-                <a:latin typeface="Nunito" pitchFamily="2" charset="0"/>
-                <a:cs typeface="Times New Roman" panose="02020603050405020304" pitchFamily="18" charset="0"/>
+              <a:rPr lang="en-US" dirty="0" err="1">
+                <a:latin typeface="Calibri" panose="020F0502020204030204" pitchFamily="34" charset="0"/>
+                <a:cs typeface="Calibri" panose="020F0502020204030204" pitchFamily="34" charset="0"/>
               </a:rPr>
               <a:t>Menyesuaikan</a:t>
             </a:r>
             <a:r>
-              <a:rPr lang="en-US" sz="1600" dirty="0">
-                <a:latin typeface="Nunito" pitchFamily="2" charset="0"/>
-                <a:cs typeface="Times New Roman" panose="02020603050405020304" pitchFamily="18" charset="0"/>
+              <a:rPr lang="en-US" dirty="0">
+                <a:latin typeface="Calibri" panose="020F0502020204030204" pitchFamily="34" charset="0"/>
+                <a:cs typeface="Calibri" panose="020F0502020204030204" pitchFamily="34" charset="0"/>
               </a:rPr>
               <a:t> </a:t>
             </a:r>
             <a:r>
-              <a:rPr lang="en-US" sz="1600" dirty="0" err="1">
-                <a:latin typeface="Nunito" pitchFamily="2" charset="0"/>
-                <a:cs typeface="Times New Roman" panose="02020603050405020304" pitchFamily="18" charset="0"/>
+              <a:rPr lang="en-US" dirty="0" err="1">
+                <a:latin typeface="Calibri" panose="020F0502020204030204" pitchFamily="34" charset="0"/>
+                <a:cs typeface="Calibri" panose="020F0502020204030204" pitchFamily="34" charset="0"/>
               </a:rPr>
               <a:t>tipe</a:t>
             </a:r>
             <a:r>
-              <a:rPr lang="en-US" sz="1600" dirty="0">
-                <a:latin typeface="Nunito" pitchFamily="2" charset="0"/>
-                <a:cs typeface="Times New Roman" panose="02020603050405020304" pitchFamily="18" charset="0"/>
+              <a:rPr lang="en-US" dirty="0">
+                <a:latin typeface="Calibri" panose="020F0502020204030204" pitchFamily="34" charset="0"/>
+                <a:cs typeface="Calibri" panose="020F0502020204030204" pitchFamily="34" charset="0"/>
               </a:rPr>
               <a:t> data per-</a:t>
             </a:r>
             <a:r>
-              <a:rPr lang="en-US" sz="1600" dirty="0" err="1">
-                <a:latin typeface="Nunito" pitchFamily="2" charset="0"/>
-                <a:cs typeface="Times New Roman" panose="02020603050405020304" pitchFamily="18" charset="0"/>
+              <a:rPr lang="en-US" dirty="0" err="1">
+                <a:latin typeface="Calibri" panose="020F0502020204030204" pitchFamily="34" charset="0"/>
+                <a:cs typeface="Calibri" panose="020F0502020204030204" pitchFamily="34" charset="0"/>
               </a:rPr>
               <a:t>kolom</a:t>
             </a:r>
-            <a:endParaRPr lang="en-US" sz="1600" dirty="0">
-              <a:latin typeface="Nunito" pitchFamily="2" charset="0"/>
-              <a:cs typeface="Times New Roman" panose="02020603050405020304" pitchFamily="18" charset="0"/>
+            <a:endParaRPr lang="en-US" dirty="0">
+              <a:latin typeface="Calibri" panose="020F0502020204030204" pitchFamily="34" charset="0"/>
+              <a:cs typeface="Calibri" panose="020F0502020204030204" pitchFamily="34" charset="0"/>
             </a:endParaRPr>
           </a:p>
           <a:p>
             <a:pPr marL="342900" indent="-342900">
+              <a:lnSpc>
+                <a:spcPct val="150000"/>
+              </a:lnSpc>
               <a:buAutoNum type="arabicPeriod"/>
             </a:pPr>
             <a:r>
-              <a:rPr lang="en-ID" sz="1600" dirty="0" err="1">
-                <a:latin typeface="Nunito" pitchFamily="2" charset="0"/>
-                <a:cs typeface="Times New Roman" panose="02020603050405020304" pitchFamily="18" charset="0"/>
+              <a:rPr lang="en-ID" dirty="0" err="1">
+                <a:latin typeface="Calibri" panose="020F0502020204030204" pitchFamily="34" charset="0"/>
+                <a:cs typeface="Calibri" panose="020F0502020204030204" pitchFamily="34" charset="0"/>
               </a:rPr>
               <a:t>Menghilangkan</a:t>
             </a:r>
             <a:r>
-              <a:rPr lang="en-ID" sz="1600" dirty="0">
-                <a:latin typeface="Nunito" pitchFamily="2" charset="0"/>
-                <a:cs typeface="Times New Roman" panose="02020603050405020304" pitchFamily="18" charset="0"/>
+              <a:rPr lang="en-ID" dirty="0">
+                <a:latin typeface="Calibri" panose="020F0502020204030204" pitchFamily="34" charset="0"/>
+                <a:cs typeface="Calibri" panose="020F0502020204030204" pitchFamily="34" charset="0"/>
               </a:rPr>
               <a:t> </a:t>
             </a:r>
             <a:r>
-              <a:rPr lang="en-ID" sz="1600" dirty="0" err="1">
-                <a:latin typeface="Nunito" pitchFamily="2" charset="0"/>
-                <a:cs typeface="Times New Roman" panose="02020603050405020304" pitchFamily="18" charset="0"/>
+              <a:rPr lang="en-ID" dirty="0" err="1">
+                <a:latin typeface="Calibri" panose="020F0502020204030204" pitchFamily="34" charset="0"/>
+                <a:cs typeface="Calibri" panose="020F0502020204030204" pitchFamily="34" charset="0"/>
               </a:rPr>
               <a:t>nilai</a:t>
             </a:r>
             <a:r>
-              <a:rPr lang="en-ID" sz="1600" dirty="0">
-                <a:latin typeface="Nunito" pitchFamily="2" charset="0"/>
-                <a:cs typeface="Times New Roman" panose="02020603050405020304" pitchFamily="18" charset="0"/>
+              <a:rPr lang="en-ID" dirty="0">
+                <a:latin typeface="Calibri" panose="020F0502020204030204" pitchFamily="34" charset="0"/>
+                <a:cs typeface="Calibri" panose="020F0502020204030204" pitchFamily="34" charset="0"/>
               </a:rPr>
               <a:t> </a:t>
             </a:r>
             <a:r>
-              <a:rPr lang="en-ID" sz="1600" dirty="0" err="1">
-                <a:latin typeface="Nunito" pitchFamily="2" charset="0"/>
-                <a:cs typeface="Times New Roman" panose="02020603050405020304" pitchFamily="18" charset="0"/>
+              <a:rPr lang="en-ID" dirty="0" err="1">
+                <a:latin typeface="Calibri" panose="020F0502020204030204" pitchFamily="34" charset="0"/>
+                <a:cs typeface="Calibri" panose="020F0502020204030204" pitchFamily="34" charset="0"/>
               </a:rPr>
               <a:t>kosong</a:t>
             </a:r>
-            <a:endParaRPr lang="en-ID" sz="1600" dirty="0">
-              <a:latin typeface="Nunito" pitchFamily="2" charset="0"/>
-              <a:cs typeface="Times New Roman" panose="02020603050405020304" pitchFamily="18" charset="0"/>
+            <a:endParaRPr lang="en-ID" dirty="0">
+              <a:latin typeface="Calibri" panose="020F0502020204030204" pitchFamily="34" charset="0"/>
+              <a:cs typeface="Calibri" panose="020F0502020204030204" pitchFamily="34" charset="0"/>
             </a:endParaRPr>
           </a:p>
           <a:p>
             <a:pPr marL="342900" indent="-342900">
+              <a:lnSpc>
+                <a:spcPct val="150000"/>
+              </a:lnSpc>
               <a:buAutoNum type="arabicPeriod"/>
             </a:pPr>
             <a:r>
-              <a:rPr lang="en-ID" sz="1600" dirty="0" err="1">
-                <a:latin typeface="Nunito" pitchFamily="2" charset="0"/>
-                <a:cs typeface="Times New Roman" panose="02020603050405020304" pitchFamily="18" charset="0"/>
+              <a:rPr lang="en-ID" dirty="0" err="1">
+                <a:latin typeface="Calibri" panose="020F0502020204030204" pitchFamily="34" charset="0"/>
+                <a:cs typeface="Calibri" panose="020F0502020204030204" pitchFamily="34" charset="0"/>
               </a:rPr>
               <a:t>Menghilangkan</a:t>
             </a:r>
             <a:r>
-              <a:rPr lang="en-ID" sz="1600" dirty="0">
-                <a:latin typeface="Nunito" pitchFamily="2" charset="0"/>
-                <a:cs typeface="Times New Roman" panose="02020603050405020304" pitchFamily="18" charset="0"/>
+              <a:rPr lang="en-ID" dirty="0">
+                <a:latin typeface="Calibri" panose="020F0502020204030204" pitchFamily="34" charset="0"/>
+                <a:cs typeface="Calibri" panose="020F0502020204030204" pitchFamily="34" charset="0"/>
               </a:rPr>
               <a:t> outliers</a:t>
             </a:r>
           </a:p>
           <a:p>
             <a:pPr marL="342900" indent="-342900">
+              <a:lnSpc>
+                <a:spcPct val="150000"/>
+              </a:lnSpc>
               <a:buAutoNum type="arabicPeriod"/>
             </a:pPr>
             <a:r>
-              <a:rPr lang="en-ID" sz="1600" dirty="0">
-                <a:latin typeface="Nunito" pitchFamily="2" charset="0"/>
-                <a:cs typeface="Times New Roman" panose="02020603050405020304" pitchFamily="18" charset="0"/>
+              <a:rPr lang="en-ID" dirty="0">
+                <a:latin typeface="Calibri" panose="020F0502020204030204" pitchFamily="34" charset="0"/>
+                <a:cs typeface="Calibri" panose="020F0502020204030204" pitchFamily="34" charset="0"/>
               </a:rPr>
               <a:t>Cek </a:t>
             </a:r>
             <a:r>
-              <a:rPr lang="en-ID" sz="1600" dirty="0" err="1">
-                <a:latin typeface="Nunito" pitchFamily="2" charset="0"/>
-                <a:cs typeface="Times New Roman" panose="02020603050405020304" pitchFamily="18" charset="0"/>
+              <a:rPr lang="en-ID" dirty="0" err="1">
+                <a:latin typeface="Calibri" panose="020F0502020204030204" pitchFamily="34" charset="0"/>
+                <a:cs typeface="Calibri" panose="020F0502020204030204" pitchFamily="34" charset="0"/>
               </a:rPr>
               <a:t>lagi</a:t>
             </a:r>
             <a:r>
-              <a:rPr lang="en-ID" sz="1600" dirty="0">
-                <a:latin typeface="Nunito" pitchFamily="2" charset="0"/>
-                <a:cs typeface="Times New Roman" panose="02020603050405020304" pitchFamily="18" charset="0"/>
+              <a:rPr lang="en-ID" dirty="0">
+                <a:latin typeface="Calibri" panose="020F0502020204030204" pitchFamily="34" charset="0"/>
+                <a:cs typeface="Calibri" panose="020F0502020204030204" pitchFamily="34" charset="0"/>
               </a:rPr>
               <a:t> </a:t>
             </a:r>
             <a:r>
-              <a:rPr lang="en-ID" sz="1600" dirty="0" err="1">
-                <a:latin typeface="Nunito" pitchFamily="2" charset="0"/>
-                <a:cs typeface="Times New Roman" panose="02020603050405020304" pitchFamily="18" charset="0"/>
+              <a:rPr lang="en-ID" dirty="0" err="1">
+                <a:latin typeface="Calibri" panose="020F0502020204030204" pitchFamily="34" charset="0"/>
+                <a:cs typeface="Calibri" panose="020F0502020204030204" pitchFamily="34" charset="0"/>
               </a:rPr>
               <a:t>dalam</a:t>
             </a:r>
             <a:r>
-              <a:rPr lang="en-ID" sz="1600" dirty="0">
-                <a:latin typeface="Nunito" pitchFamily="2" charset="0"/>
-                <a:cs typeface="Times New Roman" panose="02020603050405020304" pitchFamily="18" charset="0"/>
+              <a:rPr lang="en-ID" dirty="0">
+                <a:latin typeface="Calibri" panose="020F0502020204030204" pitchFamily="34" charset="0"/>
+                <a:cs typeface="Calibri" panose="020F0502020204030204" pitchFamily="34" charset="0"/>
               </a:rPr>
               <a:t> </a:t>
             </a:r>
             <a:r>
-              <a:rPr lang="en-ID" sz="1600" dirty="0" err="1">
-                <a:latin typeface="Nunito" pitchFamily="2" charset="0"/>
-                <a:cs typeface="Times New Roman" panose="02020603050405020304" pitchFamily="18" charset="0"/>
+              <a:rPr lang="en-ID" dirty="0" err="1">
+                <a:latin typeface="Calibri" panose="020F0502020204030204" pitchFamily="34" charset="0"/>
+                <a:cs typeface="Calibri" panose="020F0502020204030204" pitchFamily="34" charset="0"/>
               </a:rPr>
               <a:t>perjalanan</a:t>
             </a:r>
             <a:r>
-              <a:rPr lang="en-ID" sz="1600" dirty="0">
-                <a:latin typeface="Nunito" pitchFamily="2" charset="0"/>
-                <a:cs typeface="Times New Roman" panose="02020603050405020304" pitchFamily="18" charset="0"/>
+              <a:rPr lang="en-ID" dirty="0">
+                <a:latin typeface="Calibri" panose="020F0502020204030204" pitchFamily="34" charset="0"/>
+                <a:cs typeface="Calibri" panose="020F0502020204030204" pitchFamily="34" charset="0"/>
               </a:rPr>
               <a:t> (</a:t>
             </a:r>
             <a:r>
-              <a:rPr lang="en-ID" sz="1600" dirty="0" err="1">
-                <a:latin typeface="Nunito" pitchFamily="2" charset="0"/>
-                <a:cs typeface="Times New Roman" panose="02020603050405020304" pitchFamily="18" charset="0"/>
+              <a:rPr lang="en-ID" dirty="0" err="1">
+                <a:latin typeface="Calibri" panose="020F0502020204030204" pitchFamily="34" charset="0"/>
+                <a:cs typeface="Calibri" panose="020F0502020204030204" pitchFamily="34" charset="0"/>
               </a:rPr>
               <a:t>selama</a:t>
             </a:r>
             <a:r>
-              <a:rPr lang="en-ID" sz="1600" dirty="0">
-                <a:latin typeface="Nunito" pitchFamily="2" charset="0"/>
-                <a:cs typeface="Times New Roman" panose="02020603050405020304" pitchFamily="18" charset="0"/>
+              <a:rPr lang="en-ID" dirty="0">
+                <a:latin typeface="Calibri" panose="020F0502020204030204" pitchFamily="34" charset="0"/>
+                <a:cs typeface="Calibri" panose="020F0502020204030204" pitchFamily="34" charset="0"/>
               </a:rPr>
               <a:t> step by step) cleaning data</a:t>
             </a:r>
@@ -7453,7 +7512,8 @@
                   <a:schemeClr val="tx1"/>
                 </a:solidFill>
                 <a:effectLst/>
-                <a:latin typeface="Nunito" pitchFamily="2" charset="0"/>
+                <a:latin typeface="Calibri" panose="020F0502020204030204" pitchFamily="34" charset="0"/>
+                <a:cs typeface="Calibri" panose="020F0502020204030204" pitchFamily="34" charset="0"/>
               </a:rPr>
               <a:t>Python &amp; Data Cleaning</a:t>
             </a:r>
@@ -7462,6 +7522,8 @@
                 <a:schemeClr val="tx1"/>
               </a:solidFill>
               <a:effectLst/>
+              <a:latin typeface="Calibri" panose="020F0502020204030204" pitchFamily="34" charset="0"/>
+              <a:cs typeface="Calibri" panose="020F0502020204030204" pitchFamily="34" charset="0"/>
             </a:endParaRPr>
           </a:p>
         </p:txBody>
@@ -7526,8 +7588,8 @@
           <a:p>
             <a:r>
               <a:rPr lang="en-ID" dirty="0">
-                <a:latin typeface="Nunito" pitchFamily="2" charset="0"/>
-                <a:cs typeface="Times New Roman" panose="02020603050405020304" pitchFamily="18" charset="0"/>
+                <a:latin typeface="Calibri" panose="020F0502020204030204" pitchFamily="34" charset="0"/>
+                <a:cs typeface="Calibri" panose="020F0502020204030204" pitchFamily="34" charset="0"/>
               </a:rPr>
               <a:t>Messy data is a common problem you’d likely face when you have data from sources like spreadsheets. It is important to clean your data before doing any analysis.</a:t>
             </a:r>
@@ -7549,7 +7611,7 @@
         <p:spPr>
           <a:xfrm>
             <a:off x="1066800" y="2649788"/>
-            <a:ext cx="9187543" cy="2446824"/>
+            <a:ext cx="9187543" cy="2693045"/>
           </a:xfrm>
           <a:prstGeom prst="rect">
             <a:avLst/>
@@ -7568,9 +7630,9 @@
               </a:spcAft>
             </a:pPr>
             <a:r>
-              <a:rPr lang="en-US" sz="1600" dirty="0">
-                <a:latin typeface="Nunito" pitchFamily="2" charset="0"/>
-                <a:cs typeface="Times New Roman" panose="02020603050405020304" pitchFamily="18" charset="0"/>
+              <a:rPr lang="en-US" dirty="0">
+                <a:latin typeface="Calibri" panose="020F0502020204030204" pitchFamily="34" charset="0"/>
+                <a:cs typeface="Calibri" panose="020F0502020204030204" pitchFamily="34" charset="0"/>
               </a:rPr>
               <a:t>Things to do in data cleaning :</a:t>
             </a:r>
@@ -7583,50 +7645,50 @@
               <a:buAutoNum type="arabicPeriod"/>
             </a:pPr>
             <a:r>
-              <a:rPr lang="id-ID" sz="1600" dirty="0">
-                <a:latin typeface="Nunito" pitchFamily="2" charset="0"/>
-                <a:cs typeface="Times New Roman" panose="02020603050405020304" pitchFamily="18" charset="0"/>
+              <a:rPr lang="id-ID" dirty="0">
+                <a:latin typeface="Calibri" panose="020F0502020204030204" pitchFamily="34" charset="0"/>
+                <a:cs typeface="Calibri" panose="020F0502020204030204" pitchFamily="34" charset="0"/>
               </a:rPr>
               <a:t>Change data type</a:t>
             </a:r>
             <a:r>
-              <a:rPr lang="en-US" sz="1600" dirty="0">
-                <a:latin typeface="Nunito" pitchFamily="2" charset="0"/>
-                <a:cs typeface="Times New Roman" panose="02020603050405020304" pitchFamily="18" charset="0"/>
+              <a:rPr lang="en-US" dirty="0">
+                <a:latin typeface="Calibri" panose="020F0502020204030204" pitchFamily="34" charset="0"/>
+                <a:cs typeface="Calibri" panose="020F0502020204030204" pitchFamily="34" charset="0"/>
               </a:rPr>
               <a:t> : </a:t>
             </a:r>
             <a:r>
-              <a:rPr lang="en-US" sz="1600" dirty="0" err="1">
-                <a:latin typeface="Nunito" pitchFamily="2" charset="0"/>
-                <a:cs typeface="Times New Roman" panose="02020603050405020304" pitchFamily="18" charset="0"/>
+              <a:rPr lang="en-US" dirty="0" err="1">
+                <a:latin typeface="Calibri" panose="020F0502020204030204" pitchFamily="34" charset="0"/>
+                <a:cs typeface="Calibri" panose="020F0502020204030204" pitchFamily="34" charset="0"/>
               </a:rPr>
               <a:t>last_review</a:t>
             </a:r>
             <a:r>
-              <a:rPr lang="en-US" sz="1600" dirty="0">
-                <a:latin typeface="Nunito" pitchFamily="2" charset="0"/>
-                <a:cs typeface="Times New Roman" panose="02020603050405020304" pitchFamily="18" charset="0"/>
+              <a:rPr lang="en-US" dirty="0">
+                <a:latin typeface="Calibri" panose="020F0502020204030204" pitchFamily="34" charset="0"/>
+                <a:cs typeface="Calibri" panose="020F0502020204030204" pitchFamily="34" charset="0"/>
               </a:rPr>
               <a:t> column become datetime, latitude and longitude </a:t>
             </a:r>
             <a:r>
-              <a:rPr lang="en-US" sz="1600" dirty="0" err="1">
-                <a:latin typeface="Nunito" pitchFamily="2" charset="0"/>
-                <a:cs typeface="Times New Roman" panose="02020603050405020304" pitchFamily="18" charset="0"/>
+              <a:rPr lang="en-US" dirty="0" err="1">
+                <a:latin typeface="Calibri" panose="020F0502020204030204" pitchFamily="34" charset="0"/>
+                <a:cs typeface="Calibri" panose="020F0502020204030204" pitchFamily="34" charset="0"/>
               </a:rPr>
               <a:t>colume</a:t>
             </a:r>
             <a:r>
-              <a:rPr lang="en-US" sz="1600" dirty="0">
-                <a:latin typeface="Nunito" pitchFamily="2" charset="0"/>
-                <a:cs typeface="Times New Roman" panose="02020603050405020304" pitchFamily="18" charset="0"/>
+              <a:rPr lang="en-US" dirty="0">
+                <a:latin typeface="Calibri" panose="020F0502020204030204" pitchFamily="34" charset="0"/>
+                <a:cs typeface="Calibri" panose="020F0502020204030204" pitchFamily="34" charset="0"/>
               </a:rPr>
               <a:t> become objects</a:t>
             </a:r>
-            <a:endParaRPr lang="id-ID" sz="1600" dirty="0">
-              <a:latin typeface="Nunito" pitchFamily="2" charset="0"/>
-              <a:cs typeface="Times New Roman" panose="02020603050405020304" pitchFamily="18" charset="0"/>
+            <a:endParaRPr lang="id-ID" dirty="0">
+              <a:latin typeface="Calibri" panose="020F0502020204030204" pitchFamily="34" charset="0"/>
+              <a:cs typeface="Calibri" panose="020F0502020204030204" pitchFamily="34" charset="0"/>
             </a:endParaRPr>
           </a:p>
           <a:p>
@@ -7637,9 +7699,9 @@
               <a:buAutoNum type="arabicPeriod"/>
             </a:pPr>
             <a:r>
-              <a:rPr lang="id-ID" sz="1600" dirty="0">
-                <a:latin typeface="Nunito" pitchFamily="2" charset="0"/>
-                <a:cs typeface="Times New Roman" panose="02020603050405020304" pitchFamily="18" charset="0"/>
+              <a:rPr lang="id-ID" dirty="0">
+                <a:latin typeface="Calibri" panose="020F0502020204030204" pitchFamily="34" charset="0"/>
+                <a:cs typeface="Calibri" panose="020F0502020204030204" pitchFamily="34" charset="0"/>
               </a:rPr>
               <a:t>Remove duplicated data</a:t>
             </a:r>
@@ -7652,22 +7714,22 @@
               <a:buAutoNum type="arabicPeriod"/>
             </a:pPr>
             <a:r>
-              <a:rPr lang="id-ID" sz="1600" dirty="0">
-                <a:latin typeface="Nunito" pitchFamily="2" charset="0"/>
-                <a:cs typeface="Times New Roman" panose="02020603050405020304" pitchFamily="18" charset="0"/>
+              <a:rPr lang="id-ID" dirty="0">
+                <a:latin typeface="Calibri" panose="020F0502020204030204" pitchFamily="34" charset="0"/>
+                <a:cs typeface="Calibri" panose="020F0502020204030204" pitchFamily="34" charset="0"/>
               </a:rPr>
               <a:t>Remove empty data</a:t>
             </a:r>
             <a:r>
-              <a:rPr lang="en-US" sz="1600" dirty="0">
-                <a:latin typeface="Nunito" pitchFamily="2" charset="0"/>
-                <a:cs typeface="Times New Roman" panose="02020603050405020304" pitchFamily="18" charset="0"/>
+              <a:rPr lang="en-US" dirty="0">
+                <a:latin typeface="Calibri" panose="020F0502020204030204" pitchFamily="34" charset="0"/>
+                <a:cs typeface="Calibri" panose="020F0502020204030204" pitchFamily="34" charset="0"/>
               </a:rPr>
               <a:t> : Delete null data so the number of data becomes 48858</a:t>
             </a:r>
-            <a:endParaRPr lang="id-ID" sz="1600" dirty="0">
-              <a:latin typeface="Nunito" pitchFamily="2" charset="0"/>
-              <a:cs typeface="Times New Roman" panose="02020603050405020304" pitchFamily="18" charset="0"/>
+            <a:endParaRPr lang="id-ID" dirty="0">
+              <a:latin typeface="Calibri" panose="020F0502020204030204" pitchFamily="34" charset="0"/>
+              <a:cs typeface="Calibri" panose="020F0502020204030204" pitchFamily="34" charset="0"/>
             </a:endParaRPr>
           </a:p>
           <a:p>
@@ -7678,22 +7740,22 @@
               <a:buAutoNum type="arabicPeriod"/>
             </a:pPr>
             <a:r>
-              <a:rPr lang="id-ID" sz="1600" dirty="0">
-                <a:latin typeface="Nunito" pitchFamily="2" charset="0"/>
-                <a:cs typeface="Times New Roman" panose="02020603050405020304" pitchFamily="18" charset="0"/>
+              <a:rPr lang="id-ID" dirty="0">
+                <a:latin typeface="Calibri" panose="020F0502020204030204" pitchFamily="34" charset="0"/>
+                <a:cs typeface="Calibri" panose="020F0502020204030204" pitchFamily="34" charset="0"/>
               </a:rPr>
               <a:t>Remove outliers</a:t>
             </a:r>
             <a:r>
-              <a:rPr lang="en-US" sz="1600" dirty="0">
-                <a:latin typeface="Nunito" pitchFamily="2" charset="0"/>
-                <a:cs typeface="Times New Roman" panose="02020603050405020304" pitchFamily="18" charset="0"/>
+              <a:rPr lang="en-US" dirty="0">
+                <a:latin typeface="Calibri" panose="020F0502020204030204" pitchFamily="34" charset="0"/>
+                <a:cs typeface="Calibri" panose="020F0502020204030204" pitchFamily="34" charset="0"/>
               </a:rPr>
               <a:t> : Delete data that has a value that exceeds the upper and lower limits (data outliers) in the 'price' column, so that the total data becomes 45882</a:t>
             </a:r>
-            <a:endParaRPr lang="id-ID" sz="1600" dirty="0">
-              <a:latin typeface="Nunito" pitchFamily="2" charset="0"/>
-              <a:cs typeface="Times New Roman" panose="02020603050405020304" pitchFamily="18" charset="0"/>
+            <a:endParaRPr lang="id-ID" dirty="0">
+              <a:latin typeface="Calibri" panose="020F0502020204030204" pitchFamily="34" charset="0"/>
+              <a:cs typeface="Calibri" panose="020F0502020204030204" pitchFamily="34" charset="0"/>
             </a:endParaRPr>
           </a:p>
           <a:p>
@@ -7704,15 +7766,15 @@
               <a:buAutoNum type="arabicPeriod"/>
             </a:pPr>
             <a:r>
-              <a:rPr lang="id-ID" sz="1600" dirty="0">
-                <a:latin typeface="Nunito" pitchFamily="2" charset="0"/>
-                <a:cs typeface="Times New Roman" panose="02020603050405020304" pitchFamily="18" charset="0"/>
+              <a:rPr lang="id-ID" dirty="0">
+                <a:latin typeface="Calibri" panose="020F0502020204030204" pitchFamily="34" charset="0"/>
+                <a:cs typeface="Calibri" panose="020F0502020204030204" pitchFamily="34" charset="0"/>
               </a:rPr>
               <a:t>Remove unnecessary data</a:t>
             </a:r>
-            <a:endParaRPr lang="en-ID" sz="1600" dirty="0">
-              <a:latin typeface="Nunito" pitchFamily="2" charset="0"/>
-              <a:cs typeface="Times New Roman" panose="02020603050405020304" pitchFamily="18" charset="0"/>
+            <a:endParaRPr lang="en-ID" dirty="0">
+              <a:latin typeface="Calibri" panose="020F0502020204030204" pitchFamily="34" charset="0"/>
+              <a:cs typeface="Calibri" panose="020F0502020204030204" pitchFamily="34" charset="0"/>
             </a:endParaRPr>
           </a:p>
         </p:txBody>
@@ -7732,7 +7794,7 @@
         <p:spPr>
           <a:xfrm>
             <a:off x="1066800" y="1083234"/>
-            <a:ext cx="1773306" cy="369332"/>
+            <a:ext cx="1684820" cy="369332"/>
           </a:xfrm>
           <a:prstGeom prst="rect">
             <a:avLst/>
@@ -7746,7 +7808,10 @@
           <a:lstStyle/>
           <a:p>
             <a:r>
-              <a:rPr lang="en-ID" dirty="0"/>
+              <a:rPr lang="en-ID" dirty="0">
+                <a:latin typeface="Calibri" panose="020F0502020204030204" pitchFamily="34" charset="0"/>
+                <a:cs typeface="Calibri" panose="020F0502020204030204" pitchFamily="34" charset="0"/>
+              </a:rPr>
               <a:t>DATA CLEANING</a:t>
             </a:r>
           </a:p>
@@ -7817,7 +7882,8 @@
                   <a:schemeClr val="tx1"/>
                 </a:solidFill>
                 <a:effectLst/>
-                <a:latin typeface="Nunito" pitchFamily="2" charset="0"/>
+                <a:latin typeface="Calibri" panose="020F0502020204030204" pitchFamily="34" charset="0"/>
+                <a:cs typeface="Calibri" panose="020F0502020204030204" pitchFamily="34" charset="0"/>
               </a:rPr>
               <a:t>Python &amp; Data Cleaning</a:t>
             </a:r>
@@ -7826,6 +7892,8 @@
                 <a:schemeClr val="tx1"/>
               </a:solidFill>
               <a:effectLst/>
+              <a:latin typeface="Calibri" panose="020F0502020204030204" pitchFamily="34" charset="0"/>
+              <a:cs typeface="Calibri" panose="020F0502020204030204" pitchFamily="34" charset="0"/>
             </a:endParaRPr>
           </a:p>
         </p:txBody>
@@ -7955,7 +8023,8 @@
                   <a:schemeClr val="tx1"/>
                 </a:solidFill>
                 <a:effectLst/>
-                <a:latin typeface="Nunito" pitchFamily="2" charset="0"/>
+                <a:latin typeface="Calibri" panose="020F0502020204030204" pitchFamily="34" charset="0"/>
+                <a:cs typeface="Calibri" panose="020F0502020204030204" pitchFamily="34" charset="0"/>
               </a:rPr>
               <a:t>Python &amp; Data Cleaning</a:t>
             </a:r>
@@ -7964,6 +8033,8 @@
                 <a:schemeClr val="tx1"/>
               </a:solidFill>
               <a:effectLst/>
+              <a:latin typeface="Calibri" panose="020F0502020204030204" pitchFamily="34" charset="0"/>
+              <a:cs typeface="Calibri" panose="020F0502020204030204" pitchFamily="34" charset="0"/>
             </a:endParaRPr>
           </a:p>
         </p:txBody>
@@ -7983,7 +8054,7 @@
         <p:spPr>
           <a:xfrm>
             <a:off x="1066800" y="864844"/>
-            <a:ext cx="4088363" cy="369332"/>
+            <a:ext cx="3655360" cy="369332"/>
           </a:xfrm>
           <a:prstGeom prst="rect">
             <a:avLst/>
@@ -7997,7 +8068,10 @@
           <a:lstStyle/>
           <a:p>
             <a:r>
-              <a:rPr lang="en-ID" dirty="0"/>
+              <a:rPr lang="en-ID" dirty="0">
+                <a:latin typeface="Calibri" panose="020F0502020204030204" pitchFamily="34" charset="0"/>
+                <a:cs typeface="Calibri" panose="020F0502020204030204" pitchFamily="34" charset="0"/>
+              </a:rPr>
               <a:t>Preview the Data after data cleaning:</a:t>
             </a:r>
           </a:p>
@@ -8069,22 +8143,22 @@
             </a:pPr>
             <a:r>
               <a:rPr lang="en-US" dirty="0">
-                <a:latin typeface="Nunito" pitchFamily="2" charset="0"/>
-                <a:cs typeface="Times New Roman" panose="02020603050405020304" pitchFamily="18" charset="0"/>
+                <a:latin typeface="Calibri" panose="020F0502020204030204" pitchFamily="34" charset="0"/>
+                <a:cs typeface="Calibri" panose="020F0502020204030204" pitchFamily="34" charset="0"/>
               </a:rPr>
               <a:t>What is </a:t>
             </a:r>
             <a:r>
               <a:rPr lang="en-US" dirty="0" err="1">
-                <a:latin typeface="Nunito" pitchFamily="2" charset="0"/>
-                <a:cs typeface="Times New Roman" panose="02020603050405020304" pitchFamily="18" charset="0"/>
+                <a:latin typeface="Calibri" panose="020F0502020204030204" pitchFamily="34" charset="0"/>
+                <a:cs typeface="Calibri" panose="020F0502020204030204" pitchFamily="34" charset="0"/>
               </a:rPr>
               <a:t>AirBnB</a:t>
             </a:r>
             <a:r>
               <a:rPr lang="en-US" dirty="0">
-                <a:latin typeface="Nunito" pitchFamily="2" charset="0"/>
-                <a:cs typeface="Times New Roman" panose="02020603050405020304" pitchFamily="18" charset="0"/>
+                <a:latin typeface="Calibri" panose="020F0502020204030204" pitchFamily="34" charset="0"/>
+                <a:cs typeface="Calibri" panose="020F0502020204030204" pitchFamily="34" charset="0"/>
               </a:rPr>
               <a:t> largest  segment of rented properties?</a:t>
             </a:r>
@@ -8098,8 +8172,8 @@
             </a:pPr>
             <a:r>
               <a:rPr lang="en-US" dirty="0">
-                <a:latin typeface="Nunito" pitchFamily="2" charset="0"/>
-                <a:cs typeface="Times New Roman" panose="02020603050405020304" pitchFamily="18" charset="0"/>
+                <a:latin typeface="Calibri" panose="020F0502020204030204" pitchFamily="34" charset="0"/>
+                <a:cs typeface="Calibri" panose="020F0502020204030204" pitchFamily="34" charset="0"/>
               </a:rPr>
               <a:t>How many properties are there in each borough?</a:t>
             </a:r>
@@ -8113,8 +8187,8 @@
             </a:pPr>
             <a:r>
               <a:rPr lang="en-US" dirty="0">
-                <a:latin typeface="Nunito" pitchFamily="2" charset="0"/>
-                <a:cs typeface="Times New Roman" panose="02020603050405020304" pitchFamily="18" charset="0"/>
+                <a:latin typeface="Calibri" panose="020F0502020204030204" pitchFamily="34" charset="0"/>
+                <a:cs typeface="Calibri" panose="020F0502020204030204" pitchFamily="34" charset="0"/>
               </a:rPr>
               <a:t>How is the rental price distribution for each room type?</a:t>
             </a:r>
@@ -8128,22 +8202,22 @@
             </a:pPr>
             <a:r>
               <a:rPr lang="en-US" dirty="0">
-                <a:latin typeface="Nunito" pitchFamily="2" charset="0"/>
-                <a:cs typeface="Times New Roman" panose="02020603050405020304" pitchFamily="18" charset="0"/>
+                <a:latin typeface="Calibri" panose="020F0502020204030204" pitchFamily="34" charset="0"/>
+                <a:cs typeface="Calibri" panose="020F0502020204030204" pitchFamily="34" charset="0"/>
               </a:rPr>
               <a:t>How many property does each host rents via </a:t>
             </a:r>
             <a:r>
               <a:rPr lang="en-US" dirty="0" err="1">
-                <a:latin typeface="Nunito" pitchFamily="2" charset="0"/>
-                <a:cs typeface="Times New Roman" panose="02020603050405020304" pitchFamily="18" charset="0"/>
+                <a:latin typeface="Calibri" panose="020F0502020204030204" pitchFamily="34" charset="0"/>
+                <a:cs typeface="Calibri" panose="020F0502020204030204" pitchFamily="34" charset="0"/>
               </a:rPr>
               <a:t>AirBnB</a:t>
             </a:r>
             <a:r>
               <a:rPr lang="en-US" dirty="0">
-                <a:latin typeface="Nunito" pitchFamily="2" charset="0"/>
-                <a:cs typeface="Times New Roman" panose="02020603050405020304" pitchFamily="18" charset="0"/>
+                <a:latin typeface="Calibri" panose="020F0502020204030204" pitchFamily="34" charset="0"/>
+                <a:cs typeface="Calibri" panose="020F0502020204030204" pitchFamily="34" charset="0"/>
               </a:rPr>
               <a:t>?</a:t>
             </a:r>
@@ -8157,14 +8231,14 @@
             </a:pPr>
             <a:r>
               <a:rPr lang="en-US" dirty="0">
-                <a:latin typeface="Nunito" pitchFamily="2" charset="0"/>
-                <a:cs typeface="Times New Roman" panose="02020603050405020304" pitchFamily="18" charset="0"/>
+                <a:latin typeface="Calibri" panose="020F0502020204030204" pitchFamily="34" charset="0"/>
+                <a:cs typeface="Calibri" panose="020F0502020204030204" pitchFamily="34" charset="0"/>
               </a:rPr>
               <a:t>How is the trend of property review? Are there any properties that’s left too long without any price review? </a:t>
             </a:r>
             <a:endParaRPr lang="en-ID" dirty="0">
-              <a:latin typeface="Nunito" pitchFamily="2" charset="0"/>
-              <a:cs typeface="Times New Roman" panose="02020603050405020304" pitchFamily="18" charset="0"/>
+              <a:latin typeface="Calibri" panose="020F0502020204030204" pitchFamily="34" charset="0"/>
+              <a:cs typeface="Calibri" panose="020F0502020204030204" pitchFamily="34" charset="0"/>
             </a:endParaRPr>
           </a:p>
         </p:txBody>
@@ -8234,7 +8308,8 @@
                   <a:schemeClr val="tx1"/>
                 </a:solidFill>
                 <a:effectLst/>
-                <a:latin typeface="Nunito" pitchFamily="2" charset="0"/>
+                <a:latin typeface="Calibri" panose="020F0502020204030204" pitchFamily="34" charset="0"/>
+                <a:cs typeface="Calibri" panose="020F0502020204030204" pitchFamily="34" charset="0"/>
               </a:rPr>
               <a:t>Defining the Problem</a:t>
             </a:r>
@@ -8243,6 +8318,8 @@
                 <a:schemeClr val="tx1"/>
               </a:solidFill>
               <a:effectLst/>
+              <a:latin typeface="Calibri" panose="020F0502020204030204" pitchFamily="34" charset="0"/>
+              <a:cs typeface="Calibri" panose="020F0502020204030204" pitchFamily="34" charset="0"/>
             </a:endParaRPr>
           </a:p>
         </p:txBody>
@@ -8299,7 +8376,10 @@
           <a:lstStyle/>
           <a:p>
             <a:r>
-              <a:rPr lang="en-ID" dirty="0"/>
+              <a:rPr lang="en-ID" dirty="0">
+                <a:latin typeface="Calibri" panose="020F0502020204030204" pitchFamily="34" charset="0"/>
+                <a:cs typeface="Calibri" panose="020F0502020204030204" pitchFamily="34" charset="0"/>
+              </a:rPr>
               <a:t>THANK YOU</a:t>
             </a:r>
           </a:p>
